--- a/Paul_Bonte_P7_03_Présentation.pptx
+++ b/Paul_Bonte_P7_03_Présentation.pptx
@@ -6,6 +6,14 @@
   </p:sldMasterIdLst>
   <p:sldIdLst>
     <p:sldId id="256" r:id="rId2"/>
+    <p:sldId id="257" r:id="rId3"/>
+    <p:sldId id="258" r:id="rId4"/>
+    <p:sldId id="259" r:id="rId5"/>
+    <p:sldId id="260" r:id="rId6"/>
+    <p:sldId id="261" r:id="rId7"/>
+    <p:sldId id="262" r:id="rId8"/>
+    <p:sldId id="263" r:id="rId9"/>
+    <p:sldId id="264" r:id="rId10"/>
   </p:sldIdLst>
   <p:sldSz cx="12192000" cy="6858000"/>
   <p:notesSz cx="6858000" cy="9144000"/>
@@ -104,6 +112,11 @@
       </a:defRPr>
     </a:lvl9pPr>
   </p:defaultTextStyle>
+  <p:extLst>
+    <p:ext uri="{EFAFB233-063F-42B5-8137-9DF3F51BA10A}">
+      <p15:sldGuideLst xmlns:p15="http://schemas.microsoft.com/office/powerpoint/2012/main"/>
+    </p:ext>
+  </p:extLst>
 </p:presentation>
 </file>
 
@@ -254,7 +267,7 @@
           <a:p>
             <a:fld id="{031E606A-FED5-4545-9851-5AFDEBEF6356}" type="datetimeFigureOut">
               <a:rPr lang="fr-FR" smtClean="0"/>
-              <a:t>15/02/2022</a:t>
+              <a:t>17/03/2022</a:t>
             </a:fld>
             <a:endParaRPr lang="fr-FR"/>
           </a:p>
@@ -452,7 +465,7 @@
           <a:p>
             <a:fld id="{031E606A-FED5-4545-9851-5AFDEBEF6356}" type="datetimeFigureOut">
               <a:rPr lang="fr-FR" smtClean="0"/>
-              <a:t>15/02/2022</a:t>
+              <a:t>17/03/2022</a:t>
             </a:fld>
             <a:endParaRPr lang="fr-FR"/>
           </a:p>
@@ -660,7 +673,7 @@
           <a:p>
             <a:fld id="{031E606A-FED5-4545-9851-5AFDEBEF6356}" type="datetimeFigureOut">
               <a:rPr lang="fr-FR" smtClean="0"/>
-              <a:t>15/02/2022</a:t>
+              <a:t>17/03/2022</a:t>
             </a:fld>
             <a:endParaRPr lang="fr-FR"/>
           </a:p>
@@ -858,7 +871,7 @@
           <a:p>
             <a:fld id="{031E606A-FED5-4545-9851-5AFDEBEF6356}" type="datetimeFigureOut">
               <a:rPr lang="fr-FR" smtClean="0"/>
-              <a:t>15/02/2022</a:t>
+              <a:t>17/03/2022</a:t>
             </a:fld>
             <a:endParaRPr lang="fr-FR"/>
           </a:p>
@@ -1133,7 +1146,7 @@
           <a:p>
             <a:fld id="{031E606A-FED5-4545-9851-5AFDEBEF6356}" type="datetimeFigureOut">
               <a:rPr lang="fr-FR" smtClean="0"/>
-              <a:t>15/02/2022</a:t>
+              <a:t>17/03/2022</a:t>
             </a:fld>
             <a:endParaRPr lang="fr-FR"/>
           </a:p>
@@ -1398,7 +1411,7 @@
           <a:p>
             <a:fld id="{031E606A-FED5-4545-9851-5AFDEBEF6356}" type="datetimeFigureOut">
               <a:rPr lang="fr-FR" smtClean="0"/>
-              <a:t>15/02/2022</a:t>
+              <a:t>17/03/2022</a:t>
             </a:fld>
             <a:endParaRPr lang="fr-FR"/>
           </a:p>
@@ -1810,7 +1823,7 @@
           <a:p>
             <a:fld id="{031E606A-FED5-4545-9851-5AFDEBEF6356}" type="datetimeFigureOut">
               <a:rPr lang="fr-FR" smtClean="0"/>
-              <a:t>15/02/2022</a:t>
+              <a:t>17/03/2022</a:t>
             </a:fld>
             <a:endParaRPr lang="fr-FR"/>
           </a:p>
@@ -1951,7 +1964,7 @@
           <a:p>
             <a:fld id="{031E606A-FED5-4545-9851-5AFDEBEF6356}" type="datetimeFigureOut">
               <a:rPr lang="fr-FR" smtClean="0"/>
-              <a:t>15/02/2022</a:t>
+              <a:t>17/03/2022</a:t>
             </a:fld>
             <a:endParaRPr lang="fr-FR"/>
           </a:p>
@@ -2064,7 +2077,7 @@
           <a:p>
             <a:fld id="{031E606A-FED5-4545-9851-5AFDEBEF6356}" type="datetimeFigureOut">
               <a:rPr lang="fr-FR" smtClean="0"/>
-              <a:t>15/02/2022</a:t>
+              <a:t>17/03/2022</a:t>
             </a:fld>
             <a:endParaRPr lang="fr-FR"/>
           </a:p>
@@ -2375,7 +2388,7 @@
           <a:p>
             <a:fld id="{031E606A-FED5-4545-9851-5AFDEBEF6356}" type="datetimeFigureOut">
               <a:rPr lang="fr-FR" smtClean="0"/>
-              <a:t>15/02/2022</a:t>
+              <a:t>17/03/2022</a:t>
             </a:fld>
             <a:endParaRPr lang="fr-FR"/>
           </a:p>
@@ -2663,7 +2676,7 @@
           <a:p>
             <a:fld id="{031E606A-FED5-4545-9851-5AFDEBEF6356}" type="datetimeFigureOut">
               <a:rPr lang="fr-FR" smtClean="0"/>
-              <a:t>15/02/2022</a:t>
+              <a:t>17/03/2022</a:t>
             </a:fld>
             <a:endParaRPr lang="fr-FR"/>
           </a:p>
@@ -2904,7 +2917,7 @@
           <a:p>
             <a:fld id="{031E606A-FED5-4545-9851-5AFDEBEF6356}" type="datetimeFigureOut">
               <a:rPr lang="fr-FR" smtClean="0"/>
-              <a:t>15/02/2022</a:t>
+              <a:t>17/03/2022</a:t>
             </a:fld>
             <a:endParaRPr lang="fr-FR"/>
           </a:p>
@@ -3323,51 +3336,134 @@
       </p:grpSpPr>
       <p:sp>
         <p:nvSpPr>
-          <p:cNvPr id="2" name="Titre 1">
-            <a:extLst>
-              <a:ext uri="{FF2B5EF4-FFF2-40B4-BE49-F238E27FC236}">
-                <a16:creationId xmlns:a16="http://schemas.microsoft.com/office/drawing/2014/main" id="{70E8B0AE-74B8-4488-ACEE-28D10321A502}"/>
-              </a:ext>
-            </a:extLst>
-          </p:cNvPr>
-          <p:cNvSpPr>
-            <a:spLocks noGrp="1"/>
-          </p:cNvSpPr>
-          <p:nvPr>
-            <p:ph type="ctrTitle"/>
-          </p:nvPr>
-        </p:nvSpPr>
-        <p:spPr/>
-        <p:txBody>
-          <a:bodyPr/>
-          <a:lstStyle/>
-          <a:p>
+          <p:cNvPr id="6" name="Rectangle 5">
+            <a:extLst>
+              <a:ext uri="{FF2B5EF4-FFF2-40B4-BE49-F238E27FC236}">
+                <a16:creationId xmlns:a16="http://schemas.microsoft.com/office/drawing/2014/main" id="{0CE170EA-7423-41E9-A26A-371A1DE2F68D}"/>
+              </a:ext>
+            </a:extLst>
+          </p:cNvPr>
+          <p:cNvSpPr/>
+          <p:nvPr/>
+        </p:nvSpPr>
+        <p:spPr>
+          <a:xfrm>
+            <a:off x="0" y="0"/>
+            <a:ext cx="12192000" cy="6858000"/>
+          </a:xfrm>
+          <a:prstGeom prst="rect">
+            <a:avLst/>
+          </a:prstGeom>
+          <a:solidFill>
+            <a:srgbClr val="D7D8D7"/>
+          </a:solidFill>
+          <a:ln>
+            <a:solidFill>
+              <a:srgbClr val="D7D8D7"/>
+            </a:solidFill>
+          </a:ln>
+        </p:spPr>
+        <p:style>
+          <a:lnRef idx="2">
+            <a:schemeClr val="accent1">
+              <a:shade val="50000"/>
+            </a:schemeClr>
+          </a:lnRef>
+          <a:fillRef idx="1">
+            <a:schemeClr val="accent1"/>
+          </a:fillRef>
+          <a:effectRef idx="0">
+            <a:schemeClr val="accent1"/>
+          </a:effectRef>
+          <a:fontRef idx="minor">
+            <a:schemeClr val="lt1"/>
+          </a:fontRef>
+        </p:style>
+        <p:txBody>
+          <a:bodyPr rtlCol="0" anchor="ctr"/>
+          <a:lstStyle/>
+          <a:p>
+            <a:pPr algn="ctr"/>
             <a:endParaRPr lang="fr-FR"/>
           </a:p>
         </p:txBody>
       </p:sp>
-      <p:sp>
-        <p:nvSpPr>
-          <p:cNvPr id="3" name="Sous-titre 2">
-            <a:extLst>
-              <a:ext uri="{FF2B5EF4-FFF2-40B4-BE49-F238E27FC236}">
-                <a16:creationId xmlns:a16="http://schemas.microsoft.com/office/drawing/2014/main" id="{F69BA86B-97E9-41D5-926B-F00D6D95E373}"/>
-              </a:ext>
-            </a:extLst>
-          </p:cNvPr>
-          <p:cNvSpPr>
-            <a:spLocks noGrp="1"/>
-          </p:cNvSpPr>
-          <p:nvPr>
-            <p:ph type="subTitle" idx="1"/>
-          </p:nvPr>
-        </p:nvSpPr>
-        <p:spPr/>
-        <p:txBody>
-          <a:bodyPr/>
-          <a:lstStyle/>
-          <a:p>
-            <a:endParaRPr lang="fr-FR"/>
+      <p:pic>
+        <p:nvPicPr>
+          <p:cNvPr id="5" name="Image 4">
+            <a:extLst>
+              <a:ext uri="{FF2B5EF4-FFF2-40B4-BE49-F238E27FC236}">
+                <a16:creationId xmlns:a16="http://schemas.microsoft.com/office/drawing/2014/main" id="{F68BA480-B319-45EB-94D9-AFB60A5A1593}"/>
+              </a:ext>
+            </a:extLst>
+          </p:cNvPr>
+          <p:cNvPicPr>
+            <a:picLocks noChangeAspect="1"/>
+          </p:cNvPicPr>
+          <p:nvPr/>
+        </p:nvPicPr>
+        <p:blipFill rotWithShape="1">
+          <a:blip r:embed="rId2"/>
+          <a:srcRect l="2655" t="1501" r="2750" b="4090"/>
+          <a:stretch/>
+        </p:blipFill>
+        <p:spPr>
+          <a:xfrm>
+            <a:off x="4598633" y="2015232"/>
+            <a:ext cx="2991775" cy="2752078"/>
+          </a:xfrm>
+          <a:prstGeom prst="rect">
+            <a:avLst/>
+          </a:prstGeom>
+        </p:spPr>
+      </p:pic>
+      <p:sp>
+        <p:nvSpPr>
+          <p:cNvPr id="9" name="ZoneTexte 8">
+            <a:extLst>
+              <a:ext uri="{FF2B5EF4-FFF2-40B4-BE49-F238E27FC236}">
+                <a16:creationId xmlns:a16="http://schemas.microsoft.com/office/drawing/2014/main" id="{DBC477E9-F3A6-465C-A8E1-28E6146D82B8}"/>
+              </a:ext>
+            </a:extLst>
+          </p:cNvPr>
+          <p:cNvSpPr txBox="1"/>
+          <p:nvPr/>
+        </p:nvSpPr>
+        <p:spPr>
+          <a:xfrm>
+            <a:off x="4017146" y="4767310"/>
+            <a:ext cx="6098958" cy="369332"/>
+          </a:xfrm>
+          <a:prstGeom prst="rect">
+            <a:avLst/>
+          </a:prstGeom>
+          <a:noFill/>
+        </p:spPr>
+        <p:txBody>
+          <a:bodyPr wrap="square">
+            <a:spAutoFit/>
+          </a:bodyPr>
+          <a:lstStyle/>
+          <a:p>
+            <a:pPr algn="l"/>
+            <a:r>
+              <a:rPr lang="fr-FR" b="1" i="0" dirty="0">
+                <a:effectLst/>
+                <a:latin typeface="Montserrat" panose="00000500000000000000" pitchFamily="2" charset="0"/>
+              </a:rPr>
+              <a:t>Implémentez un modèle de </a:t>
+            </a:r>
+            <a:r>
+              <a:rPr lang="fr-FR" b="1" i="0" dirty="0" err="1">
+                <a:effectLst/>
+                <a:latin typeface="Montserrat" panose="00000500000000000000" pitchFamily="2" charset="0"/>
+              </a:rPr>
+              <a:t>scoring</a:t>
+            </a:r>
+            <a:endParaRPr lang="fr-FR" b="1" i="0" dirty="0">
+              <a:effectLst/>
+              <a:latin typeface="Montserrat" panose="00000500000000000000" pitchFamily="2" charset="0"/>
+            </a:endParaRPr>
           </a:p>
         </p:txBody>
       </p:sp>
@@ -3375,6 +3471,1079 @@
     <p:extLst>
       <p:ext uri="{BB962C8B-B14F-4D97-AF65-F5344CB8AC3E}">
         <p14:creationId xmlns:p14="http://schemas.microsoft.com/office/powerpoint/2010/main" val="2320149800"/>
+      </p:ext>
+    </p:extLst>
+  </p:cSld>
+  <p:clrMapOvr>
+    <a:masterClrMapping/>
+  </p:clrMapOvr>
+</p:sld>
+</file>
+
+<file path=ppt/slides/slide2.xml><?xml version="1.0" encoding="utf-8"?>
+<p:sld xmlns:a="http://schemas.openxmlformats.org/drawingml/2006/main" xmlns:r="http://schemas.openxmlformats.org/officeDocument/2006/relationships" xmlns:p="http://schemas.openxmlformats.org/presentationml/2006/main">
+  <p:cSld>
+    <p:spTree>
+      <p:nvGrpSpPr>
+        <p:cNvPr id="1" name=""/>
+        <p:cNvGrpSpPr/>
+        <p:nvPr/>
+      </p:nvGrpSpPr>
+      <p:grpSpPr>
+        <a:xfrm>
+          <a:off x="0" y="0"/>
+          <a:ext cx="0" cy="0"/>
+          <a:chOff x="0" y="0"/>
+          <a:chExt cx="0" cy="0"/>
+        </a:xfrm>
+      </p:grpSpPr>
+      <p:sp>
+        <p:nvSpPr>
+          <p:cNvPr id="4" name="Rectangle 3">
+            <a:extLst>
+              <a:ext uri="{FF2B5EF4-FFF2-40B4-BE49-F238E27FC236}">
+                <a16:creationId xmlns:a16="http://schemas.microsoft.com/office/drawing/2014/main" id="{DB320C1A-E1A6-409C-BA2E-18BF6D92F415}"/>
+              </a:ext>
+            </a:extLst>
+          </p:cNvPr>
+          <p:cNvSpPr/>
+          <p:nvPr/>
+        </p:nvSpPr>
+        <p:spPr>
+          <a:xfrm>
+            <a:off x="0" y="0"/>
+            <a:ext cx="12192000" cy="6858000"/>
+          </a:xfrm>
+          <a:prstGeom prst="rect">
+            <a:avLst/>
+          </a:prstGeom>
+          <a:solidFill>
+            <a:srgbClr val="D7D8D7"/>
+          </a:solidFill>
+          <a:ln>
+            <a:solidFill>
+              <a:srgbClr val="D7D8D7"/>
+            </a:solidFill>
+          </a:ln>
+        </p:spPr>
+        <p:style>
+          <a:lnRef idx="2">
+            <a:schemeClr val="accent1">
+              <a:shade val="50000"/>
+            </a:schemeClr>
+          </a:lnRef>
+          <a:fillRef idx="1">
+            <a:schemeClr val="accent1"/>
+          </a:fillRef>
+          <a:effectRef idx="0">
+            <a:schemeClr val="accent1"/>
+          </a:effectRef>
+          <a:fontRef idx="minor">
+            <a:schemeClr val="lt1"/>
+          </a:fontRef>
+        </p:style>
+        <p:txBody>
+          <a:bodyPr rtlCol="0" anchor="ctr"/>
+          <a:lstStyle/>
+          <a:p>
+            <a:pPr algn="ctr"/>
+            <a:endParaRPr lang="fr-FR"/>
+          </a:p>
+        </p:txBody>
+      </p:sp>
+      <p:sp>
+        <p:nvSpPr>
+          <p:cNvPr id="2" name="Titre 1">
+            <a:extLst>
+              <a:ext uri="{FF2B5EF4-FFF2-40B4-BE49-F238E27FC236}">
+                <a16:creationId xmlns:a16="http://schemas.microsoft.com/office/drawing/2014/main" id="{1243ED1C-1A07-4F34-B448-CA06D63523F7}"/>
+              </a:ext>
+            </a:extLst>
+          </p:cNvPr>
+          <p:cNvSpPr>
+            <a:spLocks noGrp="1"/>
+          </p:cNvSpPr>
+          <p:nvPr>
+            <p:ph type="title"/>
+          </p:nvPr>
+        </p:nvSpPr>
+        <p:spPr/>
+        <p:txBody>
+          <a:bodyPr/>
+          <a:lstStyle/>
+          <a:p>
+            <a:r>
+              <a:rPr lang="fr-FR" sz="4800" b="1" dirty="0"/>
+              <a:t>Sommaire</a:t>
+            </a:r>
+            <a:endParaRPr lang="fr-FR" b="1" dirty="0"/>
+          </a:p>
+        </p:txBody>
+      </p:sp>
+      <p:sp>
+        <p:nvSpPr>
+          <p:cNvPr id="3" name="ZoneTexte 2">
+            <a:extLst>
+              <a:ext uri="{FF2B5EF4-FFF2-40B4-BE49-F238E27FC236}">
+                <a16:creationId xmlns:a16="http://schemas.microsoft.com/office/drawing/2014/main" id="{EC30CB24-E66B-4346-B917-F4E855C190FF}"/>
+              </a:ext>
+            </a:extLst>
+          </p:cNvPr>
+          <p:cNvSpPr txBox="1"/>
+          <p:nvPr/>
+        </p:nvSpPr>
+        <p:spPr>
+          <a:xfrm>
+            <a:off x="838200" y="1619666"/>
+            <a:ext cx="6688562" cy="4992457"/>
+          </a:xfrm>
+          <a:prstGeom prst="rect">
+            <a:avLst/>
+          </a:prstGeom>
+          <a:noFill/>
+        </p:spPr>
+        <p:txBody>
+          <a:bodyPr wrap="none" rtlCol="0">
+            <a:spAutoFit/>
+          </a:bodyPr>
+          <a:lstStyle/>
+          <a:p>
+            <a:pPr>
+              <a:lnSpc>
+                <a:spcPct val="150000"/>
+              </a:lnSpc>
+            </a:pPr>
+            <a:r>
+              <a:rPr lang="fr-FR" sz="3600" dirty="0"/>
+              <a:t>1. Rappel de la problématique</a:t>
+            </a:r>
+          </a:p>
+          <a:p>
+            <a:pPr>
+              <a:lnSpc>
+                <a:spcPct val="150000"/>
+              </a:lnSpc>
+            </a:pPr>
+            <a:r>
+              <a:rPr lang="fr-FR" sz="3600" dirty="0"/>
+              <a:t>2. Présentation du jeu de données </a:t>
+            </a:r>
+          </a:p>
+          <a:p>
+            <a:pPr>
+              <a:lnSpc>
+                <a:spcPct val="150000"/>
+              </a:lnSpc>
+            </a:pPr>
+            <a:r>
+              <a:rPr lang="fr-FR" sz="3600" dirty="0"/>
+              <a:t>3. Modélisation</a:t>
+            </a:r>
+          </a:p>
+          <a:p>
+            <a:pPr>
+              <a:lnSpc>
+                <a:spcPct val="150000"/>
+              </a:lnSpc>
+            </a:pPr>
+            <a:r>
+              <a:rPr lang="fr-FR" sz="3600" dirty="0"/>
+              <a:t>4. Outils</a:t>
+            </a:r>
+          </a:p>
+          <a:p>
+            <a:pPr>
+              <a:lnSpc>
+                <a:spcPct val="150000"/>
+              </a:lnSpc>
+            </a:pPr>
+            <a:r>
+              <a:rPr lang="fr-FR" sz="3600" dirty="0"/>
+              <a:t>5. Dashboard</a:t>
+            </a:r>
+          </a:p>
+          <a:p>
+            <a:pPr>
+              <a:lnSpc>
+                <a:spcPct val="150000"/>
+              </a:lnSpc>
+            </a:pPr>
+            <a:endParaRPr lang="fr-FR" sz="3600" dirty="0"/>
+          </a:p>
+        </p:txBody>
+      </p:sp>
+    </p:spTree>
+    <p:extLst>
+      <p:ext uri="{BB962C8B-B14F-4D97-AF65-F5344CB8AC3E}">
+        <p14:creationId xmlns:p14="http://schemas.microsoft.com/office/powerpoint/2010/main" val="804682713"/>
+      </p:ext>
+    </p:extLst>
+  </p:cSld>
+  <p:clrMapOvr>
+    <a:masterClrMapping/>
+  </p:clrMapOvr>
+</p:sld>
+</file>
+
+<file path=ppt/slides/slide3.xml><?xml version="1.0" encoding="utf-8"?>
+<p:sld xmlns:a="http://schemas.openxmlformats.org/drawingml/2006/main" xmlns:r="http://schemas.openxmlformats.org/officeDocument/2006/relationships" xmlns:p="http://schemas.openxmlformats.org/presentationml/2006/main">
+  <p:cSld>
+    <p:spTree>
+      <p:nvGrpSpPr>
+        <p:cNvPr id="1" name=""/>
+        <p:cNvGrpSpPr/>
+        <p:nvPr/>
+      </p:nvGrpSpPr>
+      <p:grpSpPr>
+        <a:xfrm>
+          <a:off x="0" y="0"/>
+          <a:ext cx="0" cy="0"/>
+          <a:chOff x="0" y="0"/>
+          <a:chExt cx="0" cy="0"/>
+        </a:xfrm>
+      </p:grpSpPr>
+      <p:sp>
+        <p:nvSpPr>
+          <p:cNvPr id="4" name="Rectangle 3">
+            <a:extLst>
+              <a:ext uri="{FF2B5EF4-FFF2-40B4-BE49-F238E27FC236}">
+                <a16:creationId xmlns:a16="http://schemas.microsoft.com/office/drawing/2014/main" id="{DB320C1A-E1A6-409C-BA2E-18BF6D92F415}"/>
+              </a:ext>
+            </a:extLst>
+          </p:cNvPr>
+          <p:cNvSpPr/>
+          <p:nvPr/>
+        </p:nvSpPr>
+        <p:spPr>
+          <a:xfrm>
+            <a:off x="0" y="0"/>
+            <a:ext cx="12192000" cy="6858000"/>
+          </a:xfrm>
+          <a:prstGeom prst="rect">
+            <a:avLst/>
+          </a:prstGeom>
+          <a:solidFill>
+            <a:srgbClr val="D7D8D7"/>
+          </a:solidFill>
+          <a:ln>
+            <a:solidFill>
+              <a:srgbClr val="D7D8D7"/>
+            </a:solidFill>
+          </a:ln>
+        </p:spPr>
+        <p:style>
+          <a:lnRef idx="2">
+            <a:schemeClr val="accent1">
+              <a:shade val="50000"/>
+            </a:schemeClr>
+          </a:lnRef>
+          <a:fillRef idx="1">
+            <a:schemeClr val="accent1"/>
+          </a:fillRef>
+          <a:effectRef idx="0">
+            <a:schemeClr val="accent1"/>
+          </a:effectRef>
+          <a:fontRef idx="minor">
+            <a:schemeClr val="lt1"/>
+          </a:fontRef>
+        </p:style>
+        <p:txBody>
+          <a:bodyPr rtlCol="0" anchor="ctr"/>
+          <a:lstStyle/>
+          <a:p>
+            <a:pPr algn="ctr"/>
+            <a:endParaRPr lang="fr-FR"/>
+          </a:p>
+        </p:txBody>
+      </p:sp>
+      <p:sp>
+        <p:nvSpPr>
+          <p:cNvPr id="2" name="Titre 1">
+            <a:extLst>
+              <a:ext uri="{FF2B5EF4-FFF2-40B4-BE49-F238E27FC236}">
+                <a16:creationId xmlns:a16="http://schemas.microsoft.com/office/drawing/2014/main" id="{1243ED1C-1A07-4F34-B448-CA06D63523F7}"/>
+              </a:ext>
+            </a:extLst>
+          </p:cNvPr>
+          <p:cNvSpPr>
+            <a:spLocks noGrp="1"/>
+          </p:cNvSpPr>
+          <p:nvPr>
+            <p:ph type="title"/>
+          </p:nvPr>
+        </p:nvSpPr>
+        <p:spPr/>
+        <p:txBody>
+          <a:bodyPr/>
+          <a:lstStyle/>
+          <a:p>
+            <a:r>
+              <a:rPr lang="fr-FR" sz="4800" b="1" dirty="0"/>
+              <a:t>1. Rappel de la problématique</a:t>
+            </a:r>
+            <a:endParaRPr lang="fr-FR" b="1" dirty="0"/>
+          </a:p>
+        </p:txBody>
+      </p:sp>
+      <p:sp>
+        <p:nvSpPr>
+          <p:cNvPr id="6" name="ZoneTexte 5">
+            <a:extLst>
+              <a:ext uri="{FF2B5EF4-FFF2-40B4-BE49-F238E27FC236}">
+                <a16:creationId xmlns:a16="http://schemas.microsoft.com/office/drawing/2014/main" id="{41B1159C-D952-4890-907C-59C48E5CB1A7}"/>
+              </a:ext>
+            </a:extLst>
+          </p:cNvPr>
+          <p:cNvSpPr txBox="1"/>
+          <p:nvPr/>
+        </p:nvSpPr>
+        <p:spPr>
+          <a:xfrm>
+            <a:off x="1016493" y="1619667"/>
+            <a:ext cx="10515599" cy="646331"/>
+          </a:xfrm>
+          <a:prstGeom prst="rect">
+            <a:avLst/>
+          </a:prstGeom>
+          <a:noFill/>
+        </p:spPr>
+        <p:txBody>
+          <a:bodyPr wrap="square">
+            <a:spAutoFit/>
+          </a:bodyPr>
+          <a:lstStyle/>
+          <a:p>
+            <a:pPr algn="ctr"/>
+            <a:r>
+              <a:rPr lang="fr-FR" b="1" i="0" dirty="0">
+                <a:effectLst/>
+                <a:latin typeface="Montserrat" panose="00000500000000000000" pitchFamily="2" charset="0"/>
+              </a:rPr>
+              <a:t>"Prêt à dépenser"</a:t>
+            </a:r>
+            <a:r>
+              <a:rPr lang="fr-FR" b="0" i="0" dirty="0">
+                <a:effectLst/>
+                <a:latin typeface="Montserrat" panose="00000500000000000000" pitchFamily="2" charset="0"/>
+              </a:rPr>
+              <a:t>,  qui propose des crédits à la consommation pour des personnes ayant peu ou pas du tout d'historique de prêt.</a:t>
+            </a:r>
+            <a:endParaRPr lang="fr-FR" dirty="0"/>
+          </a:p>
+        </p:txBody>
+      </p:sp>
+    </p:spTree>
+    <p:extLst>
+      <p:ext uri="{BB962C8B-B14F-4D97-AF65-F5344CB8AC3E}">
+        <p14:creationId xmlns:p14="http://schemas.microsoft.com/office/powerpoint/2010/main" val="1370668125"/>
+      </p:ext>
+    </p:extLst>
+  </p:cSld>
+  <p:clrMapOvr>
+    <a:masterClrMapping/>
+  </p:clrMapOvr>
+</p:sld>
+</file>
+
+<file path=ppt/slides/slide4.xml><?xml version="1.0" encoding="utf-8"?>
+<p:sld xmlns:a="http://schemas.openxmlformats.org/drawingml/2006/main" xmlns:r="http://schemas.openxmlformats.org/officeDocument/2006/relationships" xmlns:p="http://schemas.openxmlformats.org/presentationml/2006/main">
+  <p:cSld>
+    <p:spTree>
+      <p:nvGrpSpPr>
+        <p:cNvPr id="1" name=""/>
+        <p:cNvGrpSpPr/>
+        <p:nvPr/>
+      </p:nvGrpSpPr>
+      <p:grpSpPr>
+        <a:xfrm>
+          <a:off x="0" y="0"/>
+          <a:ext cx="0" cy="0"/>
+          <a:chOff x="0" y="0"/>
+          <a:chExt cx="0" cy="0"/>
+        </a:xfrm>
+      </p:grpSpPr>
+      <p:sp>
+        <p:nvSpPr>
+          <p:cNvPr id="4" name="Rectangle 3">
+            <a:extLst>
+              <a:ext uri="{FF2B5EF4-FFF2-40B4-BE49-F238E27FC236}">
+                <a16:creationId xmlns:a16="http://schemas.microsoft.com/office/drawing/2014/main" id="{DB320C1A-E1A6-409C-BA2E-18BF6D92F415}"/>
+              </a:ext>
+            </a:extLst>
+          </p:cNvPr>
+          <p:cNvSpPr/>
+          <p:nvPr/>
+        </p:nvSpPr>
+        <p:spPr>
+          <a:xfrm>
+            <a:off x="0" y="0"/>
+            <a:ext cx="12192000" cy="6858000"/>
+          </a:xfrm>
+          <a:prstGeom prst="rect">
+            <a:avLst/>
+          </a:prstGeom>
+          <a:solidFill>
+            <a:srgbClr val="D7D8D7"/>
+          </a:solidFill>
+          <a:ln>
+            <a:solidFill>
+              <a:srgbClr val="D7D8D7"/>
+            </a:solidFill>
+          </a:ln>
+        </p:spPr>
+        <p:style>
+          <a:lnRef idx="2">
+            <a:schemeClr val="accent1">
+              <a:shade val="50000"/>
+            </a:schemeClr>
+          </a:lnRef>
+          <a:fillRef idx="1">
+            <a:schemeClr val="accent1"/>
+          </a:fillRef>
+          <a:effectRef idx="0">
+            <a:schemeClr val="accent1"/>
+          </a:effectRef>
+          <a:fontRef idx="minor">
+            <a:schemeClr val="lt1"/>
+          </a:fontRef>
+        </p:style>
+        <p:txBody>
+          <a:bodyPr rtlCol="0" anchor="ctr"/>
+          <a:lstStyle/>
+          <a:p>
+            <a:pPr algn="ctr"/>
+            <a:endParaRPr lang="fr-FR"/>
+          </a:p>
+        </p:txBody>
+      </p:sp>
+      <p:sp>
+        <p:nvSpPr>
+          <p:cNvPr id="2" name="Titre 1">
+            <a:extLst>
+              <a:ext uri="{FF2B5EF4-FFF2-40B4-BE49-F238E27FC236}">
+                <a16:creationId xmlns:a16="http://schemas.microsoft.com/office/drawing/2014/main" id="{1243ED1C-1A07-4F34-B448-CA06D63523F7}"/>
+              </a:ext>
+            </a:extLst>
+          </p:cNvPr>
+          <p:cNvSpPr>
+            <a:spLocks noGrp="1"/>
+          </p:cNvSpPr>
+          <p:nvPr>
+            <p:ph type="title"/>
+          </p:nvPr>
+        </p:nvSpPr>
+        <p:spPr/>
+        <p:txBody>
+          <a:bodyPr/>
+          <a:lstStyle/>
+          <a:p>
+            <a:r>
+              <a:rPr lang="fr-FR" sz="4800" b="1" dirty="0"/>
+              <a:t>2. Présentation du jeu de données</a:t>
+            </a:r>
+            <a:endParaRPr lang="fr-FR" b="1" dirty="0"/>
+          </a:p>
+        </p:txBody>
+      </p:sp>
+    </p:spTree>
+    <p:extLst>
+      <p:ext uri="{BB962C8B-B14F-4D97-AF65-F5344CB8AC3E}">
+        <p14:creationId xmlns:p14="http://schemas.microsoft.com/office/powerpoint/2010/main" val="2067346435"/>
+      </p:ext>
+    </p:extLst>
+  </p:cSld>
+  <p:clrMapOvr>
+    <a:masterClrMapping/>
+  </p:clrMapOvr>
+</p:sld>
+</file>
+
+<file path=ppt/slides/slide5.xml><?xml version="1.0" encoding="utf-8"?>
+<p:sld xmlns:a="http://schemas.openxmlformats.org/drawingml/2006/main" xmlns:r="http://schemas.openxmlformats.org/officeDocument/2006/relationships" xmlns:p="http://schemas.openxmlformats.org/presentationml/2006/main">
+  <p:cSld>
+    <p:spTree>
+      <p:nvGrpSpPr>
+        <p:cNvPr id="1" name=""/>
+        <p:cNvGrpSpPr/>
+        <p:nvPr/>
+      </p:nvGrpSpPr>
+      <p:grpSpPr>
+        <a:xfrm>
+          <a:off x="0" y="0"/>
+          <a:ext cx="0" cy="0"/>
+          <a:chOff x="0" y="0"/>
+          <a:chExt cx="0" cy="0"/>
+        </a:xfrm>
+      </p:grpSpPr>
+      <p:sp>
+        <p:nvSpPr>
+          <p:cNvPr id="4" name="Rectangle 3">
+            <a:extLst>
+              <a:ext uri="{FF2B5EF4-FFF2-40B4-BE49-F238E27FC236}">
+                <a16:creationId xmlns:a16="http://schemas.microsoft.com/office/drawing/2014/main" id="{DB320C1A-E1A6-409C-BA2E-18BF6D92F415}"/>
+              </a:ext>
+            </a:extLst>
+          </p:cNvPr>
+          <p:cNvSpPr/>
+          <p:nvPr/>
+        </p:nvSpPr>
+        <p:spPr>
+          <a:xfrm>
+            <a:off x="0" y="0"/>
+            <a:ext cx="12192000" cy="6858000"/>
+          </a:xfrm>
+          <a:prstGeom prst="rect">
+            <a:avLst/>
+          </a:prstGeom>
+          <a:solidFill>
+            <a:srgbClr val="D7D8D7"/>
+          </a:solidFill>
+          <a:ln>
+            <a:solidFill>
+              <a:srgbClr val="D7D8D7"/>
+            </a:solidFill>
+          </a:ln>
+        </p:spPr>
+        <p:style>
+          <a:lnRef idx="2">
+            <a:schemeClr val="accent1">
+              <a:shade val="50000"/>
+            </a:schemeClr>
+          </a:lnRef>
+          <a:fillRef idx="1">
+            <a:schemeClr val="accent1"/>
+          </a:fillRef>
+          <a:effectRef idx="0">
+            <a:schemeClr val="accent1"/>
+          </a:effectRef>
+          <a:fontRef idx="minor">
+            <a:schemeClr val="lt1"/>
+          </a:fontRef>
+        </p:style>
+        <p:txBody>
+          <a:bodyPr rtlCol="0" anchor="ctr"/>
+          <a:lstStyle/>
+          <a:p>
+            <a:pPr algn="ctr"/>
+            <a:endParaRPr lang="fr-FR"/>
+          </a:p>
+        </p:txBody>
+      </p:sp>
+      <p:sp>
+        <p:nvSpPr>
+          <p:cNvPr id="2" name="Titre 1">
+            <a:extLst>
+              <a:ext uri="{FF2B5EF4-FFF2-40B4-BE49-F238E27FC236}">
+                <a16:creationId xmlns:a16="http://schemas.microsoft.com/office/drawing/2014/main" id="{1243ED1C-1A07-4F34-B448-CA06D63523F7}"/>
+              </a:ext>
+            </a:extLst>
+          </p:cNvPr>
+          <p:cNvSpPr>
+            <a:spLocks noGrp="1"/>
+          </p:cNvSpPr>
+          <p:nvPr>
+            <p:ph type="title"/>
+          </p:nvPr>
+        </p:nvSpPr>
+        <p:spPr/>
+        <p:txBody>
+          <a:bodyPr>
+            <a:normAutofit/>
+          </a:bodyPr>
+          <a:lstStyle/>
+          <a:p>
+            <a:r>
+              <a:rPr lang="fr-FR" sz="4800" b="1" dirty="0"/>
+              <a:t>2. </a:t>
+            </a:r>
+            <a:r>
+              <a:rPr lang="fr-FR" sz="4800" b="1" dirty="0" err="1"/>
+              <a:t>Feature</a:t>
+            </a:r>
+            <a:r>
+              <a:rPr lang="fr-FR" sz="4800" b="1" dirty="0"/>
+              <a:t> engineering</a:t>
+            </a:r>
+            <a:endParaRPr lang="fr-FR" b="1" dirty="0"/>
+          </a:p>
+        </p:txBody>
+      </p:sp>
+    </p:spTree>
+    <p:extLst>
+      <p:ext uri="{BB962C8B-B14F-4D97-AF65-F5344CB8AC3E}">
+        <p14:creationId xmlns:p14="http://schemas.microsoft.com/office/powerpoint/2010/main" val="1893412092"/>
+      </p:ext>
+    </p:extLst>
+  </p:cSld>
+  <p:clrMapOvr>
+    <a:masterClrMapping/>
+  </p:clrMapOvr>
+</p:sld>
+</file>
+
+<file path=ppt/slides/slide6.xml><?xml version="1.0" encoding="utf-8"?>
+<p:sld xmlns:a="http://schemas.openxmlformats.org/drawingml/2006/main" xmlns:r="http://schemas.openxmlformats.org/officeDocument/2006/relationships" xmlns:p="http://schemas.openxmlformats.org/presentationml/2006/main">
+  <p:cSld>
+    <p:spTree>
+      <p:nvGrpSpPr>
+        <p:cNvPr id="1" name=""/>
+        <p:cNvGrpSpPr/>
+        <p:nvPr/>
+      </p:nvGrpSpPr>
+      <p:grpSpPr>
+        <a:xfrm>
+          <a:off x="0" y="0"/>
+          <a:ext cx="0" cy="0"/>
+          <a:chOff x="0" y="0"/>
+          <a:chExt cx="0" cy="0"/>
+        </a:xfrm>
+      </p:grpSpPr>
+      <p:sp>
+        <p:nvSpPr>
+          <p:cNvPr id="4" name="Rectangle 3">
+            <a:extLst>
+              <a:ext uri="{FF2B5EF4-FFF2-40B4-BE49-F238E27FC236}">
+                <a16:creationId xmlns:a16="http://schemas.microsoft.com/office/drawing/2014/main" id="{DB320C1A-E1A6-409C-BA2E-18BF6D92F415}"/>
+              </a:ext>
+            </a:extLst>
+          </p:cNvPr>
+          <p:cNvSpPr/>
+          <p:nvPr/>
+        </p:nvSpPr>
+        <p:spPr>
+          <a:xfrm>
+            <a:off x="0" y="0"/>
+            <a:ext cx="12192000" cy="6858000"/>
+          </a:xfrm>
+          <a:prstGeom prst="rect">
+            <a:avLst/>
+          </a:prstGeom>
+          <a:solidFill>
+            <a:srgbClr val="D7D8D7"/>
+          </a:solidFill>
+          <a:ln>
+            <a:solidFill>
+              <a:srgbClr val="D7D8D7"/>
+            </a:solidFill>
+          </a:ln>
+        </p:spPr>
+        <p:style>
+          <a:lnRef idx="2">
+            <a:schemeClr val="accent1">
+              <a:shade val="50000"/>
+            </a:schemeClr>
+          </a:lnRef>
+          <a:fillRef idx="1">
+            <a:schemeClr val="accent1"/>
+          </a:fillRef>
+          <a:effectRef idx="0">
+            <a:schemeClr val="accent1"/>
+          </a:effectRef>
+          <a:fontRef idx="minor">
+            <a:schemeClr val="lt1"/>
+          </a:fontRef>
+        </p:style>
+        <p:txBody>
+          <a:bodyPr rtlCol="0" anchor="ctr"/>
+          <a:lstStyle/>
+          <a:p>
+            <a:pPr algn="ctr"/>
+            <a:endParaRPr lang="fr-FR"/>
+          </a:p>
+        </p:txBody>
+      </p:sp>
+      <p:sp>
+        <p:nvSpPr>
+          <p:cNvPr id="2" name="Titre 1">
+            <a:extLst>
+              <a:ext uri="{FF2B5EF4-FFF2-40B4-BE49-F238E27FC236}">
+                <a16:creationId xmlns:a16="http://schemas.microsoft.com/office/drawing/2014/main" id="{1243ED1C-1A07-4F34-B448-CA06D63523F7}"/>
+              </a:ext>
+            </a:extLst>
+          </p:cNvPr>
+          <p:cNvSpPr>
+            <a:spLocks noGrp="1"/>
+          </p:cNvSpPr>
+          <p:nvPr>
+            <p:ph type="title"/>
+          </p:nvPr>
+        </p:nvSpPr>
+        <p:spPr/>
+        <p:txBody>
+          <a:bodyPr>
+            <a:normAutofit/>
+          </a:bodyPr>
+          <a:lstStyle/>
+          <a:p>
+            <a:r>
+              <a:rPr lang="fr-FR" sz="4800" b="1" dirty="0"/>
+              <a:t>2. Des données déséquilibrés</a:t>
+            </a:r>
+            <a:endParaRPr lang="fr-FR" b="1" dirty="0"/>
+          </a:p>
+        </p:txBody>
+      </p:sp>
+    </p:spTree>
+    <p:extLst>
+      <p:ext uri="{BB962C8B-B14F-4D97-AF65-F5344CB8AC3E}">
+        <p14:creationId xmlns:p14="http://schemas.microsoft.com/office/powerpoint/2010/main" val="1992527769"/>
+      </p:ext>
+    </p:extLst>
+  </p:cSld>
+  <p:clrMapOvr>
+    <a:masterClrMapping/>
+  </p:clrMapOvr>
+</p:sld>
+</file>
+
+<file path=ppt/slides/slide7.xml><?xml version="1.0" encoding="utf-8"?>
+<p:sld xmlns:a="http://schemas.openxmlformats.org/drawingml/2006/main" xmlns:r="http://schemas.openxmlformats.org/officeDocument/2006/relationships" xmlns:p="http://schemas.openxmlformats.org/presentationml/2006/main">
+  <p:cSld>
+    <p:spTree>
+      <p:nvGrpSpPr>
+        <p:cNvPr id="1" name=""/>
+        <p:cNvGrpSpPr/>
+        <p:nvPr/>
+      </p:nvGrpSpPr>
+      <p:grpSpPr>
+        <a:xfrm>
+          <a:off x="0" y="0"/>
+          <a:ext cx="0" cy="0"/>
+          <a:chOff x="0" y="0"/>
+          <a:chExt cx="0" cy="0"/>
+        </a:xfrm>
+      </p:grpSpPr>
+      <p:sp>
+        <p:nvSpPr>
+          <p:cNvPr id="4" name="Rectangle 3">
+            <a:extLst>
+              <a:ext uri="{FF2B5EF4-FFF2-40B4-BE49-F238E27FC236}">
+                <a16:creationId xmlns:a16="http://schemas.microsoft.com/office/drawing/2014/main" id="{DB320C1A-E1A6-409C-BA2E-18BF6D92F415}"/>
+              </a:ext>
+            </a:extLst>
+          </p:cNvPr>
+          <p:cNvSpPr/>
+          <p:nvPr/>
+        </p:nvSpPr>
+        <p:spPr>
+          <a:xfrm>
+            <a:off x="0" y="0"/>
+            <a:ext cx="12192000" cy="6858000"/>
+          </a:xfrm>
+          <a:prstGeom prst="rect">
+            <a:avLst/>
+          </a:prstGeom>
+          <a:solidFill>
+            <a:srgbClr val="D7D8D7"/>
+          </a:solidFill>
+          <a:ln>
+            <a:solidFill>
+              <a:srgbClr val="D7D8D7"/>
+            </a:solidFill>
+          </a:ln>
+        </p:spPr>
+        <p:style>
+          <a:lnRef idx="2">
+            <a:schemeClr val="accent1">
+              <a:shade val="50000"/>
+            </a:schemeClr>
+          </a:lnRef>
+          <a:fillRef idx="1">
+            <a:schemeClr val="accent1"/>
+          </a:fillRef>
+          <a:effectRef idx="0">
+            <a:schemeClr val="accent1"/>
+          </a:effectRef>
+          <a:fontRef idx="minor">
+            <a:schemeClr val="lt1"/>
+          </a:fontRef>
+        </p:style>
+        <p:txBody>
+          <a:bodyPr rtlCol="0" anchor="ctr"/>
+          <a:lstStyle/>
+          <a:p>
+            <a:pPr algn="ctr"/>
+            <a:endParaRPr lang="fr-FR"/>
+          </a:p>
+        </p:txBody>
+      </p:sp>
+      <p:sp>
+        <p:nvSpPr>
+          <p:cNvPr id="2" name="Titre 1">
+            <a:extLst>
+              <a:ext uri="{FF2B5EF4-FFF2-40B4-BE49-F238E27FC236}">
+                <a16:creationId xmlns:a16="http://schemas.microsoft.com/office/drawing/2014/main" id="{1243ED1C-1A07-4F34-B448-CA06D63523F7}"/>
+              </a:ext>
+            </a:extLst>
+          </p:cNvPr>
+          <p:cNvSpPr>
+            <a:spLocks noGrp="1"/>
+          </p:cNvSpPr>
+          <p:nvPr>
+            <p:ph type="title"/>
+          </p:nvPr>
+        </p:nvSpPr>
+        <p:spPr/>
+        <p:txBody>
+          <a:bodyPr>
+            <a:normAutofit/>
+          </a:bodyPr>
+          <a:lstStyle/>
+          <a:p>
+            <a:r>
+              <a:rPr lang="fr-FR" sz="4800" b="1" dirty="0"/>
+              <a:t>3. Modélisation : </a:t>
+            </a:r>
+            <a:r>
+              <a:rPr lang="fr-FR" sz="4800" b="1" dirty="0" err="1"/>
+              <a:t>preprocessing</a:t>
+            </a:r>
+            <a:endParaRPr lang="fr-FR" b="1" dirty="0"/>
+          </a:p>
+        </p:txBody>
+      </p:sp>
+    </p:spTree>
+    <p:extLst>
+      <p:ext uri="{BB962C8B-B14F-4D97-AF65-F5344CB8AC3E}">
+        <p14:creationId xmlns:p14="http://schemas.microsoft.com/office/powerpoint/2010/main" val="3655932663"/>
+      </p:ext>
+    </p:extLst>
+  </p:cSld>
+  <p:clrMapOvr>
+    <a:masterClrMapping/>
+  </p:clrMapOvr>
+</p:sld>
+</file>
+
+<file path=ppt/slides/slide8.xml><?xml version="1.0" encoding="utf-8"?>
+<p:sld xmlns:a="http://schemas.openxmlformats.org/drawingml/2006/main" xmlns:r="http://schemas.openxmlformats.org/officeDocument/2006/relationships" xmlns:p="http://schemas.openxmlformats.org/presentationml/2006/main">
+  <p:cSld>
+    <p:spTree>
+      <p:nvGrpSpPr>
+        <p:cNvPr id="1" name=""/>
+        <p:cNvGrpSpPr/>
+        <p:nvPr/>
+      </p:nvGrpSpPr>
+      <p:grpSpPr>
+        <a:xfrm>
+          <a:off x="0" y="0"/>
+          <a:ext cx="0" cy="0"/>
+          <a:chOff x="0" y="0"/>
+          <a:chExt cx="0" cy="0"/>
+        </a:xfrm>
+      </p:grpSpPr>
+      <p:sp>
+        <p:nvSpPr>
+          <p:cNvPr id="4" name="Rectangle 3">
+            <a:extLst>
+              <a:ext uri="{FF2B5EF4-FFF2-40B4-BE49-F238E27FC236}">
+                <a16:creationId xmlns:a16="http://schemas.microsoft.com/office/drawing/2014/main" id="{DB320C1A-E1A6-409C-BA2E-18BF6D92F415}"/>
+              </a:ext>
+            </a:extLst>
+          </p:cNvPr>
+          <p:cNvSpPr/>
+          <p:nvPr/>
+        </p:nvSpPr>
+        <p:spPr>
+          <a:xfrm>
+            <a:off x="0" y="0"/>
+            <a:ext cx="12192000" cy="6858000"/>
+          </a:xfrm>
+          <a:prstGeom prst="rect">
+            <a:avLst/>
+          </a:prstGeom>
+          <a:solidFill>
+            <a:srgbClr val="D7D8D7"/>
+          </a:solidFill>
+          <a:ln>
+            <a:solidFill>
+              <a:srgbClr val="D7D8D7"/>
+            </a:solidFill>
+          </a:ln>
+        </p:spPr>
+        <p:style>
+          <a:lnRef idx="2">
+            <a:schemeClr val="accent1">
+              <a:shade val="50000"/>
+            </a:schemeClr>
+          </a:lnRef>
+          <a:fillRef idx="1">
+            <a:schemeClr val="accent1"/>
+          </a:fillRef>
+          <a:effectRef idx="0">
+            <a:schemeClr val="accent1"/>
+          </a:effectRef>
+          <a:fontRef idx="minor">
+            <a:schemeClr val="lt1"/>
+          </a:fontRef>
+        </p:style>
+        <p:txBody>
+          <a:bodyPr rtlCol="0" anchor="ctr"/>
+          <a:lstStyle/>
+          <a:p>
+            <a:pPr algn="ctr"/>
+            <a:endParaRPr lang="fr-FR"/>
+          </a:p>
+        </p:txBody>
+      </p:sp>
+      <p:sp>
+        <p:nvSpPr>
+          <p:cNvPr id="2" name="Titre 1">
+            <a:extLst>
+              <a:ext uri="{FF2B5EF4-FFF2-40B4-BE49-F238E27FC236}">
+                <a16:creationId xmlns:a16="http://schemas.microsoft.com/office/drawing/2014/main" id="{1243ED1C-1A07-4F34-B448-CA06D63523F7}"/>
+              </a:ext>
+            </a:extLst>
+          </p:cNvPr>
+          <p:cNvSpPr>
+            <a:spLocks noGrp="1"/>
+          </p:cNvSpPr>
+          <p:nvPr>
+            <p:ph type="title"/>
+          </p:nvPr>
+        </p:nvSpPr>
+        <p:spPr/>
+        <p:txBody>
+          <a:bodyPr>
+            <a:normAutofit/>
+          </a:bodyPr>
+          <a:lstStyle/>
+          <a:p>
+            <a:r>
+              <a:rPr lang="fr-FR" sz="4800" b="1" dirty="0"/>
+              <a:t>3. Les modèles mis en </a:t>
+            </a:r>
+            <a:r>
+              <a:rPr lang="fr-FR" sz="4800" b="1" dirty="0" err="1"/>
+              <a:t>oeuvre</a:t>
+            </a:r>
+            <a:endParaRPr lang="fr-FR" b="1" dirty="0"/>
+          </a:p>
+        </p:txBody>
+      </p:sp>
+    </p:spTree>
+    <p:extLst>
+      <p:ext uri="{BB962C8B-B14F-4D97-AF65-F5344CB8AC3E}">
+        <p14:creationId xmlns:p14="http://schemas.microsoft.com/office/powerpoint/2010/main" val="3722083207"/>
+      </p:ext>
+    </p:extLst>
+  </p:cSld>
+  <p:clrMapOvr>
+    <a:masterClrMapping/>
+  </p:clrMapOvr>
+</p:sld>
+</file>
+
+<file path=ppt/slides/slide9.xml><?xml version="1.0" encoding="utf-8"?>
+<p:sld xmlns:a="http://schemas.openxmlformats.org/drawingml/2006/main" xmlns:r="http://schemas.openxmlformats.org/officeDocument/2006/relationships" xmlns:p="http://schemas.openxmlformats.org/presentationml/2006/main">
+  <p:cSld>
+    <p:spTree>
+      <p:nvGrpSpPr>
+        <p:cNvPr id="1" name=""/>
+        <p:cNvGrpSpPr/>
+        <p:nvPr/>
+      </p:nvGrpSpPr>
+      <p:grpSpPr>
+        <a:xfrm>
+          <a:off x="0" y="0"/>
+          <a:ext cx="0" cy="0"/>
+          <a:chOff x="0" y="0"/>
+          <a:chExt cx="0" cy="0"/>
+        </a:xfrm>
+      </p:grpSpPr>
+      <p:sp>
+        <p:nvSpPr>
+          <p:cNvPr id="4" name="Rectangle 3">
+            <a:extLst>
+              <a:ext uri="{FF2B5EF4-FFF2-40B4-BE49-F238E27FC236}">
+                <a16:creationId xmlns:a16="http://schemas.microsoft.com/office/drawing/2014/main" id="{DB320C1A-E1A6-409C-BA2E-18BF6D92F415}"/>
+              </a:ext>
+            </a:extLst>
+          </p:cNvPr>
+          <p:cNvSpPr/>
+          <p:nvPr/>
+        </p:nvSpPr>
+        <p:spPr>
+          <a:xfrm>
+            <a:off x="0" y="0"/>
+            <a:ext cx="12192000" cy="6858000"/>
+          </a:xfrm>
+          <a:prstGeom prst="rect">
+            <a:avLst/>
+          </a:prstGeom>
+          <a:solidFill>
+            <a:srgbClr val="D7D8D7"/>
+          </a:solidFill>
+          <a:ln>
+            <a:solidFill>
+              <a:srgbClr val="D7D8D7"/>
+            </a:solidFill>
+          </a:ln>
+        </p:spPr>
+        <p:style>
+          <a:lnRef idx="2">
+            <a:schemeClr val="accent1">
+              <a:shade val="50000"/>
+            </a:schemeClr>
+          </a:lnRef>
+          <a:fillRef idx="1">
+            <a:schemeClr val="accent1"/>
+          </a:fillRef>
+          <a:effectRef idx="0">
+            <a:schemeClr val="accent1"/>
+          </a:effectRef>
+          <a:fontRef idx="minor">
+            <a:schemeClr val="lt1"/>
+          </a:fontRef>
+        </p:style>
+        <p:txBody>
+          <a:bodyPr rtlCol="0" anchor="ctr"/>
+          <a:lstStyle/>
+          <a:p>
+            <a:pPr algn="ctr"/>
+            <a:endParaRPr lang="fr-FR"/>
+          </a:p>
+        </p:txBody>
+      </p:sp>
+      <p:sp>
+        <p:nvSpPr>
+          <p:cNvPr id="2" name="Titre 1">
+            <a:extLst>
+              <a:ext uri="{FF2B5EF4-FFF2-40B4-BE49-F238E27FC236}">
+                <a16:creationId xmlns:a16="http://schemas.microsoft.com/office/drawing/2014/main" id="{1243ED1C-1A07-4F34-B448-CA06D63523F7}"/>
+              </a:ext>
+            </a:extLst>
+          </p:cNvPr>
+          <p:cNvSpPr>
+            <a:spLocks noGrp="1"/>
+          </p:cNvSpPr>
+          <p:nvPr>
+            <p:ph type="title"/>
+          </p:nvPr>
+        </p:nvSpPr>
+        <p:spPr/>
+        <p:txBody>
+          <a:bodyPr>
+            <a:normAutofit/>
+          </a:bodyPr>
+          <a:lstStyle/>
+          <a:p>
+            <a:r>
+              <a:rPr lang="fr-FR" sz="4800" b="1" dirty="0"/>
+              <a:t>3. Les modèles mis en </a:t>
+            </a:r>
+            <a:r>
+              <a:rPr lang="fr-FR" sz="4800" b="1" dirty="0" err="1"/>
+              <a:t>oeuvre</a:t>
+            </a:r>
+            <a:endParaRPr lang="fr-FR" b="1" dirty="0"/>
+          </a:p>
+        </p:txBody>
+      </p:sp>
+    </p:spTree>
+    <p:extLst>
+      <p:ext uri="{BB962C8B-B14F-4D97-AF65-F5344CB8AC3E}">
+        <p14:creationId xmlns:p14="http://schemas.microsoft.com/office/powerpoint/2010/main" val="3251911696"/>
       </p:ext>
     </p:extLst>
   </p:cSld>

--- a/Paul_Bonte_P7_03_Présentation.pptx
+++ b/Paul_Bonte_P7_03_Présentation.pptx
@@ -10,10 +10,20 @@
     <p:sldId id="258" r:id="rId4"/>
     <p:sldId id="259" r:id="rId5"/>
     <p:sldId id="260" r:id="rId6"/>
-    <p:sldId id="261" r:id="rId7"/>
-    <p:sldId id="262" r:id="rId8"/>
-    <p:sldId id="263" r:id="rId9"/>
-    <p:sldId id="264" r:id="rId10"/>
+    <p:sldId id="265" r:id="rId7"/>
+    <p:sldId id="266" r:id="rId8"/>
+    <p:sldId id="261" r:id="rId9"/>
+    <p:sldId id="262" r:id="rId10"/>
+    <p:sldId id="273" r:id="rId11"/>
+    <p:sldId id="263" r:id="rId12"/>
+    <p:sldId id="267" r:id="rId13"/>
+    <p:sldId id="264" r:id="rId14"/>
+    <p:sldId id="268" r:id="rId15"/>
+    <p:sldId id="272" r:id="rId16"/>
+    <p:sldId id="269" r:id="rId17"/>
+    <p:sldId id="270" r:id="rId18"/>
+    <p:sldId id="274" r:id="rId19"/>
+    <p:sldId id="271" r:id="rId20"/>
   </p:sldIdLst>
   <p:sldSz cx="12192000" cy="6858000"/>
   <p:notesSz cx="6858000" cy="9144000"/>
@@ -267,7 +277,7 @@
           <a:p>
             <a:fld id="{031E606A-FED5-4545-9851-5AFDEBEF6356}" type="datetimeFigureOut">
               <a:rPr lang="fr-FR" smtClean="0"/>
-              <a:t>17/03/2022</a:t>
+              <a:t>23/03/2022</a:t>
             </a:fld>
             <a:endParaRPr lang="fr-FR"/>
           </a:p>
@@ -465,7 +475,7 @@
           <a:p>
             <a:fld id="{031E606A-FED5-4545-9851-5AFDEBEF6356}" type="datetimeFigureOut">
               <a:rPr lang="fr-FR" smtClean="0"/>
-              <a:t>17/03/2022</a:t>
+              <a:t>23/03/2022</a:t>
             </a:fld>
             <a:endParaRPr lang="fr-FR"/>
           </a:p>
@@ -673,7 +683,7 @@
           <a:p>
             <a:fld id="{031E606A-FED5-4545-9851-5AFDEBEF6356}" type="datetimeFigureOut">
               <a:rPr lang="fr-FR" smtClean="0"/>
-              <a:t>17/03/2022</a:t>
+              <a:t>23/03/2022</a:t>
             </a:fld>
             <a:endParaRPr lang="fr-FR"/>
           </a:p>
@@ -871,7 +881,7 @@
           <a:p>
             <a:fld id="{031E606A-FED5-4545-9851-5AFDEBEF6356}" type="datetimeFigureOut">
               <a:rPr lang="fr-FR" smtClean="0"/>
-              <a:t>17/03/2022</a:t>
+              <a:t>23/03/2022</a:t>
             </a:fld>
             <a:endParaRPr lang="fr-FR"/>
           </a:p>
@@ -1146,7 +1156,7 @@
           <a:p>
             <a:fld id="{031E606A-FED5-4545-9851-5AFDEBEF6356}" type="datetimeFigureOut">
               <a:rPr lang="fr-FR" smtClean="0"/>
-              <a:t>17/03/2022</a:t>
+              <a:t>23/03/2022</a:t>
             </a:fld>
             <a:endParaRPr lang="fr-FR"/>
           </a:p>
@@ -1411,7 +1421,7 @@
           <a:p>
             <a:fld id="{031E606A-FED5-4545-9851-5AFDEBEF6356}" type="datetimeFigureOut">
               <a:rPr lang="fr-FR" smtClean="0"/>
-              <a:t>17/03/2022</a:t>
+              <a:t>23/03/2022</a:t>
             </a:fld>
             <a:endParaRPr lang="fr-FR"/>
           </a:p>
@@ -1823,7 +1833,7 @@
           <a:p>
             <a:fld id="{031E606A-FED5-4545-9851-5AFDEBEF6356}" type="datetimeFigureOut">
               <a:rPr lang="fr-FR" smtClean="0"/>
-              <a:t>17/03/2022</a:t>
+              <a:t>23/03/2022</a:t>
             </a:fld>
             <a:endParaRPr lang="fr-FR"/>
           </a:p>
@@ -1964,7 +1974,7 @@
           <a:p>
             <a:fld id="{031E606A-FED5-4545-9851-5AFDEBEF6356}" type="datetimeFigureOut">
               <a:rPr lang="fr-FR" smtClean="0"/>
-              <a:t>17/03/2022</a:t>
+              <a:t>23/03/2022</a:t>
             </a:fld>
             <a:endParaRPr lang="fr-FR"/>
           </a:p>
@@ -2077,7 +2087,7 @@
           <a:p>
             <a:fld id="{031E606A-FED5-4545-9851-5AFDEBEF6356}" type="datetimeFigureOut">
               <a:rPr lang="fr-FR" smtClean="0"/>
-              <a:t>17/03/2022</a:t>
+              <a:t>23/03/2022</a:t>
             </a:fld>
             <a:endParaRPr lang="fr-FR"/>
           </a:p>
@@ -2388,7 +2398,7 @@
           <a:p>
             <a:fld id="{031E606A-FED5-4545-9851-5AFDEBEF6356}" type="datetimeFigureOut">
               <a:rPr lang="fr-FR" smtClean="0"/>
-              <a:t>17/03/2022</a:t>
+              <a:t>23/03/2022</a:t>
             </a:fld>
             <a:endParaRPr lang="fr-FR"/>
           </a:p>
@@ -2676,7 +2686,7 @@
           <a:p>
             <a:fld id="{031E606A-FED5-4545-9851-5AFDEBEF6356}" type="datetimeFigureOut">
               <a:rPr lang="fr-FR" smtClean="0"/>
-              <a:t>17/03/2022</a:t>
+              <a:t>23/03/2022</a:t>
             </a:fld>
             <a:endParaRPr lang="fr-FR"/>
           </a:p>
@@ -2917,7 +2927,7 @@
           <a:p>
             <a:fld id="{031E606A-FED5-4545-9851-5AFDEBEF6356}" type="datetimeFigureOut">
               <a:rPr lang="fr-FR" smtClean="0"/>
-              <a:t>17/03/2022</a:t>
+              <a:t>23/03/2022</a:t>
             </a:fld>
             <a:endParaRPr lang="fr-FR"/>
           </a:p>
@@ -3480,7 +3490,7 @@
 </p:sld>
 </file>
 
-<file path=ppt/slides/slide2.xml><?xml version="1.0" encoding="utf-8"?>
+<file path=ppt/slides/slide10.xml><?xml version="1.0" encoding="utf-8"?>
 <p:sld xmlns:a="http://schemas.openxmlformats.org/drawingml/2006/main" xmlns:r="http://schemas.openxmlformats.org/officeDocument/2006/relationships" xmlns:p="http://schemas.openxmlformats.org/presentationml/2006/main">
   <p:cSld>
     <p:spTree>
@@ -3569,12 +3579,14 @@
         </p:nvSpPr>
         <p:spPr/>
         <p:txBody>
-          <a:bodyPr/>
+          <a:bodyPr>
+            <a:normAutofit fontScale="90000"/>
+          </a:bodyPr>
           <a:lstStyle/>
           <a:p>
             <a:r>
               <a:rPr lang="fr-FR" sz="4800" b="1" dirty="0"/>
-              <a:t>Sommaire</a:t>
+              <a:t>3. Les algorithmes entrainés et les métriques d’évaluations</a:t>
             </a:r>
             <a:endParaRPr lang="fr-FR" b="1" dirty="0"/>
           </a:p>
@@ -3582,100 +3594,513 @@
       </p:sp>
       <p:sp>
         <p:nvSpPr>
-          <p:cNvPr id="3" name="ZoneTexte 2">
-            <a:extLst>
-              <a:ext uri="{FF2B5EF4-FFF2-40B4-BE49-F238E27FC236}">
-                <a16:creationId xmlns:a16="http://schemas.microsoft.com/office/drawing/2014/main" id="{EC30CB24-E66B-4346-B917-F4E855C190FF}"/>
-              </a:ext>
-            </a:extLst>
-          </p:cNvPr>
-          <p:cNvSpPr txBox="1"/>
+          <p:cNvPr id="5" name="Rectangle 4">
+            <a:extLst>
+              <a:ext uri="{FF2B5EF4-FFF2-40B4-BE49-F238E27FC236}">
+                <a16:creationId xmlns:a16="http://schemas.microsoft.com/office/drawing/2014/main" id="{3B7F5896-EA18-44E1-B07C-B42AB42E0461}"/>
+              </a:ext>
+            </a:extLst>
+          </p:cNvPr>
+          <p:cNvSpPr/>
           <p:nvPr/>
         </p:nvSpPr>
         <p:spPr>
           <a:xfrm>
-            <a:off x="838200" y="1619666"/>
-            <a:ext cx="6688562" cy="4992457"/>
+            <a:off x="1027590" y="2432481"/>
+            <a:ext cx="2805344" cy="2497970"/>
           </a:xfrm>
           <a:prstGeom prst="rect">
             <a:avLst/>
           </a:prstGeom>
           <a:noFill/>
+          <a:ln>
+            <a:noFill/>
+          </a:ln>
         </p:spPr>
-        <p:txBody>
-          <a:bodyPr wrap="none" rtlCol="0">
-            <a:spAutoFit/>
-          </a:bodyPr>
-          <a:lstStyle/>
-          <a:p>
-            <a:pPr>
+        <p:style>
+          <a:lnRef idx="2">
+            <a:schemeClr val="accent1">
+              <a:shade val="50000"/>
+            </a:schemeClr>
+          </a:lnRef>
+          <a:fillRef idx="1">
+            <a:schemeClr val="accent1"/>
+          </a:fillRef>
+          <a:effectRef idx="0">
+            <a:schemeClr val="accent1"/>
+          </a:effectRef>
+          <a:fontRef idx="minor">
+            <a:schemeClr val="lt1"/>
+          </a:fontRef>
+        </p:style>
+        <p:txBody>
+          <a:bodyPr rtlCol="0" anchor="ctr"/>
+          <a:lstStyle/>
+          <a:p>
+            <a:pPr marL="342900" lvl="0" indent="-342900" hangingPunct="0">
               <a:lnSpc>
-                <a:spcPct val="150000"/>
+                <a:spcPct val="105000"/>
               </a:lnSpc>
+              <a:spcAft>
+                <a:spcPts val="800"/>
+              </a:spcAft>
+              <a:buFont typeface="Arial" panose="020B0604020202020204" pitchFamily="34" charset="0"/>
+              <a:buChar char="•"/>
             </a:pPr>
             <a:r>
-              <a:rPr lang="fr-FR" sz="3600" dirty="0"/>
-              <a:t>1. Rappel de la problématique</a:t>
-            </a:r>
-          </a:p>
-          <a:p>
-            <a:pPr>
+              <a:rPr lang="fr-FR" sz="1800" dirty="0">
+                <a:solidFill>
+                  <a:schemeClr val="tx1"/>
+                </a:solidFill>
+                <a:effectLst/>
+                <a:latin typeface="Calibri Light" panose="020F0302020204030204" pitchFamily="34" charset="0"/>
+                <a:ea typeface="Times New Roman" panose="02020603050405020304" pitchFamily="18" charset="0"/>
+                <a:cs typeface="Times New Roman" panose="02020603050405020304" pitchFamily="18" charset="0"/>
+              </a:rPr>
+              <a:t>Régression logistique</a:t>
+            </a:r>
+            <a:endParaRPr lang="fr-FR" sz="1800" dirty="0">
+              <a:solidFill>
+                <a:schemeClr val="tx1"/>
+              </a:solidFill>
+              <a:effectLst/>
+              <a:latin typeface="Calibri" panose="020F0502020204030204" pitchFamily="34" charset="0"/>
+              <a:ea typeface="Times New Roman" panose="02020603050405020304" pitchFamily="18" charset="0"/>
+              <a:cs typeface="Times New Roman" panose="02020603050405020304" pitchFamily="18" charset="0"/>
+            </a:endParaRPr>
+          </a:p>
+          <a:p>
+            <a:pPr marL="342900" lvl="0" indent="-342900" hangingPunct="0">
               <a:lnSpc>
-                <a:spcPct val="150000"/>
+                <a:spcPct val="105000"/>
               </a:lnSpc>
+              <a:spcAft>
+                <a:spcPts val="800"/>
+              </a:spcAft>
+              <a:buFont typeface="Arial" panose="020B0604020202020204" pitchFamily="34" charset="0"/>
+              <a:buChar char="•"/>
             </a:pPr>
             <a:r>
-              <a:rPr lang="fr-FR" sz="3600" dirty="0"/>
-              <a:t>2. Présentation du jeu de données </a:t>
-            </a:r>
-          </a:p>
-          <a:p>
-            <a:pPr>
+              <a:rPr lang="fr-FR" sz="1800" dirty="0" err="1">
+                <a:solidFill>
+                  <a:schemeClr val="tx1"/>
+                </a:solidFill>
+                <a:effectLst/>
+                <a:latin typeface="Calibri Light" panose="020F0302020204030204" pitchFamily="34" charset="0"/>
+                <a:ea typeface="Times New Roman" panose="02020603050405020304" pitchFamily="18" charset="0"/>
+                <a:cs typeface="Times New Roman" panose="02020603050405020304" pitchFamily="18" charset="0"/>
+              </a:rPr>
+              <a:t>Random</a:t>
+            </a:r>
+            <a:r>
+              <a:rPr lang="fr-FR" sz="1800" dirty="0">
+                <a:solidFill>
+                  <a:schemeClr val="tx1"/>
+                </a:solidFill>
+                <a:effectLst/>
+                <a:latin typeface="Calibri Light" panose="020F0302020204030204" pitchFamily="34" charset="0"/>
+                <a:ea typeface="Times New Roman" panose="02020603050405020304" pitchFamily="18" charset="0"/>
+                <a:cs typeface="Times New Roman" panose="02020603050405020304" pitchFamily="18" charset="0"/>
+              </a:rPr>
+              <a:t> Forest</a:t>
+            </a:r>
+            <a:endParaRPr lang="fr-FR" sz="1800" dirty="0">
+              <a:solidFill>
+                <a:schemeClr val="tx1"/>
+              </a:solidFill>
+              <a:effectLst/>
+              <a:latin typeface="Calibri" panose="020F0502020204030204" pitchFamily="34" charset="0"/>
+              <a:ea typeface="Times New Roman" panose="02020603050405020304" pitchFamily="18" charset="0"/>
+              <a:cs typeface="Times New Roman" panose="02020603050405020304" pitchFamily="18" charset="0"/>
+            </a:endParaRPr>
+          </a:p>
+          <a:p>
+            <a:pPr marL="342900" lvl="0" indent="-342900" hangingPunct="0">
               <a:lnSpc>
-                <a:spcPct val="150000"/>
+                <a:spcPct val="105000"/>
               </a:lnSpc>
+              <a:spcAft>
+                <a:spcPts val="800"/>
+              </a:spcAft>
+              <a:buFont typeface="Arial" panose="020B0604020202020204" pitchFamily="34" charset="0"/>
+              <a:buChar char="•"/>
             </a:pPr>
             <a:r>
-              <a:rPr lang="fr-FR" sz="3600" dirty="0"/>
-              <a:t>3. Modélisation</a:t>
-            </a:r>
-          </a:p>
-          <a:p>
-            <a:pPr>
+              <a:rPr lang="fr-FR" sz="1800" dirty="0" err="1">
+                <a:solidFill>
+                  <a:schemeClr val="tx1"/>
+                </a:solidFill>
+                <a:effectLst/>
+                <a:latin typeface="Calibri Light" panose="020F0302020204030204" pitchFamily="34" charset="0"/>
+                <a:ea typeface="Times New Roman" panose="02020603050405020304" pitchFamily="18" charset="0"/>
+                <a:cs typeface="Times New Roman" panose="02020603050405020304" pitchFamily="18" charset="0"/>
+              </a:rPr>
+              <a:t>Xgboost</a:t>
+            </a:r>
+            <a:endParaRPr lang="fr-FR" sz="1800" dirty="0">
+              <a:solidFill>
+                <a:schemeClr val="tx1"/>
+              </a:solidFill>
+              <a:effectLst/>
+              <a:latin typeface="Calibri" panose="020F0502020204030204" pitchFamily="34" charset="0"/>
+              <a:ea typeface="Times New Roman" panose="02020603050405020304" pitchFamily="18" charset="0"/>
+              <a:cs typeface="Times New Roman" panose="02020603050405020304" pitchFamily="18" charset="0"/>
+            </a:endParaRPr>
+          </a:p>
+        </p:txBody>
+      </p:sp>
+      <p:sp>
+        <p:nvSpPr>
+          <p:cNvPr id="6" name="Rectangle 5">
+            <a:extLst>
+              <a:ext uri="{FF2B5EF4-FFF2-40B4-BE49-F238E27FC236}">
+                <a16:creationId xmlns:a16="http://schemas.microsoft.com/office/drawing/2014/main" id="{D166DE75-435D-444A-A085-8ACB19D524CC}"/>
+              </a:ext>
+            </a:extLst>
+          </p:cNvPr>
+          <p:cNvSpPr/>
+          <p:nvPr/>
+        </p:nvSpPr>
+        <p:spPr>
+          <a:xfrm>
+            <a:off x="6084163" y="2991774"/>
+            <a:ext cx="5822272" cy="2497970"/>
+          </a:xfrm>
+          <a:prstGeom prst="rect">
+            <a:avLst/>
+          </a:prstGeom>
+          <a:noFill/>
+          <a:ln>
+            <a:noFill/>
+          </a:ln>
+        </p:spPr>
+        <p:style>
+          <a:lnRef idx="2">
+            <a:schemeClr val="accent1">
+              <a:shade val="50000"/>
+            </a:schemeClr>
+          </a:lnRef>
+          <a:fillRef idx="1">
+            <a:schemeClr val="accent1"/>
+          </a:fillRef>
+          <a:effectRef idx="0">
+            <a:schemeClr val="accent1"/>
+          </a:effectRef>
+          <a:fontRef idx="minor">
+            <a:schemeClr val="lt1"/>
+          </a:fontRef>
+        </p:style>
+        <p:txBody>
+          <a:bodyPr rtlCol="0" anchor="ctr"/>
+          <a:lstStyle/>
+          <a:p>
+            <a:pPr marL="285750" lvl="0" indent="-285750" hangingPunct="0">
               <a:lnSpc>
-                <a:spcPct val="150000"/>
+                <a:spcPct val="105000"/>
               </a:lnSpc>
+              <a:spcAft>
+                <a:spcPts val="800"/>
+              </a:spcAft>
+              <a:buFont typeface="Arial" panose="020B0604020202020204" pitchFamily="34" charset="0"/>
+              <a:buChar char="•"/>
             </a:pPr>
             <a:r>
-              <a:rPr lang="fr-FR" sz="3600" dirty="0"/>
-              <a:t>4. Outils</a:t>
-            </a:r>
-          </a:p>
-          <a:p>
-            <a:pPr>
+              <a:rPr lang="fr-FR" sz="1800" dirty="0" err="1">
+                <a:solidFill>
+                  <a:schemeClr val="tx1"/>
+                </a:solidFill>
+                <a:effectLst/>
+                <a:latin typeface="Calibri Light" panose="020F0302020204030204" pitchFamily="34" charset="0"/>
+                <a:ea typeface="Times New Roman" panose="02020603050405020304" pitchFamily="18" charset="0"/>
+                <a:cs typeface="Times New Roman" panose="02020603050405020304" pitchFamily="18" charset="0"/>
+              </a:rPr>
+              <a:t>Roc_Auc</a:t>
+            </a:r>
+            <a:r>
+              <a:rPr lang="fr-FR" sz="1800" dirty="0">
+                <a:solidFill>
+                  <a:schemeClr val="tx1"/>
+                </a:solidFill>
+                <a:effectLst/>
+                <a:latin typeface="Calibri Light" panose="020F0302020204030204" pitchFamily="34" charset="0"/>
+                <a:ea typeface="Times New Roman" panose="02020603050405020304" pitchFamily="18" charset="0"/>
+                <a:cs typeface="Times New Roman" panose="02020603050405020304" pitchFamily="18" charset="0"/>
+              </a:rPr>
+              <a:t> : aire sous la courbe des taux de  vrais et faux positif </a:t>
+            </a:r>
+          </a:p>
+          <a:p>
+            <a:pPr marL="285750" lvl="0" indent="-285750" hangingPunct="0">
               <a:lnSpc>
-                <a:spcPct val="150000"/>
+                <a:spcPct val="105000"/>
               </a:lnSpc>
+              <a:spcAft>
+                <a:spcPts val="800"/>
+              </a:spcAft>
+              <a:buFont typeface="Arial" panose="020B0604020202020204" pitchFamily="34" charset="0"/>
+              <a:buChar char="•"/>
             </a:pPr>
             <a:r>
-              <a:rPr lang="fr-FR" sz="3600" dirty="0"/>
-              <a:t>5. Dashboard</a:t>
-            </a:r>
-          </a:p>
-          <a:p>
-            <a:pPr>
+              <a:rPr lang="fr-FR" sz="1800" dirty="0">
+                <a:solidFill>
+                  <a:schemeClr val="tx1"/>
+                </a:solidFill>
+                <a:effectLst/>
+                <a:latin typeface="Calibri Light" panose="020F0302020204030204" pitchFamily="34" charset="0"/>
+                <a:ea typeface="Times New Roman" panose="02020603050405020304" pitchFamily="18" charset="0"/>
+                <a:cs typeface="Times New Roman" panose="02020603050405020304" pitchFamily="18" charset="0"/>
+              </a:rPr>
+              <a:t>Précision : le nombre de points de données correctement prédits sur tous les points de données.</a:t>
+            </a:r>
+            <a:endParaRPr lang="fr-FR" sz="1800" dirty="0">
+              <a:solidFill>
+                <a:schemeClr val="tx1"/>
+              </a:solidFill>
+              <a:effectLst/>
+              <a:latin typeface="Calibri" panose="020F0502020204030204" pitchFamily="34" charset="0"/>
+              <a:ea typeface="Times New Roman" panose="02020603050405020304" pitchFamily="18" charset="0"/>
+              <a:cs typeface="Times New Roman" panose="02020603050405020304" pitchFamily="18" charset="0"/>
+            </a:endParaRPr>
+          </a:p>
+          <a:p>
+            <a:pPr marL="285750" lvl="0" indent="-285750" hangingPunct="0">
               <a:lnSpc>
-                <a:spcPct val="150000"/>
+                <a:spcPct val="105000"/>
               </a:lnSpc>
+              <a:spcAft>
+                <a:spcPts val="800"/>
+              </a:spcAft>
+              <a:buFont typeface="Arial" panose="020B0604020202020204" pitchFamily="34" charset="0"/>
+              <a:buChar char="•"/>
             </a:pPr>
-            <a:endParaRPr lang="fr-FR" sz="3600" dirty="0"/>
+            <a:r>
+              <a:rPr lang="fr-FR" sz="1800" dirty="0">
+                <a:solidFill>
+                  <a:schemeClr val="tx1"/>
+                </a:solidFill>
+                <a:effectLst/>
+                <a:latin typeface="Calibri Light" panose="020F0302020204030204" pitchFamily="34" charset="0"/>
+                <a:ea typeface="Times New Roman" panose="02020603050405020304" pitchFamily="18" charset="0"/>
+                <a:cs typeface="Times New Roman" panose="02020603050405020304" pitchFamily="18" charset="0"/>
+              </a:rPr>
+              <a:t>Rappel : le nombre de vrai positifs correctement identifiés</a:t>
+            </a:r>
+            <a:endParaRPr lang="fr-FR" sz="1800" dirty="0">
+              <a:solidFill>
+                <a:schemeClr val="tx1"/>
+              </a:solidFill>
+              <a:effectLst/>
+              <a:latin typeface="Calibri" panose="020F0502020204030204" pitchFamily="34" charset="0"/>
+              <a:ea typeface="Times New Roman" panose="02020603050405020304" pitchFamily="18" charset="0"/>
+              <a:cs typeface="Times New Roman" panose="02020603050405020304" pitchFamily="18" charset="0"/>
+            </a:endParaRPr>
+          </a:p>
+          <a:p>
+            <a:pPr marL="285750" lvl="0" indent="-285750" hangingPunct="0">
+              <a:lnSpc>
+                <a:spcPct val="105000"/>
+              </a:lnSpc>
+              <a:spcAft>
+                <a:spcPts val="800"/>
+              </a:spcAft>
+              <a:buFont typeface="Arial" panose="020B0604020202020204" pitchFamily="34" charset="0"/>
+              <a:buChar char="•"/>
+            </a:pPr>
+            <a:r>
+              <a:rPr lang="fr-FR" sz="1800" dirty="0">
+                <a:solidFill>
+                  <a:schemeClr val="tx1"/>
+                </a:solidFill>
+                <a:effectLst/>
+                <a:latin typeface="Calibri Light" panose="020F0302020204030204" pitchFamily="34" charset="0"/>
+                <a:ea typeface="Times New Roman" panose="02020603050405020304" pitchFamily="18" charset="0"/>
+                <a:cs typeface="Times New Roman" panose="02020603050405020304" pitchFamily="18" charset="0"/>
+              </a:rPr>
+              <a:t>F1 score : synthèse entre l’</a:t>
+            </a:r>
+            <a:r>
+              <a:rPr lang="fr-FR" sz="1800" dirty="0" err="1">
+                <a:solidFill>
+                  <a:schemeClr val="tx1"/>
+                </a:solidFill>
+                <a:effectLst/>
+                <a:latin typeface="Calibri Light" panose="020F0302020204030204" pitchFamily="34" charset="0"/>
+                <a:ea typeface="Times New Roman" panose="02020603050405020304" pitchFamily="18" charset="0"/>
+                <a:cs typeface="Times New Roman" panose="02020603050405020304" pitchFamily="18" charset="0"/>
+              </a:rPr>
+              <a:t>accuracy</a:t>
+            </a:r>
+            <a:r>
+              <a:rPr lang="fr-FR" sz="1800" dirty="0">
+                <a:solidFill>
+                  <a:schemeClr val="tx1"/>
+                </a:solidFill>
+                <a:effectLst/>
+                <a:latin typeface="Calibri Light" panose="020F0302020204030204" pitchFamily="34" charset="0"/>
+                <a:ea typeface="Times New Roman" panose="02020603050405020304" pitchFamily="18" charset="0"/>
+                <a:cs typeface="Times New Roman" panose="02020603050405020304" pitchFamily="18" charset="0"/>
+              </a:rPr>
+              <a:t> et le </a:t>
+            </a:r>
+            <a:r>
+              <a:rPr lang="fr-FR" sz="1800" dirty="0" err="1">
+                <a:solidFill>
+                  <a:schemeClr val="tx1"/>
+                </a:solidFill>
+                <a:effectLst/>
+                <a:latin typeface="Calibri Light" panose="020F0302020204030204" pitchFamily="34" charset="0"/>
+                <a:ea typeface="Times New Roman" panose="02020603050405020304" pitchFamily="18" charset="0"/>
+                <a:cs typeface="Times New Roman" panose="02020603050405020304" pitchFamily="18" charset="0"/>
+              </a:rPr>
+              <a:t>recall</a:t>
+            </a:r>
+            <a:endParaRPr lang="fr-FR" sz="1800" dirty="0">
+              <a:solidFill>
+                <a:schemeClr val="tx1"/>
+              </a:solidFill>
+              <a:effectLst/>
+              <a:latin typeface="Calibri" panose="020F0502020204030204" pitchFamily="34" charset="0"/>
+              <a:ea typeface="Times New Roman" panose="02020603050405020304" pitchFamily="18" charset="0"/>
+              <a:cs typeface="Times New Roman" panose="02020603050405020304" pitchFamily="18" charset="0"/>
+            </a:endParaRPr>
+          </a:p>
+          <a:p>
+            <a:pPr marL="285750" lvl="0" indent="-285750" hangingPunct="0">
+              <a:lnSpc>
+                <a:spcPct val="105000"/>
+              </a:lnSpc>
+              <a:spcAft>
+                <a:spcPts val="800"/>
+              </a:spcAft>
+              <a:buFont typeface="Arial" panose="020B0604020202020204" pitchFamily="34" charset="0"/>
+              <a:buChar char="•"/>
+            </a:pPr>
+            <a:r>
+              <a:rPr lang="fr-FR" sz="1800" dirty="0">
+                <a:solidFill>
+                  <a:schemeClr val="tx1"/>
+                </a:solidFill>
+                <a:effectLst/>
+                <a:latin typeface="Calibri Light" panose="020F0302020204030204" pitchFamily="34" charset="0"/>
+                <a:ea typeface="Times New Roman" panose="02020603050405020304" pitchFamily="18" charset="0"/>
+                <a:cs typeface="Times New Roman" panose="02020603050405020304" pitchFamily="18" charset="0"/>
+              </a:rPr>
+              <a:t>Durée de traitement</a:t>
+            </a:r>
+            <a:endParaRPr lang="fr-FR" sz="1800" dirty="0">
+              <a:solidFill>
+                <a:schemeClr val="tx1"/>
+              </a:solidFill>
+              <a:effectLst/>
+              <a:latin typeface="Calibri" panose="020F0502020204030204" pitchFamily="34" charset="0"/>
+              <a:ea typeface="Times New Roman" panose="02020603050405020304" pitchFamily="18" charset="0"/>
+              <a:cs typeface="Times New Roman" panose="02020603050405020304" pitchFamily="18" charset="0"/>
+            </a:endParaRPr>
+          </a:p>
+        </p:txBody>
+      </p:sp>
+      <p:sp>
+        <p:nvSpPr>
+          <p:cNvPr id="3" name="Rectangle 2">
+            <a:extLst>
+              <a:ext uri="{FF2B5EF4-FFF2-40B4-BE49-F238E27FC236}">
+                <a16:creationId xmlns:a16="http://schemas.microsoft.com/office/drawing/2014/main" id="{B507EEFE-4077-43A6-8619-B157A96C43AA}"/>
+              </a:ext>
+            </a:extLst>
+          </p:cNvPr>
+          <p:cNvSpPr/>
+          <p:nvPr/>
+        </p:nvSpPr>
+        <p:spPr>
+          <a:xfrm>
+            <a:off x="1094913" y="2512380"/>
+            <a:ext cx="4030462" cy="479394"/>
+          </a:xfrm>
+          <a:prstGeom prst="rect">
+            <a:avLst/>
+          </a:prstGeom>
+        </p:spPr>
+        <p:style>
+          <a:lnRef idx="2">
+            <a:schemeClr val="dk1">
+              <a:shade val="50000"/>
+            </a:schemeClr>
+          </a:lnRef>
+          <a:fillRef idx="1">
+            <a:schemeClr val="dk1"/>
+          </a:fillRef>
+          <a:effectRef idx="0">
+            <a:schemeClr val="dk1"/>
+          </a:effectRef>
+          <a:fontRef idx="minor">
+            <a:schemeClr val="lt1"/>
+          </a:fontRef>
+        </p:style>
+        <p:txBody>
+          <a:bodyPr rtlCol="0" anchor="ctr"/>
+          <a:lstStyle/>
+          <a:p>
+            <a:pPr algn="ctr"/>
+            <a:r>
+              <a:rPr lang="fr-FR" dirty="0"/>
+              <a:t>Pour répondre à notre problématique, nous avons entrainés trois algorithmes</a:t>
+            </a:r>
+          </a:p>
+        </p:txBody>
+      </p:sp>
+      <p:sp>
+        <p:nvSpPr>
+          <p:cNvPr id="8" name="Rectangle 7">
+            <a:extLst>
+              <a:ext uri="{FF2B5EF4-FFF2-40B4-BE49-F238E27FC236}">
+                <a16:creationId xmlns:a16="http://schemas.microsoft.com/office/drawing/2014/main" id="{25A6BDAA-0A6B-4877-B871-746DD3151E95}"/>
+              </a:ext>
+            </a:extLst>
+          </p:cNvPr>
+          <p:cNvSpPr/>
+          <p:nvPr/>
+        </p:nvSpPr>
+        <p:spPr>
+          <a:xfrm>
+            <a:off x="6096000" y="2512380"/>
+            <a:ext cx="4030462" cy="479394"/>
+          </a:xfrm>
+          <a:prstGeom prst="rect">
+            <a:avLst/>
+          </a:prstGeom>
+        </p:spPr>
+        <p:style>
+          <a:lnRef idx="2">
+            <a:schemeClr val="dk1">
+              <a:shade val="50000"/>
+            </a:schemeClr>
+          </a:lnRef>
+          <a:fillRef idx="1">
+            <a:schemeClr val="dk1"/>
+          </a:fillRef>
+          <a:effectRef idx="0">
+            <a:schemeClr val="dk1"/>
+          </a:effectRef>
+          <a:fontRef idx="minor">
+            <a:schemeClr val="lt1"/>
+          </a:fontRef>
+        </p:style>
+        <p:txBody>
+          <a:bodyPr rtlCol="0" anchor="ctr"/>
+          <a:lstStyle/>
+          <a:p>
+            <a:pPr algn="ctr"/>
+            <a:r>
+              <a:rPr lang="fr-FR" dirty="0"/>
+              <a:t>Que nous avons évalué à l’aide des métriques suivants : </a:t>
+            </a:r>
           </a:p>
         </p:txBody>
       </p:sp>
     </p:spTree>
     <p:extLst>
       <p:ext uri="{BB962C8B-B14F-4D97-AF65-F5344CB8AC3E}">
-        <p14:creationId xmlns:p14="http://schemas.microsoft.com/office/powerpoint/2010/main" val="804682713"/>
+        <p14:creationId xmlns:p14="http://schemas.microsoft.com/office/powerpoint/2010/main" val="2347770992"/>
       </p:ext>
     </p:extLst>
   </p:cSld>
@@ -3685,7 +4110,7 @@
 </p:sld>
 </file>
 
-<file path=ppt/slides/slide3.xml><?xml version="1.0" encoding="utf-8"?>
+<file path=ppt/slides/slide11.xml><?xml version="1.0" encoding="utf-8"?>
 <p:sld xmlns:a="http://schemas.openxmlformats.org/drawingml/2006/main" xmlns:r="http://schemas.openxmlformats.org/officeDocument/2006/relationships" xmlns:p="http://schemas.openxmlformats.org/presentationml/2006/main">
   <p:cSld>
     <p:spTree>
@@ -3774,68 +4199,250 @@
         </p:nvSpPr>
         <p:spPr/>
         <p:txBody>
-          <a:bodyPr/>
+          <a:bodyPr>
+            <a:normAutofit/>
+          </a:bodyPr>
           <a:lstStyle/>
           <a:p>
             <a:r>
               <a:rPr lang="fr-FR" sz="4800" b="1" dirty="0"/>
-              <a:t>1. Rappel de la problématique</a:t>
+              <a:t>3. Les modèles mis en </a:t>
+            </a:r>
+            <a:r>
+              <a:rPr lang="fr-FR" sz="4800" b="1" dirty="0" err="1"/>
+              <a:t>oeuvre</a:t>
             </a:r>
             <a:endParaRPr lang="fr-FR" b="1" dirty="0"/>
           </a:p>
         </p:txBody>
       </p:sp>
-      <p:sp>
-        <p:nvSpPr>
-          <p:cNvPr id="6" name="ZoneTexte 5">
-            <a:extLst>
-              <a:ext uri="{FF2B5EF4-FFF2-40B4-BE49-F238E27FC236}">
-                <a16:creationId xmlns:a16="http://schemas.microsoft.com/office/drawing/2014/main" id="{41B1159C-D952-4890-907C-59C48E5CB1A7}"/>
-              </a:ext>
-            </a:extLst>
-          </p:cNvPr>
-          <p:cNvSpPr txBox="1"/>
+      <p:pic>
+        <p:nvPicPr>
+          <p:cNvPr id="5122" name="Picture 2">
+            <a:extLst>
+              <a:ext uri="{FF2B5EF4-FFF2-40B4-BE49-F238E27FC236}">
+                <a16:creationId xmlns:a16="http://schemas.microsoft.com/office/drawing/2014/main" id="{8B2042EF-60A0-4D15-990B-CA993BD67C06}"/>
+              </a:ext>
+            </a:extLst>
+          </p:cNvPr>
+          <p:cNvPicPr>
+            <a:picLocks noChangeAspect="1" noChangeArrowheads="1"/>
+          </p:cNvPicPr>
           <p:nvPr/>
-        </p:nvSpPr>
-        <p:spPr>
+        </p:nvPicPr>
+        <p:blipFill>
+          <a:blip r:embed="rId2">
+            <a:extLst>
+              <a:ext uri="{28A0092B-C50C-407E-A947-70E740481C1C}">
+                <a14:useLocalDpi xmlns:a14="http://schemas.microsoft.com/office/drawing/2010/main" val="0"/>
+              </a:ext>
+            </a:extLst>
+          </a:blip>
+          <a:srcRect/>
+          <a:stretch>
+            <a:fillRect/>
+          </a:stretch>
+        </p:blipFill>
+        <p:spPr bwMode="auto">
           <a:xfrm>
-            <a:off x="1016493" y="1619667"/>
-            <a:ext cx="10515599" cy="646331"/>
+            <a:off x="682656" y="1690688"/>
+            <a:ext cx="2552700" cy="4724400"/>
           </a:xfrm>
           <a:prstGeom prst="rect">
             <a:avLst/>
           </a:prstGeom>
           <a:noFill/>
+          <a:extLst>
+            <a:ext uri="{909E8E84-426E-40DD-AFC4-6F175D3DCCD1}">
+              <a14:hiddenFill xmlns:a14="http://schemas.microsoft.com/office/drawing/2010/main">
+                <a:solidFill>
+                  <a:srgbClr val="FFFFFF"/>
+                </a:solidFill>
+              </a14:hiddenFill>
+            </a:ext>
+          </a:extLst>
         </p:spPr>
-        <p:txBody>
-          <a:bodyPr wrap="square">
-            <a:spAutoFit/>
-          </a:bodyPr>
+      </p:pic>
+      <p:sp>
+        <p:nvSpPr>
+          <p:cNvPr id="5" name="Rectangle 4">
+            <a:extLst>
+              <a:ext uri="{FF2B5EF4-FFF2-40B4-BE49-F238E27FC236}">
+                <a16:creationId xmlns:a16="http://schemas.microsoft.com/office/drawing/2014/main" id="{3B7F5896-EA18-44E1-B07C-B42AB42E0461}"/>
+              </a:ext>
+            </a:extLst>
+          </p:cNvPr>
+          <p:cNvSpPr/>
+          <p:nvPr/>
+        </p:nvSpPr>
+        <p:spPr>
+          <a:xfrm>
+            <a:off x="3695053" y="1690688"/>
+            <a:ext cx="7199050" cy="4827772"/>
+          </a:xfrm>
+          <a:prstGeom prst="rect">
+            <a:avLst/>
+          </a:prstGeom>
+          <a:noFill/>
+          <a:ln>
+            <a:noFill/>
+          </a:ln>
+        </p:spPr>
+        <p:style>
+          <a:lnRef idx="2">
+            <a:schemeClr val="accent1">
+              <a:shade val="50000"/>
+            </a:schemeClr>
+          </a:lnRef>
+          <a:fillRef idx="1">
+            <a:schemeClr val="accent1"/>
+          </a:fillRef>
+          <a:effectRef idx="0">
+            <a:schemeClr val="accent1"/>
+          </a:effectRef>
+          <a:fontRef idx="minor">
+            <a:schemeClr val="lt1"/>
+          </a:fontRef>
+        </p:style>
+        <p:txBody>
+          <a:bodyPr rtlCol="0" anchor="ctr"/>
           <a:lstStyle/>
           <a:p>
             <a:pPr algn="ctr"/>
             <a:r>
-              <a:rPr lang="fr-FR" b="1" i="0" dirty="0">
-                <a:effectLst/>
-                <a:latin typeface="Montserrat" panose="00000500000000000000" pitchFamily="2" charset="0"/>
-              </a:rPr>
-              <a:t>"Prêt à dépenser"</a:t>
-            </a:r>
-            <a:r>
-              <a:rPr lang="fr-FR" b="0" i="0" dirty="0">
-                <a:effectLst/>
-                <a:latin typeface="Montserrat" panose="00000500000000000000" pitchFamily="2" charset="0"/>
-              </a:rPr>
-              <a:t>,  qui propose des crédits à la consommation pour des personnes ayant peu ou pas du tout d'historique de prêt.</a:t>
-            </a:r>
-            <a:endParaRPr lang="fr-FR" dirty="0"/>
+              <a:rPr lang="fr-FR" dirty="0">
+                <a:solidFill>
+                  <a:schemeClr val="tx1"/>
+                </a:solidFill>
+              </a:rPr>
+              <a:t>Parmi les modèles mis en œuvre, nous observons que : </a:t>
+            </a:r>
+          </a:p>
+          <a:p>
+            <a:pPr algn="ctr"/>
+            <a:endParaRPr lang="fr-FR" dirty="0">
+              <a:solidFill>
+                <a:schemeClr val="tx1"/>
+              </a:solidFill>
+            </a:endParaRPr>
+          </a:p>
+          <a:p>
+            <a:pPr marL="285750" indent="-285750" algn="ctr">
+              <a:buFontTx/>
+              <a:buChar char="-"/>
+            </a:pPr>
+            <a:r>
+              <a:rPr lang="fr-FR" dirty="0">
+                <a:solidFill>
+                  <a:schemeClr val="tx1"/>
+                </a:solidFill>
+              </a:rPr>
+              <a:t>L’air sous le courbe est globalement assez élevée pour l’ensemble des modèles</a:t>
+            </a:r>
+          </a:p>
+          <a:p>
+            <a:pPr marL="285750" indent="-285750" algn="ctr">
+              <a:buFontTx/>
+              <a:buChar char="-"/>
+            </a:pPr>
+            <a:endParaRPr lang="fr-FR" dirty="0">
+              <a:solidFill>
+                <a:schemeClr val="tx1"/>
+              </a:solidFill>
+            </a:endParaRPr>
+          </a:p>
+          <a:p>
+            <a:pPr marL="285750" indent="-285750" algn="ctr">
+              <a:buFontTx/>
+              <a:buChar char="-"/>
+            </a:pPr>
+            <a:r>
+              <a:rPr lang="fr-FR" dirty="0">
+                <a:solidFill>
+                  <a:schemeClr val="tx1"/>
+                </a:solidFill>
+              </a:rPr>
+              <a:t>La précision des modèles varient avec la régression logistique qui sous performe légèrement</a:t>
+            </a:r>
+          </a:p>
+          <a:p>
+            <a:pPr marL="285750" indent="-285750" algn="ctr">
+              <a:buFontTx/>
+              <a:buChar char="-"/>
+            </a:pPr>
+            <a:endParaRPr lang="fr-FR" dirty="0">
+              <a:solidFill>
+                <a:schemeClr val="tx1"/>
+              </a:solidFill>
+            </a:endParaRPr>
+          </a:p>
+          <a:p>
+            <a:pPr marL="285750" indent="-285750" algn="ctr">
+              <a:buFontTx/>
+              <a:buChar char="-"/>
+            </a:pPr>
+            <a:r>
+              <a:rPr lang="fr-FR" dirty="0">
+                <a:solidFill>
+                  <a:schemeClr val="tx1"/>
+                </a:solidFill>
+              </a:rPr>
+              <a:t>Le rappel et le F1 score sont inexistants pour les modèles à l’exception de la régression logistique</a:t>
+            </a:r>
+          </a:p>
+          <a:p>
+            <a:pPr marL="285750" indent="-285750" algn="ctr">
+              <a:buFontTx/>
+              <a:buChar char="-"/>
+            </a:pPr>
+            <a:endParaRPr lang="fr-FR" dirty="0">
+              <a:solidFill>
+                <a:schemeClr val="tx1"/>
+              </a:solidFill>
+            </a:endParaRPr>
+          </a:p>
+          <a:p>
+            <a:pPr marL="285750" indent="-285750" algn="ctr">
+              <a:buFontTx/>
+              <a:buChar char="-"/>
+            </a:pPr>
+            <a:r>
+              <a:rPr lang="fr-FR" dirty="0">
+                <a:solidFill>
+                  <a:schemeClr val="tx1"/>
+                </a:solidFill>
+              </a:rPr>
+              <a:t>La durée de traitement varie de manière importante selon les modèles.</a:t>
+            </a:r>
+          </a:p>
+          <a:p>
+            <a:pPr marL="285750" indent="-285750" algn="ctr">
+              <a:buFontTx/>
+              <a:buChar char="-"/>
+            </a:pPr>
+            <a:endParaRPr lang="fr-FR" dirty="0">
+              <a:solidFill>
+                <a:schemeClr val="tx1"/>
+              </a:solidFill>
+            </a:endParaRPr>
+          </a:p>
+          <a:p>
+            <a:pPr algn="ctr"/>
+            <a:r>
+              <a:rPr lang="fr-FR" dirty="0">
+                <a:solidFill>
+                  <a:schemeClr val="tx1"/>
+                </a:solidFill>
+              </a:rPr>
+              <a:t>On en conclut donc que la régression logistique est l’algorithme qui performe le mieux.</a:t>
+            </a:r>
           </a:p>
         </p:txBody>
       </p:sp>
     </p:spTree>
     <p:extLst>
       <p:ext uri="{BB962C8B-B14F-4D97-AF65-F5344CB8AC3E}">
-        <p14:creationId xmlns:p14="http://schemas.microsoft.com/office/powerpoint/2010/main" val="1370668125"/>
+        <p14:creationId xmlns:p14="http://schemas.microsoft.com/office/powerpoint/2010/main" val="3722083207"/>
       </p:ext>
     </p:extLst>
   </p:cSld>
@@ -3845,7 +4452,7 @@
 </p:sld>
 </file>
 
-<file path=ppt/slides/slide4.xml><?xml version="1.0" encoding="utf-8"?>
+<file path=ppt/slides/slide12.xml><?xml version="1.0" encoding="utf-8"?>
 <p:sld xmlns:a="http://schemas.openxmlformats.org/drawingml/2006/main" xmlns:r="http://schemas.openxmlformats.org/officeDocument/2006/relationships" xmlns:p="http://schemas.openxmlformats.org/presentationml/2006/main">
   <p:cSld>
     <p:spTree>
@@ -3912,7 +4519,7 @@
           <a:lstStyle/>
           <a:p>
             <a:pPr algn="ctr"/>
-            <a:endParaRPr lang="fr-FR"/>
+            <a:endParaRPr lang="fr-FR" dirty="0"/>
           </a:p>
         </p:txBody>
       </p:sp>
@@ -3934,21 +4541,369 @@
         </p:nvSpPr>
         <p:spPr/>
         <p:txBody>
-          <a:bodyPr/>
+          <a:bodyPr>
+            <a:normAutofit fontScale="90000"/>
+          </a:bodyPr>
           <a:lstStyle/>
           <a:p>
             <a:r>
               <a:rPr lang="fr-FR" sz="4800" b="1" dirty="0"/>
-              <a:t>2. Présentation du jeu de données</a:t>
+              <a:t>3. Développement d’un </a:t>
+            </a:r>
+            <a:r>
+              <a:rPr lang="fr-FR" sz="4800" b="1" dirty="0" err="1"/>
+              <a:t>scoring</a:t>
+            </a:r>
+            <a:r>
+              <a:rPr lang="fr-FR" sz="4800" b="1" dirty="0"/>
+              <a:t> adapté à notre problématique</a:t>
             </a:r>
             <a:endParaRPr lang="fr-FR" b="1" dirty="0"/>
+          </a:p>
+        </p:txBody>
+      </p:sp>
+      <p:sp>
+        <p:nvSpPr>
+          <p:cNvPr id="9" name="ZoneTexte 8">
+            <a:extLst>
+              <a:ext uri="{FF2B5EF4-FFF2-40B4-BE49-F238E27FC236}">
+                <a16:creationId xmlns:a16="http://schemas.microsoft.com/office/drawing/2014/main" id="{67603C2C-3CD8-4AFC-8ACF-2EBCD0F72660}"/>
+              </a:ext>
+            </a:extLst>
+          </p:cNvPr>
+          <p:cNvSpPr txBox="1"/>
+          <p:nvPr/>
+        </p:nvSpPr>
+        <p:spPr>
+          <a:xfrm>
+            <a:off x="3046521" y="5440555"/>
+            <a:ext cx="6098958" cy="464423"/>
+          </a:xfrm>
+          <a:prstGeom prst="rect">
+            <a:avLst/>
+          </a:prstGeom>
+          <a:noFill/>
+          <a:ln>
+            <a:solidFill>
+              <a:schemeClr val="tx1"/>
+            </a:solidFill>
+          </a:ln>
+        </p:spPr>
+        <p:txBody>
+          <a:bodyPr wrap="square">
+            <a:spAutoFit/>
+          </a:bodyPr>
+          <a:lstStyle/>
+          <a:p>
+            <a:pPr algn="ctr" hangingPunct="0">
+              <a:lnSpc>
+                <a:spcPct val="105000"/>
+              </a:lnSpc>
+              <a:spcAft>
+                <a:spcPts val="800"/>
+              </a:spcAft>
+            </a:pPr>
+            <a:r>
+              <a:rPr lang="en-US" sz="2400" b="1" dirty="0" err="1">
+                <a:latin typeface="Calibri" panose="020F0502020204030204" pitchFamily="34" charset="0"/>
+                <a:cs typeface="Times New Roman" panose="02020603050405020304" pitchFamily="18" charset="0"/>
+              </a:rPr>
+              <a:t>fp</a:t>
+            </a:r>
+            <a:r>
+              <a:rPr lang="en-US" sz="2400" b="1" dirty="0">
+                <a:latin typeface="Calibri" panose="020F0502020204030204" pitchFamily="34" charset="0"/>
+                <a:cs typeface="Times New Roman" panose="02020603050405020304" pitchFamily="18" charset="0"/>
+              </a:rPr>
+              <a:t>*</a:t>
+            </a:r>
+            <a:r>
+              <a:rPr lang="en-US" sz="2400" b="1" dirty="0" err="1">
+                <a:latin typeface="Calibri" panose="020F0502020204030204" pitchFamily="34" charset="0"/>
+                <a:cs typeface="Times New Roman" panose="02020603050405020304" pitchFamily="18" charset="0"/>
+              </a:rPr>
+              <a:t>fp_value</a:t>
+            </a:r>
+            <a:r>
+              <a:rPr lang="en-US" sz="2400" b="1" dirty="0">
+                <a:latin typeface="Calibri" panose="020F0502020204030204" pitchFamily="34" charset="0"/>
+                <a:cs typeface="Times New Roman" panose="02020603050405020304" pitchFamily="18" charset="0"/>
+              </a:rPr>
+              <a:t> + </a:t>
+            </a:r>
+            <a:r>
+              <a:rPr lang="en-US" sz="2400" b="1" dirty="0" err="1">
+                <a:latin typeface="Calibri" panose="020F0502020204030204" pitchFamily="34" charset="0"/>
+                <a:cs typeface="Times New Roman" panose="02020603050405020304" pitchFamily="18" charset="0"/>
+              </a:rPr>
+              <a:t>fn</a:t>
+            </a:r>
+            <a:r>
+              <a:rPr lang="en-US" sz="2400" b="1" dirty="0">
+                <a:latin typeface="Calibri" panose="020F0502020204030204" pitchFamily="34" charset="0"/>
+                <a:cs typeface="Times New Roman" panose="02020603050405020304" pitchFamily="18" charset="0"/>
+              </a:rPr>
+              <a:t>*</a:t>
+            </a:r>
+            <a:r>
+              <a:rPr lang="en-US" sz="2400" b="1" dirty="0" err="1">
+                <a:latin typeface="Calibri" panose="020F0502020204030204" pitchFamily="34" charset="0"/>
+                <a:cs typeface="Times New Roman" panose="02020603050405020304" pitchFamily="18" charset="0"/>
+              </a:rPr>
+              <a:t>fn_value</a:t>
+            </a:r>
+            <a:endParaRPr lang="fr-FR" sz="2400" b="1" dirty="0">
+              <a:latin typeface="Calibri" panose="020F0502020204030204" pitchFamily="34" charset="0"/>
+              <a:cs typeface="Times New Roman" panose="02020603050405020304" pitchFamily="18" charset="0"/>
+            </a:endParaRPr>
+          </a:p>
+        </p:txBody>
+      </p:sp>
+      <p:sp>
+        <p:nvSpPr>
+          <p:cNvPr id="11" name="ZoneTexte 10">
+            <a:extLst>
+              <a:ext uri="{FF2B5EF4-FFF2-40B4-BE49-F238E27FC236}">
+                <a16:creationId xmlns:a16="http://schemas.microsoft.com/office/drawing/2014/main" id="{0545D6ED-4B57-4CD8-B685-F2E5967F89D2}"/>
+              </a:ext>
+            </a:extLst>
+          </p:cNvPr>
+          <p:cNvSpPr txBox="1"/>
+          <p:nvPr/>
+        </p:nvSpPr>
+        <p:spPr>
+          <a:xfrm>
+            <a:off x="409852" y="3964996"/>
+            <a:ext cx="11372295" cy="1158266"/>
+          </a:xfrm>
+          <a:prstGeom prst="rect">
+            <a:avLst/>
+          </a:prstGeom>
+          <a:noFill/>
+        </p:spPr>
+        <p:txBody>
+          <a:bodyPr wrap="square">
+            <a:spAutoFit/>
+          </a:bodyPr>
+          <a:lstStyle/>
+          <a:p>
+            <a:pPr hangingPunct="0">
+              <a:lnSpc>
+                <a:spcPct val="105000"/>
+              </a:lnSpc>
+              <a:spcAft>
+                <a:spcPts val="800"/>
+              </a:spcAft>
+            </a:pPr>
+            <a:r>
+              <a:rPr lang="fr-FR" dirty="0">
+                <a:latin typeface="Calibri" panose="020F0502020204030204" pitchFamily="34" charset="0"/>
+                <a:cs typeface="Times New Roman" panose="02020603050405020304" pitchFamily="18" charset="0"/>
+              </a:rPr>
+              <a:t>Pour les maximiser, nous avons développé un score custom en attribuant un coefficient à chacun de nos éléments :   </a:t>
+            </a:r>
+          </a:p>
+          <a:p>
+            <a:pPr hangingPunct="0">
+              <a:lnSpc>
+                <a:spcPct val="105000"/>
+              </a:lnSpc>
+              <a:spcAft>
+                <a:spcPts val="800"/>
+              </a:spcAft>
+            </a:pPr>
+            <a:r>
+              <a:rPr lang="fr-FR" dirty="0">
+                <a:latin typeface="Calibri" panose="020F0502020204030204" pitchFamily="34" charset="0"/>
+                <a:cs typeface="Times New Roman" panose="02020603050405020304" pitchFamily="18" charset="0"/>
+              </a:rPr>
+              <a:t>Faux négatif = 5 pour chaque client à qui on refuse un crédit et qui rembourserai, on perd les intérêts</a:t>
+            </a:r>
+          </a:p>
+          <a:p>
+            <a:pPr hangingPunct="0">
+              <a:lnSpc>
+                <a:spcPct val="105000"/>
+              </a:lnSpc>
+              <a:spcAft>
+                <a:spcPts val="800"/>
+              </a:spcAft>
+            </a:pPr>
+            <a:r>
+              <a:rPr lang="fr-FR" dirty="0">
+                <a:latin typeface="Calibri" panose="020F0502020204030204" pitchFamily="34" charset="0"/>
+                <a:cs typeface="Times New Roman" panose="02020603050405020304" pitchFamily="18" charset="0"/>
+              </a:rPr>
+              <a:t>Faux positif = 10 pour chaque client qui ne rembourse pas, on perd potentiellement le capital investi</a:t>
+            </a:r>
+          </a:p>
+        </p:txBody>
+      </p:sp>
+      <p:sp>
+        <p:nvSpPr>
+          <p:cNvPr id="12" name="ZoneTexte 11">
+            <a:extLst>
+              <a:ext uri="{FF2B5EF4-FFF2-40B4-BE49-F238E27FC236}">
+                <a16:creationId xmlns:a16="http://schemas.microsoft.com/office/drawing/2014/main" id="{93071049-8994-4D81-B581-3D1581728C89}"/>
+              </a:ext>
+            </a:extLst>
+          </p:cNvPr>
+          <p:cNvSpPr txBox="1"/>
+          <p:nvPr/>
+        </p:nvSpPr>
+        <p:spPr>
+          <a:xfrm>
+            <a:off x="2451715" y="6094444"/>
+            <a:ext cx="8052047" cy="371384"/>
+          </a:xfrm>
+          <a:prstGeom prst="rect">
+            <a:avLst/>
+          </a:prstGeom>
+          <a:noFill/>
+        </p:spPr>
+        <p:txBody>
+          <a:bodyPr wrap="square">
+            <a:spAutoFit/>
+          </a:bodyPr>
+          <a:lstStyle/>
+          <a:p>
+            <a:pPr hangingPunct="0">
+              <a:lnSpc>
+                <a:spcPct val="105000"/>
+              </a:lnSpc>
+              <a:spcAft>
+                <a:spcPts val="800"/>
+              </a:spcAft>
+            </a:pPr>
+            <a:r>
+              <a:rPr lang="fr-FR" dirty="0">
+                <a:latin typeface="Calibri" panose="020F0502020204030204" pitchFamily="34" charset="0"/>
+                <a:cs typeface="Times New Roman" panose="02020603050405020304" pitchFamily="18" charset="0"/>
+              </a:rPr>
+              <a:t>Cette métrique nous permet de limiter au maximum les perte pour l’entreprise</a:t>
+            </a:r>
+          </a:p>
+        </p:txBody>
+      </p:sp>
+      <p:sp>
+        <p:nvSpPr>
+          <p:cNvPr id="14" name="ZoneTexte 13">
+            <a:extLst>
+              <a:ext uri="{FF2B5EF4-FFF2-40B4-BE49-F238E27FC236}">
+                <a16:creationId xmlns:a16="http://schemas.microsoft.com/office/drawing/2014/main" id="{49256BD2-4327-4B0C-87EC-40F141188056}"/>
+              </a:ext>
+            </a:extLst>
+          </p:cNvPr>
+          <p:cNvSpPr txBox="1"/>
+          <p:nvPr/>
+        </p:nvSpPr>
+        <p:spPr>
+          <a:xfrm>
+            <a:off x="621436" y="1896040"/>
+            <a:ext cx="10342486" cy="1842556"/>
+          </a:xfrm>
+          <a:prstGeom prst="rect">
+            <a:avLst/>
+          </a:prstGeom>
+          <a:noFill/>
+        </p:spPr>
+        <p:txBody>
+          <a:bodyPr wrap="square">
+            <a:spAutoFit/>
+          </a:bodyPr>
+          <a:lstStyle/>
+          <a:p>
+            <a:pPr hangingPunct="0">
+              <a:lnSpc>
+                <a:spcPct val="105000"/>
+              </a:lnSpc>
+              <a:spcAft>
+                <a:spcPts val="800"/>
+              </a:spcAft>
+            </a:pPr>
+            <a:r>
+              <a:rPr lang="fr-FR" sz="1800" dirty="0">
+                <a:effectLst/>
+                <a:latin typeface="Calibri" panose="020F0502020204030204" pitchFamily="34" charset="0"/>
+                <a:ea typeface="Times New Roman" panose="02020603050405020304" pitchFamily="18" charset="0"/>
+                <a:cs typeface="Times New Roman" panose="02020603050405020304" pitchFamily="18" charset="0"/>
+              </a:rPr>
+              <a:t>La logique, du point de vue bancaire, nous pousse à penser qu’un client en défaut auquel on accorde un crédit est une forte source de perte. </a:t>
+            </a:r>
+          </a:p>
+          <a:p>
+            <a:pPr hangingPunct="0">
+              <a:lnSpc>
+                <a:spcPct val="105000"/>
+              </a:lnSpc>
+              <a:spcAft>
+                <a:spcPts val="800"/>
+              </a:spcAft>
+            </a:pPr>
+            <a:r>
+              <a:rPr lang="fr-FR" sz="1800" dirty="0">
+                <a:effectLst/>
+                <a:latin typeface="Calibri" panose="020F0502020204030204" pitchFamily="34" charset="0"/>
+                <a:ea typeface="Times New Roman" panose="02020603050405020304" pitchFamily="18" charset="0"/>
+                <a:cs typeface="Times New Roman" panose="02020603050405020304" pitchFamily="18" charset="0"/>
+              </a:rPr>
+              <a:t>Notre objectif :</a:t>
+            </a:r>
+          </a:p>
+          <a:p>
+            <a:pPr marL="1657350" lvl="3" indent="-285750" hangingPunct="0">
+              <a:lnSpc>
+                <a:spcPct val="105000"/>
+              </a:lnSpc>
+              <a:spcAft>
+                <a:spcPts val="800"/>
+              </a:spcAft>
+              <a:buFontTx/>
+              <a:buChar char="-"/>
+            </a:pPr>
+            <a:r>
+              <a:rPr lang="fr-FR" dirty="0">
+                <a:effectLst/>
+                <a:latin typeface="Calibri" panose="020F0502020204030204" pitchFamily="34" charset="0"/>
+                <a:ea typeface="Times New Roman" panose="02020603050405020304" pitchFamily="18" charset="0"/>
+                <a:cs typeface="Times New Roman" panose="02020603050405020304" pitchFamily="18" charset="0"/>
+              </a:rPr>
+              <a:t>minimiser le nombre de faux positif </a:t>
+            </a:r>
+          </a:p>
+          <a:p>
+            <a:pPr marL="1657350" lvl="3" indent="-285750" hangingPunct="0">
+              <a:lnSpc>
+                <a:spcPct val="105000"/>
+              </a:lnSpc>
+              <a:spcAft>
+                <a:spcPts val="800"/>
+              </a:spcAft>
+              <a:buFontTx/>
+              <a:buChar char="-"/>
+            </a:pPr>
+            <a:r>
+              <a:rPr lang="fr-FR" dirty="0">
+                <a:effectLst/>
+                <a:latin typeface="Calibri" panose="020F0502020204030204" pitchFamily="34" charset="0"/>
+                <a:ea typeface="Times New Roman" panose="02020603050405020304" pitchFamily="18" charset="0"/>
+                <a:cs typeface="Times New Roman" panose="02020603050405020304" pitchFamily="18" charset="0"/>
+              </a:rPr>
+              <a:t>maximiser le nombre de vrai positif.</a:t>
+            </a:r>
+            <a:endParaRPr lang="fr-FR" sz="1600" dirty="0">
+              <a:effectLst/>
+              <a:latin typeface="Calibri" panose="020F0502020204030204" pitchFamily="34" charset="0"/>
+              <a:ea typeface="Times New Roman" panose="02020603050405020304" pitchFamily="18" charset="0"/>
+              <a:cs typeface="Times New Roman" panose="02020603050405020304" pitchFamily="18" charset="0"/>
+            </a:endParaRPr>
           </a:p>
         </p:txBody>
       </p:sp>
     </p:spTree>
     <p:extLst>
       <p:ext uri="{BB962C8B-B14F-4D97-AF65-F5344CB8AC3E}">
-        <p14:creationId xmlns:p14="http://schemas.microsoft.com/office/powerpoint/2010/main" val="2067346435"/>
+        <p14:creationId xmlns:p14="http://schemas.microsoft.com/office/powerpoint/2010/main" val="2289177561"/>
       </p:ext>
     </p:extLst>
   </p:cSld>
@@ -3958,7 +4913,7 @@
 </p:sld>
 </file>
 
-<file path=ppt/slides/slide5.xml><?xml version="1.0" encoding="utf-8"?>
+<file path=ppt/slides/slide13.xml><?xml version="1.0" encoding="utf-8"?>
 <p:sld xmlns:a="http://schemas.openxmlformats.org/drawingml/2006/main" xmlns:r="http://schemas.openxmlformats.org/officeDocument/2006/relationships" xmlns:p="http://schemas.openxmlformats.org/presentationml/2006/main">
   <p:cSld>
     <p:spTree>
@@ -4048,30 +5003,279 @@
         <p:spPr/>
         <p:txBody>
           <a:bodyPr>
-            <a:normAutofit/>
+            <a:normAutofit fontScale="90000"/>
           </a:bodyPr>
           <a:lstStyle/>
           <a:p>
             <a:r>
               <a:rPr lang="fr-FR" sz="4800" b="1" dirty="0"/>
-              <a:t>2. </a:t>
-            </a:r>
-            <a:r>
-              <a:rPr lang="fr-FR" sz="4800" b="1" dirty="0" err="1"/>
-              <a:t>Feature</a:t>
-            </a:r>
-            <a:r>
-              <a:rPr lang="fr-FR" sz="4800" b="1" dirty="0"/>
-              <a:t> engineering</a:t>
+              <a:t>3. Le modèle retenu : la régression logistique</a:t>
             </a:r>
             <a:endParaRPr lang="fr-FR" b="1" dirty="0"/>
+          </a:p>
+        </p:txBody>
+      </p:sp>
+      <p:pic>
+        <p:nvPicPr>
+          <p:cNvPr id="6146" name="Picture 2">
+            <a:extLst>
+              <a:ext uri="{FF2B5EF4-FFF2-40B4-BE49-F238E27FC236}">
+                <a16:creationId xmlns:a16="http://schemas.microsoft.com/office/drawing/2014/main" id="{2DA6CF88-BEFA-4F82-8A5C-5155A6AF0B62}"/>
+              </a:ext>
+            </a:extLst>
+          </p:cNvPr>
+          <p:cNvPicPr>
+            <a:picLocks noChangeAspect="1" noChangeArrowheads="1"/>
+          </p:cNvPicPr>
+          <p:nvPr/>
+        </p:nvPicPr>
+        <p:blipFill>
+          <a:blip r:embed="rId2">
+            <a:extLst>
+              <a:ext uri="{28A0092B-C50C-407E-A947-70E740481C1C}">
+                <a14:useLocalDpi xmlns:a14="http://schemas.microsoft.com/office/drawing/2010/main" val="0"/>
+              </a:ext>
+            </a:extLst>
+          </a:blip>
+          <a:srcRect/>
+          <a:stretch>
+            <a:fillRect/>
+          </a:stretch>
+        </p:blipFill>
+        <p:spPr bwMode="auto">
+          <a:xfrm>
+            <a:off x="598457" y="2055813"/>
+            <a:ext cx="2809875" cy="4276725"/>
+          </a:xfrm>
+          <a:prstGeom prst="rect">
+            <a:avLst/>
+          </a:prstGeom>
+          <a:noFill/>
+          <a:extLst>
+            <a:ext uri="{909E8E84-426E-40DD-AFC4-6F175D3DCCD1}">
+              <a14:hiddenFill xmlns:a14="http://schemas.microsoft.com/office/drawing/2010/main">
+                <a:solidFill>
+                  <a:srgbClr val="FFFFFF"/>
+                </a:solidFill>
+              </a14:hiddenFill>
+            </a:ext>
+          </a:extLst>
+        </p:spPr>
+      </p:pic>
+      <p:sp>
+        <p:nvSpPr>
+          <p:cNvPr id="3" name="Rectangle 2">
+            <a:extLst>
+              <a:ext uri="{FF2B5EF4-FFF2-40B4-BE49-F238E27FC236}">
+                <a16:creationId xmlns:a16="http://schemas.microsoft.com/office/drawing/2014/main" id="{F84E3294-0535-4082-92DC-569B2269B93A}"/>
+              </a:ext>
+            </a:extLst>
+          </p:cNvPr>
+          <p:cNvSpPr/>
+          <p:nvPr/>
+        </p:nvSpPr>
+        <p:spPr>
+          <a:xfrm>
+            <a:off x="630314" y="1644080"/>
+            <a:ext cx="2769833" cy="365125"/>
+          </a:xfrm>
+          <a:prstGeom prst="rect">
+            <a:avLst/>
+          </a:prstGeom>
+        </p:spPr>
+        <p:style>
+          <a:lnRef idx="2">
+            <a:schemeClr val="dk1">
+              <a:shade val="50000"/>
+            </a:schemeClr>
+          </a:lnRef>
+          <a:fillRef idx="1">
+            <a:schemeClr val="dk1"/>
+          </a:fillRef>
+          <a:effectRef idx="0">
+            <a:schemeClr val="dk1"/>
+          </a:effectRef>
+          <a:fontRef idx="minor">
+            <a:schemeClr val="lt1"/>
+          </a:fontRef>
+        </p:style>
+        <p:txBody>
+          <a:bodyPr rtlCol="0" anchor="ctr"/>
+          <a:lstStyle/>
+          <a:p>
+            <a:pPr algn="ctr"/>
+            <a:r>
+              <a:rPr lang="fr-FR" dirty="0"/>
+              <a:t>Régression logistique</a:t>
+            </a:r>
+          </a:p>
+        </p:txBody>
+      </p:sp>
+      <p:sp>
+        <p:nvSpPr>
+          <p:cNvPr id="8" name="Rectangle 7">
+            <a:extLst>
+              <a:ext uri="{FF2B5EF4-FFF2-40B4-BE49-F238E27FC236}">
+                <a16:creationId xmlns:a16="http://schemas.microsoft.com/office/drawing/2014/main" id="{0298B1ED-A80D-49B2-B4ED-D48FB388F043}"/>
+              </a:ext>
+            </a:extLst>
+          </p:cNvPr>
+          <p:cNvSpPr/>
+          <p:nvPr/>
+        </p:nvSpPr>
+        <p:spPr>
+          <a:xfrm>
+            <a:off x="3767136" y="1690688"/>
+            <a:ext cx="7586663" cy="4641850"/>
+          </a:xfrm>
+          <a:prstGeom prst="rect">
+            <a:avLst/>
+          </a:prstGeom>
+          <a:noFill/>
+          <a:ln>
+            <a:noFill/>
+          </a:ln>
+        </p:spPr>
+        <p:style>
+          <a:lnRef idx="2">
+            <a:schemeClr val="accent1">
+              <a:shade val="50000"/>
+            </a:schemeClr>
+          </a:lnRef>
+          <a:fillRef idx="1">
+            <a:schemeClr val="accent1"/>
+          </a:fillRef>
+          <a:effectRef idx="0">
+            <a:schemeClr val="accent1"/>
+          </a:effectRef>
+          <a:fontRef idx="minor">
+            <a:schemeClr val="lt1"/>
+          </a:fontRef>
+        </p:style>
+        <p:txBody>
+          <a:bodyPr rtlCol="0" anchor="ctr"/>
+          <a:lstStyle/>
+          <a:p>
+            <a:pPr algn="ctr"/>
+            <a:r>
+              <a:rPr lang="fr-FR" dirty="0">
+                <a:solidFill>
+                  <a:schemeClr val="tx1"/>
+                </a:solidFill>
+              </a:rPr>
+              <a:t>Pour répondre au mieux à notre problématique, la régression logistique a été entrainée avec : </a:t>
+            </a:r>
+          </a:p>
+          <a:p>
+            <a:pPr algn="ctr"/>
+            <a:endParaRPr lang="fr-FR" dirty="0">
+              <a:solidFill>
+                <a:schemeClr val="tx1"/>
+              </a:solidFill>
+            </a:endParaRPr>
+          </a:p>
+          <a:p>
+            <a:pPr marL="285750" indent="-285750" algn="ctr">
+              <a:buFontTx/>
+              <a:buChar char="-"/>
+            </a:pPr>
+            <a:r>
+              <a:rPr lang="fr-FR" dirty="0">
+                <a:solidFill>
+                  <a:schemeClr val="tx1"/>
+                </a:solidFill>
+              </a:rPr>
+              <a:t>Notre score custom</a:t>
+            </a:r>
+          </a:p>
+          <a:p>
+            <a:pPr marL="285750" indent="-285750" algn="ctr">
+              <a:buFontTx/>
+              <a:buChar char="-"/>
+            </a:pPr>
+            <a:r>
+              <a:rPr lang="fr-FR" dirty="0">
+                <a:solidFill>
+                  <a:schemeClr val="tx1"/>
+                </a:solidFill>
+              </a:rPr>
+              <a:t>Une recherche sur grille avec une cross validation (4 </a:t>
+            </a:r>
+            <a:r>
+              <a:rPr lang="fr-FR" dirty="0" err="1">
+                <a:solidFill>
+                  <a:schemeClr val="tx1"/>
+                </a:solidFill>
+              </a:rPr>
+              <a:t>folds</a:t>
+            </a:r>
+            <a:r>
+              <a:rPr lang="fr-FR" dirty="0">
+                <a:solidFill>
+                  <a:schemeClr val="tx1"/>
+                </a:solidFill>
+              </a:rPr>
+              <a:t>)</a:t>
+            </a:r>
+          </a:p>
+          <a:p>
+            <a:pPr marL="285750" indent="-285750" algn="ctr">
+              <a:buFontTx/>
+              <a:buChar char="-"/>
+            </a:pPr>
+            <a:r>
+              <a:rPr lang="fr-FR" dirty="0">
+                <a:solidFill>
+                  <a:schemeClr val="tx1"/>
+                </a:solidFill>
+              </a:rPr>
+              <a:t>Le solver </a:t>
+            </a:r>
+            <a:r>
+              <a:rPr lang="fr-FR" dirty="0" err="1">
+                <a:solidFill>
+                  <a:schemeClr val="tx1"/>
+                </a:solidFill>
+              </a:rPr>
+              <a:t>liblinear</a:t>
+            </a:r>
+            <a:r>
+              <a:rPr lang="fr-FR" dirty="0">
+                <a:solidFill>
+                  <a:schemeClr val="tx1"/>
+                </a:solidFill>
+              </a:rPr>
+              <a:t> (permettant de traité de grands jeux de données)</a:t>
+            </a:r>
+          </a:p>
+          <a:p>
+            <a:pPr marL="285750" indent="-285750" algn="ctr">
+              <a:buFontTx/>
+              <a:buChar char="-"/>
+            </a:pPr>
+            <a:endParaRPr lang="fr-FR" dirty="0">
+              <a:solidFill>
+                <a:schemeClr val="tx1"/>
+              </a:solidFill>
+            </a:endParaRPr>
+          </a:p>
+          <a:p>
+            <a:pPr algn="ctr"/>
+            <a:r>
+              <a:rPr lang="fr-FR" dirty="0">
+                <a:solidFill>
+                  <a:schemeClr val="tx1"/>
+                </a:solidFill>
+              </a:rPr>
+              <a:t>Ceci nous permet d’obtenir des résultats satisfaisants sur le jeux de test. (cf. Matrice de confusion)</a:t>
+            </a:r>
           </a:p>
         </p:txBody>
       </p:sp>
     </p:spTree>
     <p:extLst>
       <p:ext uri="{BB962C8B-B14F-4D97-AF65-F5344CB8AC3E}">
-        <p14:creationId xmlns:p14="http://schemas.microsoft.com/office/powerpoint/2010/main" val="1893412092"/>
+        <p14:creationId xmlns:p14="http://schemas.microsoft.com/office/powerpoint/2010/main" val="3251911696"/>
       </p:ext>
     </p:extLst>
   </p:cSld>
@@ -4081,7 +5285,7 @@
 </p:sld>
 </file>
 
-<file path=ppt/slides/slide6.xml><?xml version="1.0" encoding="utf-8"?>
+<file path=ppt/slides/slide14.xml><?xml version="1.0" encoding="utf-8"?>
 <p:sld xmlns:a="http://schemas.openxmlformats.org/drawingml/2006/main" xmlns:r="http://schemas.openxmlformats.org/officeDocument/2006/relationships" xmlns:p="http://schemas.openxmlformats.org/presentationml/2006/main">
   <p:cSld>
     <p:spTree>
@@ -4177,16 +5381,199 @@
           <a:p>
             <a:r>
               <a:rPr lang="fr-FR" sz="4800" b="1" dirty="0"/>
-              <a:t>2. Des données déséquilibrés</a:t>
+              <a:t>3. Interprétabilité globale du modèle</a:t>
             </a:r>
             <a:endParaRPr lang="fr-FR" b="1" dirty="0"/>
           </a:p>
         </p:txBody>
       </p:sp>
+      <p:sp>
+        <p:nvSpPr>
+          <p:cNvPr id="8" name="Rectangle 7">
+            <a:extLst>
+              <a:ext uri="{FF2B5EF4-FFF2-40B4-BE49-F238E27FC236}">
+                <a16:creationId xmlns:a16="http://schemas.microsoft.com/office/drawing/2014/main" id="{0298B1ED-A80D-49B2-B4ED-D48FB388F043}"/>
+              </a:ext>
+            </a:extLst>
+          </p:cNvPr>
+          <p:cNvSpPr/>
+          <p:nvPr/>
+        </p:nvSpPr>
+        <p:spPr>
+          <a:xfrm>
+            <a:off x="7149529" y="1504766"/>
+            <a:ext cx="4172504" cy="4827772"/>
+          </a:xfrm>
+          <a:prstGeom prst="rect">
+            <a:avLst/>
+          </a:prstGeom>
+          <a:noFill/>
+          <a:ln>
+            <a:noFill/>
+          </a:ln>
+        </p:spPr>
+        <p:style>
+          <a:lnRef idx="2">
+            <a:schemeClr val="accent1">
+              <a:shade val="50000"/>
+            </a:schemeClr>
+          </a:lnRef>
+          <a:fillRef idx="1">
+            <a:schemeClr val="accent1"/>
+          </a:fillRef>
+          <a:effectRef idx="0">
+            <a:schemeClr val="accent1"/>
+          </a:effectRef>
+          <a:fontRef idx="minor">
+            <a:schemeClr val="lt1"/>
+          </a:fontRef>
+        </p:style>
+        <p:txBody>
+          <a:bodyPr rtlCol="0" anchor="ctr"/>
+          <a:lstStyle/>
+          <a:p>
+            <a:pPr algn="ctr"/>
+            <a:r>
+              <a:rPr lang="fr-FR" dirty="0">
+                <a:solidFill>
+                  <a:schemeClr val="tx1"/>
+                </a:solidFill>
+              </a:rPr>
+              <a:t>Pour assurer une bonne compréhension de la classification aux conseiller clients, le modèles a été expliqué au global : </a:t>
+            </a:r>
+          </a:p>
+          <a:p>
+            <a:pPr algn="ctr"/>
+            <a:endParaRPr lang="fr-FR" dirty="0">
+              <a:solidFill>
+                <a:schemeClr val="tx1"/>
+              </a:solidFill>
+            </a:endParaRPr>
+          </a:p>
+          <a:p>
+            <a:pPr marL="285750" indent="-285750" algn="ctr">
+              <a:buFontTx/>
+              <a:buChar char="-"/>
+            </a:pPr>
+            <a:r>
+              <a:rPr lang="fr-FR" dirty="0">
+                <a:solidFill>
+                  <a:schemeClr val="tx1"/>
+                </a:solidFill>
+              </a:rPr>
+              <a:t>Importance des </a:t>
+            </a:r>
+            <a:r>
+              <a:rPr lang="fr-FR" dirty="0" err="1">
+                <a:solidFill>
+                  <a:schemeClr val="tx1"/>
+                </a:solidFill>
+              </a:rPr>
+              <a:t>features</a:t>
+            </a:r>
+            <a:r>
+              <a:rPr lang="fr-FR" dirty="0">
+                <a:solidFill>
+                  <a:schemeClr val="tx1"/>
+                </a:solidFill>
+              </a:rPr>
+              <a:t> déterminer à l’aide des coefs (régression logistique)</a:t>
+            </a:r>
+          </a:p>
+          <a:p>
+            <a:pPr marL="285750" indent="-285750" algn="ctr">
+              <a:buFontTx/>
+              <a:buChar char="-"/>
+            </a:pPr>
+            <a:endParaRPr lang="fr-FR" dirty="0">
+              <a:solidFill>
+                <a:schemeClr val="tx1"/>
+              </a:solidFill>
+            </a:endParaRPr>
+          </a:p>
+          <a:p>
+            <a:pPr marL="285750" indent="-285750" algn="ctr">
+              <a:buFontTx/>
+              <a:buChar char="-"/>
+            </a:pPr>
+            <a:r>
+              <a:rPr lang="fr-FR" dirty="0">
+                <a:solidFill>
+                  <a:schemeClr val="tx1"/>
+                </a:solidFill>
+              </a:rPr>
+              <a:t>Permet d’identifier quels </a:t>
+            </a:r>
+            <a:r>
+              <a:rPr lang="fr-FR" dirty="0" err="1">
+                <a:solidFill>
+                  <a:schemeClr val="tx1"/>
+                </a:solidFill>
+              </a:rPr>
+              <a:t>features</a:t>
+            </a:r>
+            <a:r>
+              <a:rPr lang="fr-FR" dirty="0">
+                <a:solidFill>
+                  <a:schemeClr val="tx1"/>
+                </a:solidFill>
+              </a:rPr>
+              <a:t> ont un rôle positif/négatif sur l’output de notre modèle.</a:t>
+            </a:r>
+          </a:p>
+        </p:txBody>
+      </p:sp>
+      <p:pic>
+        <p:nvPicPr>
+          <p:cNvPr id="13314" name="Picture 2">
+            <a:extLst>
+              <a:ext uri="{FF2B5EF4-FFF2-40B4-BE49-F238E27FC236}">
+                <a16:creationId xmlns:a16="http://schemas.microsoft.com/office/drawing/2014/main" id="{72B60121-95E4-4E85-81B5-024EA85BA888}"/>
+              </a:ext>
+            </a:extLst>
+          </p:cNvPr>
+          <p:cNvPicPr>
+            <a:picLocks noChangeAspect="1" noChangeArrowheads="1"/>
+          </p:cNvPicPr>
+          <p:nvPr/>
+        </p:nvPicPr>
+        <p:blipFill>
+          <a:blip r:embed="rId2">
+            <a:extLst>
+              <a:ext uri="{28A0092B-C50C-407E-A947-70E740481C1C}">
+                <a14:useLocalDpi xmlns:a14="http://schemas.microsoft.com/office/drawing/2010/main" val="0"/>
+              </a:ext>
+            </a:extLst>
+          </a:blip>
+          <a:srcRect/>
+          <a:stretch>
+            <a:fillRect/>
+          </a:stretch>
+        </p:blipFill>
+        <p:spPr bwMode="auto">
+          <a:xfrm>
+            <a:off x="600759" y="2055813"/>
+            <a:ext cx="5948011" cy="4121551"/>
+          </a:xfrm>
+          <a:prstGeom prst="rect">
+            <a:avLst/>
+          </a:prstGeom>
+          <a:noFill/>
+          <a:extLst>
+            <a:ext uri="{909E8E84-426E-40DD-AFC4-6F175D3DCCD1}">
+              <a14:hiddenFill xmlns:a14="http://schemas.microsoft.com/office/drawing/2010/main">
+                <a:solidFill>
+                  <a:srgbClr val="FFFFFF"/>
+                </a:solidFill>
+              </a14:hiddenFill>
+            </a:ext>
+          </a:extLst>
+        </p:spPr>
+      </p:pic>
     </p:spTree>
     <p:extLst>
       <p:ext uri="{BB962C8B-B14F-4D97-AF65-F5344CB8AC3E}">
-        <p14:creationId xmlns:p14="http://schemas.microsoft.com/office/powerpoint/2010/main" val="1992527769"/>
+        <p14:creationId xmlns:p14="http://schemas.microsoft.com/office/powerpoint/2010/main" val="93355936"/>
       </p:ext>
     </p:extLst>
   </p:cSld>
@@ -4196,7 +5583,7 @@
 </p:sld>
 </file>
 
-<file path=ppt/slides/slide7.xml><?xml version="1.0" encoding="utf-8"?>
+<file path=ppt/slides/slide15.xml><?xml version="1.0" encoding="utf-8"?>
 <p:sld xmlns:a="http://schemas.openxmlformats.org/drawingml/2006/main" xmlns:r="http://schemas.openxmlformats.org/officeDocument/2006/relationships" xmlns:p="http://schemas.openxmlformats.org/presentationml/2006/main">
   <p:cSld>
     <p:spTree>
@@ -4292,20 +5679,248 @@
           <a:p>
             <a:r>
               <a:rPr lang="fr-FR" sz="4800" b="1" dirty="0"/>
-              <a:t>3. Modélisation : </a:t>
-            </a:r>
-            <a:r>
-              <a:rPr lang="fr-FR" sz="4800" b="1" dirty="0" err="1"/>
-              <a:t>preprocessing</a:t>
+              <a:t>3. Interprétabilité locale du modèle : LIME</a:t>
             </a:r>
             <a:endParaRPr lang="fr-FR" b="1" dirty="0"/>
           </a:p>
         </p:txBody>
       </p:sp>
+      <p:sp>
+        <p:nvSpPr>
+          <p:cNvPr id="8" name="Rectangle 7">
+            <a:extLst>
+              <a:ext uri="{FF2B5EF4-FFF2-40B4-BE49-F238E27FC236}">
+                <a16:creationId xmlns:a16="http://schemas.microsoft.com/office/drawing/2014/main" id="{0298B1ED-A80D-49B2-B4ED-D48FB388F043}"/>
+              </a:ext>
+            </a:extLst>
+          </p:cNvPr>
+          <p:cNvSpPr/>
+          <p:nvPr/>
+        </p:nvSpPr>
+        <p:spPr>
+          <a:xfrm>
+            <a:off x="7332373" y="3429000"/>
+            <a:ext cx="4587230" cy="1254511"/>
+          </a:xfrm>
+          <a:prstGeom prst="rect">
+            <a:avLst/>
+          </a:prstGeom>
+          <a:noFill/>
+          <a:ln>
+            <a:noFill/>
+          </a:ln>
+        </p:spPr>
+        <p:style>
+          <a:lnRef idx="2">
+            <a:schemeClr val="accent1">
+              <a:shade val="50000"/>
+            </a:schemeClr>
+          </a:lnRef>
+          <a:fillRef idx="1">
+            <a:schemeClr val="accent1"/>
+          </a:fillRef>
+          <a:effectRef idx="0">
+            <a:schemeClr val="accent1"/>
+          </a:effectRef>
+          <a:fontRef idx="minor">
+            <a:schemeClr val="lt1"/>
+          </a:fontRef>
+        </p:style>
+        <p:txBody>
+          <a:bodyPr rtlCol="0" anchor="ctr"/>
+          <a:lstStyle/>
+          <a:p>
+            <a:pPr algn="ctr"/>
+            <a:r>
+              <a:rPr lang="fr-FR" dirty="0">
+                <a:solidFill>
+                  <a:schemeClr val="tx1"/>
+                </a:solidFill>
+              </a:rPr>
+              <a:t>Pour leurs assurer une bonne compréhension pour chacun de leur clients, le modèle a également été expliqué localement : </a:t>
+            </a:r>
+          </a:p>
+          <a:p>
+            <a:pPr algn="ctr"/>
+            <a:endParaRPr lang="fr-FR" dirty="0">
+              <a:solidFill>
+                <a:schemeClr val="tx1"/>
+              </a:solidFill>
+            </a:endParaRPr>
+          </a:p>
+          <a:p>
+            <a:pPr marL="285750" indent="-285750" algn="ctr">
+              <a:buFontTx/>
+              <a:buChar char="-"/>
+            </a:pPr>
+            <a:r>
+              <a:rPr lang="fr-FR" dirty="0">
+                <a:solidFill>
+                  <a:schemeClr val="tx1"/>
+                </a:solidFill>
+              </a:rPr>
+              <a:t>Grâce à LIME qui </a:t>
+            </a:r>
+            <a:r>
+              <a:rPr lang="fr-FR" b="0" i="0" dirty="0">
+                <a:solidFill>
+                  <a:srgbClr val="3A3A3A"/>
+                </a:solidFill>
+                <a:effectLst/>
+                <a:latin typeface="-apple-system"/>
+              </a:rPr>
+              <a:t>va :</a:t>
+            </a:r>
+          </a:p>
+          <a:p>
+            <a:pPr marL="285750" indent="-285750">
+              <a:buFont typeface="Arial" panose="020B0604020202020204" pitchFamily="34" charset="0"/>
+              <a:buChar char="•"/>
+            </a:pPr>
+            <a:r>
+              <a:rPr lang="fr-FR" b="0" i="0" dirty="0">
+                <a:solidFill>
+                  <a:srgbClr val="3A3A3A"/>
+                </a:solidFill>
+                <a:effectLst/>
+                <a:latin typeface="-apple-system"/>
+              </a:rPr>
+              <a:t> générer de nouveaux individus fictifs proches de celui sélectionné et les pondérer en fonction de leur proximité avec notre individu. </a:t>
+            </a:r>
+          </a:p>
+          <a:p>
+            <a:pPr marL="285750" indent="-285750">
+              <a:buFont typeface="Arial" panose="020B0604020202020204" pitchFamily="34" charset="0"/>
+              <a:buChar char="•"/>
+            </a:pPr>
+            <a:r>
+              <a:rPr lang="fr-FR" b="0" i="0" dirty="0">
+                <a:solidFill>
+                  <a:srgbClr val="3A3A3A"/>
+                </a:solidFill>
+                <a:effectLst/>
+                <a:latin typeface="-apple-system"/>
+              </a:rPr>
+              <a:t>les </a:t>
+            </a:r>
+            <a:r>
+              <a:rPr lang="fr-FR" dirty="0">
+                <a:solidFill>
+                  <a:srgbClr val="3A3A3A"/>
+                </a:solidFill>
+                <a:latin typeface="-apple-system"/>
+              </a:rPr>
+              <a:t>classifier grâce à notre</a:t>
+            </a:r>
+            <a:r>
+              <a:rPr lang="fr-FR" b="0" i="0" dirty="0">
+                <a:solidFill>
+                  <a:srgbClr val="3A3A3A"/>
+                </a:solidFill>
+                <a:effectLst/>
+                <a:latin typeface="-apple-system"/>
+              </a:rPr>
+              <a:t> modèle. </a:t>
+            </a:r>
+          </a:p>
+          <a:p>
+            <a:pPr marL="285750" indent="-285750">
+              <a:buFont typeface="Arial" panose="020B0604020202020204" pitchFamily="34" charset="0"/>
+              <a:buChar char="•"/>
+            </a:pPr>
+            <a:r>
+              <a:rPr lang="fr-FR" b="0" i="0" dirty="0">
+                <a:solidFill>
+                  <a:srgbClr val="3A3A3A"/>
+                </a:solidFill>
+                <a:effectLst/>
+                <a:latin typeface="-apple-system"/>
+              </a:rPr>
+              <a:t>calculer un modèle linéaire sur la base de ces nouvelles données qui est facile à interpréter. </a:t>
+            </a:r>
+            <a:endParaRPr lang="fr-FR" dirty="0">
+              <a:solidFill>
+                <a:schemeClr val="tx1"/>
+              </a:solidFill>
+            </a:endParaRPr>
+          </a:p>
+          <a:p>
+            <a:pPr marL="285750" indent="-285750" algn="ctr">
+              <a:buFontTx/>
+              <a:buChar char="-"/>
+            </a:pPr>
+            <a:endParaRPr lang="fr-FR" dirty="0">
+              <a:solidFill>
+                <a:schemeClr val="tx1"/>
+              </a:solidFill>
+            </a:endParaRPr>
+          </a:p>
+          <a:p>
+            <a:pPr marL="285750" indent="-285750" algn="ctr">
+              <a:buFontTx/>
+              <a:buChar char="-"/>
+            </a:pPr>
+            <a:r>
+              <a:rPr lang="fr-FR" dirty="0">
+                <a:solidFill>
+                  <a:schemeClr val="tx1"/>
+                </a:solidFill>
+              </a:rPr>
+              <a:t>Permet d’identifier quels </a:t>
+            </a:r>
+            <a:r>
+              <a:rPr lang="fr-FR" dirty="0" err="1">
+                <a:solidFill>
+                  <a:schemeClr val="tx1"/>
+                </a:solidFill>
+              </a:rPr>
+              <a:t>features</a:t>
+            </a:r>
+            <a:r>
+              <a:rPr lang="fr-FR" dirty="0">
+                <a:solidFill>
+                  <a:schemeClr val="tx1"/>
+                </a:solidFill>
+              </a:rPr>
+              <a:t> ont un rôle positif/négatif sur l’output de notre modèle pour un individu en particulier.</a:t>
+            </a:r>
+          </a:p>
+        </p:txBody>
+      </p:sp>
+      <p:pic>
+        <p:nvPicPr>
+          <p:cNvPr id="5" name="Image 4">
+            <a:extLst>
+              <a:ext uri="{FF2B5EF4-FFF2-40B4-BE49-F238E27FC236}">
+                <a16:creationId xmlns:a16="http://schemas.microsoft.com/office/drawing/2014/main" id="{F112F1BE-FC0A-45EE-877E-BAA31A8F5B9A}"/>
+              </a:ext>
+            </a:extLst>
+          </p:cNvPr>
+          <p:cNvPicPr>
+            <a:picLocks noChangeAspect="1"/>
+          </p:cNvPicPr>
+          <p:nvPr/>
+        </p:nvPicPr>
+        <p:blipFill>
+          <a:blip r:embed="rId2"/>
+          <a:stretch>
+            <a:fillRect/>
+          </a:stretch>
+        </p:blipFill>
+        <p:spPr>
+          <a:xfrm>
+            <a:off x="85383" y="2593146"/>
+            <a:ext cx="6974594" cy="2387227"/>
+          </a:xfrm>
+          <a:prstGeom prst="rect">
+            <a:avLst/>
+          </a:prstGeom>
+        </p:spPr>
+      </p:pic>
     </p:spTree>
     <p:extLst>
       <p:ext uri="{BB962C8B-B14F-4D97-AF65-F5344CB8AC3E}">
-        <p14:creationId xmlns:p14="http://schemas.microsoft.com/office/powerpoint/2010/main" val="3655932663"/>
+        <p14:creationId xmlns:p14="http://schemas.microsoft.com/office/powerpoint/2010/main" val="3824335519"/>
       </p:ext>
     </p:extLst>
   </p:cSld>
@@ -4315,7 +5930,7 @@
 </p:sld>
 </file>
 
-<file path=ppt/slides/slide8.xml><?xml version="1.0" encoding="utf-8"?>
+<file path=ppt/slides/slide16.xml><?xml version="1.0" encoding="utf-8"?>
 <p:sld xmlns:a="http://schemas.openxmlformats.org/drawingml/2006/main" xmlns:r="http://schemas.openxmlformats.org/officeDocument/2006/relationships" xmlns:p="http://schemas.openxmlformats.org/presentationml/2006/main">
   <p:cSld>
     <p:spTree>
@@ -4411,20 +6026,423 @@
           <a:p>
             <a:r>
               <a:rPr lang="fr-FR" sz="4800" b="1" dirty="0"/>
-              <a:t>3. Les modèles mis en </a:t>
-            </a:r>
-            <a:r>
-              <a:rPr lang="fr-FR" sz="4800" b="1" dirty="0" err="1"/>
-              <a:t>oeuvre</a:t>
+              <a:t>4. Quels outils ont été utilisés ?</a:t>
             </a:r>
             <a:endParaRPr lang="fr-FR" b="1" dirty="0"/>
           </a:p>
         </p:txBody>
       </p:sp>
+      <p:graphicFrame>
+        <p:nvGraphicFramePr>
+          <p:cNvPr id="3" name="Tableau 4">
+            <a:extLst>
+              <a:ext uri="{FF2B5EF4-FFF2-40B4-BE49-F238E27FC236}">
+                <a16:creationId xmlns:a16="http://schemas.microsoft.com/office/drawing/2014/main" id="{DBDD928D-A5E5-41A0-A772-61520FB1342A}"/>
+              </a:ext>
+            </a:extLst>
+          </p:cNvPr>
+          <p:cNvGraphicFramePr>
+            <a:graphicFrameLocks noGrp="1"/>
+          </p:cNvGraphicFramePr>
+          <p:nvPr>
+            <p:extLst>
+              <p:ext uri="{D42A27DB-BD31-4B8C-83A1-F6EECF244321}">
+                <p14:modId xmlns:p14="http://schemas.microsoft.com/office/powerpoint/2010/main" val="2461977363"/>
+              </p:ext>
+            </p:extLst>
+          </p:nvPr>
+        </p:nvGraphicFramePr>
+        <p:xfrm>
+          <a:off x="1421414" y="1621895"/>
+          <a:ext cx="9349172" cy="4870980"/>
+        </p:xfrm>
+        <a:graphic>
+          <a:graphicData uri="http://schemas.openxmlformats.org/drawingml/2006/table">
+            <a:tbl>
+              <a:tblPr firstRow="1" bandRow="1">
+                <a:tableStyleId>{073A0DAA-6AF3-43AB-8588-CEC1D06C72B9}</a:tableStyleId>
+              </a:tblPr>
+              <a:tblGrid>
+                <a:gridCol w="3125925">
+                  <a:extLst>
+                    <a:ext uri="{9D8B030D-6E8A-4147-A177-3AD203B41FA5}">
+                      <a16:colId xmlns:a16="http://schemas.microsoft.com/office/drawing/2014/main" val="2951644329"/>
+                    </a:ext>
+                  </a:extLst>
+                </a:gridCol>
+                <a:gridCol w="6223247">
+                  <a:extLst>
+                    <a:ext uri="{9D8B030D-6E8A-4147-A177-3AD203B41FA5}">
+                      <a16:colId xmlns:a16="http://schemas.microsoft.com/office/drawing/2014/main" val="3317777596"/>
+                    </a:ext>
+                  </a:extLst>
+                </a:gridCol>
+              </a:tblGrid>
+              <a:tr h="522352">
+                <a:tc>
+                  <a:txBody>
+                    <a:bodyPr/>
+                    <a:lstStyle/>
+                    <a:p>
+                      <a:pPr algn="ctr"/>
+                      <a:r>
+                        <a:rPr lang="fr-FR" dirty="0"/>
+                        <a:t>Outils</a:t>
+                      </a:r>
+                    </a:p>
+                  </a:txBody>
+                  <a:tcPr/>
+                </a:tc>
+                <a:tc>
+                  <a:txBody>
+                    <a:bodyPr/>
+                    <a:lstStyle/>
+                    <a:p>
+                      <a:pPr algn="ctr"/>
+                      <a:r>
+                        <a:rPr lang="fr-FR" dirty="0"/>
+                        <a:t>Description</a:t>
+                      </a:r>
+                    </a:p>
+                  </a:txBody>
+                  <a:tcPr/>
+                </a:tc>
+                <a:extLst>
+                  <a:ext uri="{0D108BD9-81ED-4DB2-BD59-A6C34878D82A}">
+                    <a16:rowId xmlns:a16="http://schemas.microsoft.com/office/drawing/2014/main" val="1781231690"/>
+                  </a:ext>
+                </a:extLst>
+              </a:tr>
+              <a:tr h="1087157">
+                <a:tc>
+                  <a:txBody>
+                    <a:bodyPr/>
+                    <a:lstStyle/>
+                    <a:p>
+                      <a:endParaRPr lang="fr-FR"/>
+                    </a:p>
+                  </a:txBody>
+                  <a:tcPr/>
+                </a:tc>
+                <a:tc>
+                  <a:txBody>
+                    <a:bodyPr/>
+                    <a:lstStyle/>
+                    <a:p>
+                      <a:r>
+                        <a:rPr lang="fr-FR" dirty="0" err="1"/>
+                        <a:t>Github</a:t>
+                      </a:r>
+                      <a:r>
+                        <a:rPr lang="fr-FR" dirty="0"/>
+                        <a:t> Desktop, outil de </a:t>
+                      </a:r>
+                      <a:r>
+                        <a:rPr lang="fr-FR" dirty="0" err="1"/>
+                        <a:t>versionning</a:t>
+                      </a:r>
+                      <a:endParaRPr lang="fr-FR" dirty="0"/>
+                    </a:p>
+                  </a:txBody>
+                  <a:tcPr anchor="ctr"/>
+                </a:tc>
+                <a:extLst>
+                  <a:ext uri="{0D108BD9-81ED-4DB2-BD59-A6C34878D82A}">
+                    <a16:rowId xmlns:a16="http://schemas.microsoft.com/office/drawing/2014/main" val="3984792288"/>
+                  </a:ext>
+                </a:extLst>
+              </a:tr>
+              <a:tr h="1087157">
+                <a:tc>
+                  <a:txBody>
+                    <a:bodyPr/>
+                    <a:lstStyle/>
+                    <a:p>
+                      <a:endParaRPr lang="fr-FR"/>
+                    </a:p>
+                  </a:txBody>
+                  <a:tcPr/>
+                </a:tc>
+                <a:tc>
+                  <a:txBody>
+                    <a:bodyPr/>
+                    <a:lstStyle/>
+                    <a:p>
+                      <a:r>
+                        <a:rPr lang="fr-FR" dirty="0"/>
+                        <a:t>API qui permet d’appeler la prédiction ainsi que l’interprétabilité du modèles locale (résultats LIME).</a:t>
+                      </a:r>
+                    </a:p>
+                  </a:txBody>
+                  <a:tcPr anchor="ctr"/>
+                </a:tc>
+                <a:extLst>
+                  <a:ext uri="{0D108BD9-81ED-4DB2-BD59-A6C34878D82A}">
+                    <a16:rowId xmlns:a16="http://schemas.microsoft.com/office/drawing/2014/main" val="1175077958"/>
+                  </a:ext>
+                </a:extLst>
+              </a:tr>
+              <a:tr h="1087157">
+                <a:tc>
+                  <a:txBody>
+                    <a:bodyPr/>
+                    <a:lstStyle/>
+                    <a:p>
+                      <a:endParaRPr lang="fr-FR"/>
+                    </a:p>
+                  </a:txBody>
+                  <a:tcPr/>
+                </a:tc>
+                <a:tc>
+                  <a:txBody>
+                    <a:bodyPr/>
+                    <a:lstStyle/>
+                    <a:p>
+                      <a:r>
+                        <a:rPr lang="fr-FR" dirty="0"/>
+                        <a:t>Plateforme de déploiement de l’API</a:t>
+                      </a:r>
+                    </a:p>
+                  </a:txBody>
+                  <a:tcPr anchor="ctr"/>
+                </a:tc>
+                <a:extLst>
+                  <a:ext uri="{0D108BD9-81ED-4DB2-BD59-A6C34878D82A}">
+                    <a16:rowId xmlns:a16="http://schemas.microsoft.com/office/drawing/2014/main" val="3647873813"/>
+                  </a:ext>
+                </a:extLst>
+              </a:tr>
+              <a:tr h="1087157">
+                <a:tc>
+                  <a:txBody>
+                    <a:bodyPr/>
+                    <a:lstStyle/>
+                    <a:p>
+                      <a:endParaRPr lang="fr-FR" dirty="0"/>
+                    </a:p>
+                  </a:txBody>
+                  <a:tcPr/>
+                </a:tc>
+                <a:tc>
+                  <a:txBody>
+                    <a:bodyPr/>
+                    <a:lstStyle/>
+                    <a:p>
+                      <a:r>
+                        <a:rPr lang="fr-FR" dirty="0"/>
+                        <a:t>Outil de création du </a:t>
+                      </a:r>
+                      <a:r>
+                        <a:rPr lang="fr-FR" dirty="0" err="1"/>
+                        <a:t>dashboard</a:t>
+                      </a:r>
+                      <a:endParaRPr lang="fr-FR" dirty="0"/>
+                    </a:p>
+                  </a:txBody>
+                  <a:tcPr anchor="ctr"/>
+                </a:tc>
+                <a:extLst>
+                  <a:ext uri="{0D108BD9-81ED-4DB2-BD59-A6C34878D82A}">
+                    <a16:rowId xmlns:a16="http://schemas.microsoft.com/office/drawing/2014/main" val="3523286180"/>
+                  </a:ext>
+                </a:extLst>
+              </a:tr>
+            </a:tbl>
+          </a:graphicData>
+        </a:graphic>
+      </p:graphicFrame>
+      <p:pic>
+        <p:nvPicPr>
+          <p:cNvPr id="12290" name="Picture 2" descr="Flask (framework) — Wikipédia">
+            <a:extLst>
+              <a:ext uri="{FF2B5EF4-FFF2-40B4-BE49-F238E27FC236}">
+                <a16:creationId xmlns:a16="http://schemas.microsoft.com/office/drawing/2014/main" id="{CFEDF2E3-CE39-438D-8FE1-1986A7C259A2}"/>
+              </a:ext>
+            </a:extLst>
+          </p:cNvPr>
+          <p:cNvPicPr>
+            <a:picLocks noChangeAspect="1" noChangeArrowheads="1"/>
+          </p:cNvPicPr>
+          <p:nvPr/>
+        </p:nvPicPr>
+        <p:blipFill>
+          <a:blip r:embed="rId2">
+            <a:extLst>
+              <a:ext uri="{28A0092B-C50C-407E-A947-70E740481C1C}">
+                <a14:useLocalDpi xmlns:a14="http://schemas.microsoft.com/office/drawing/2010/main" val="0"/>
+              </a:ext>
+            </a:extLst>
+          </a:blip>
+          <a:srcRect/>
+          <a:stretch>
+            <a:fillRect/>
+          </a:stretch>
+        </p:blipFill>
+        <p:spPr bwMode="auto">
+          <a:xfrm>
+            <a:off x="1748162" y="3366534"/>
+            <a:ext cx="2317812" cy="907810"/>
+          </a:xfrm>
+          <a:prstGeom prst="rect">
+            <a:avLst/>
+          </a:prstGeom>
+          <a:noFill/>
+          <a:extLst>
+            <a:ext uri="{909E8E84-426E-40DD-AFC4-6F175D3DCCD1}">
+              <a14:hiddenFill xmlns:a14="http://schemas.microsoft.com/office/drawing/2010/main">
+                <a:solidFill>
+                  <a:srgbClr val="FFFFFF"/>
+                </a:solidFill>
+              </a14:hiddenFill>
+            </a:ext>
+          </a:extLst>
+        </p:spPr>
+      </p:pic>
+      <p:pic>
+        <p:nvPicPr>
+          <p:cNvPr id="12292" name="Picture 4" descr="Brand • Streamlit">
+            <a:extLst>
+              <a:ext uri="{FF2B5EF4-FFF2-40B4-BE49-F238E27FC236}">
+                <a16:creationId xmlns:a16="http://schemas.microsoft.com/office/drawing/2014/main" id="{BC50BC90-8CCB-4405-97D1-2A3220A2635E}"/>
+              </a:ext>
+            </a:extLst>
+          </p:cNvPr>
+          <p:cNvPicPr>
+            <a:picLocks noChangeAspect="1" noChangeArrowheads="1"/>
+          </p:cNvPicPr>
+          <p:nvPr/>
+        </p:nvPicPr>
+        <p:blipFill>
+          <a:blip r:embed="rId3">
+            <a:extLst>
+              <a:ext uri="{28A0092B-C50C-407E-A947-70E740481C1C}">
+                <a14:useLocalDpi xmlns:a14="http://schemas.microsoft.com/office/drawing/2010/main" val="0"/>
+              </a:ext>
+            </a:extLst>
+          </a:blip>
+          <a:srcRect/>
+          <a:stretch>
+            <a:fillRect/>
+          </a:stretch>
+        </p:blipFill>
+        <p:spPr bwMode="auto">
+          <a:xfrm>
+            <a:off x="1872449" y="5184006"/>
+            <a:ext cx="2317812" cy="1356033"/>
+          </a:xfrm>
+          <a:prstGeom prst="rect">
+            <a:avLst/>
+          </a:prstGeom>
+          <a:noFill/>
+          <a:extLst>
+            <a:ext uri="{909E8E84-426E-40DD-AFC4-6F175D3DCCD1}">
+              <a14:hiddenFill xmlns:a14="http://schemas.microsoft.com/office/drawing/2010/main">
+                <a:solidFill>
+                  <a:srgbClr val="FFFFFF"/>
+                </a:solidFill>
+              </a14:hiddenFill>
+            </a:ext>
+          </a:extLst>
+        </p:spPr>
+      </p:pic>
+      <p:pic>
+        <p:nvPicPr>
+          <p:cNvPr id="12294" name="Picture 6">
+            <a:extLst>
+              <a:ext uri="{FF2B5EF4-FFF2-40B4-BE49-F238E27FC236}">
+                <a16:creationId xmlns:a16="http://schemas.microsoft.com/office/drawing/2014/main" id="{E7EEFB78-F9FA-4FD1-AD86-EB4C990E0E16}"/>
+              </a:ext>
+            </a:extLst>
+          </p:cNvPr>
+          <p:cNvPicPr>
+            <a:picLocks noChangeAspect="1" noChangeArrowheads="1"/>
+          </p:cNvPicPr>
+          <p:nvPr/>
+        </p:nvPicPr>
+        <p:blipFill>
+          <a:blip r:embed="rId4">
+            <a:extLst>
+              <a:ext uri="{28A0092B-C50C-407E-A947-70E740481C1C}">
+                <a14:useLocalDpi xmlns:a14="http://schemas.microsoft.com/office/drawing/2010/main" val="0"/>
+              </a:ext>
+            </a:extLst>
+          </a:blip>
+          <a:srcRect/>
+          <a:stretch>
+            <a:fillRect/>
+          </a:stretch>
+        </p:blipFill>
+        <p:spPr bwMode="auto">
+          <a:xfrm>
+            <a:off x="2532199" y="2191097"/>
+            <a:ext cx="998312" cy="998312"/>
+          </a:xfrm>
+          <a:prstGeom prst="rect">
+            <a:avLst/>
+          </a:prstGeom>
+          <a:noFill/>
+          <a:extLst>
+            <a:ext uri="{909E8E84-426E-40DD-AFC4-6F175D3DCCD1}">
+              <a14:hiddenFill xmlns:a14="http://schemas.microsoft.com/office/drawing/2010/main">
+                <a:solidFill>
+                  <a:srgbClr val="FFFFFF"/>
+                </a:solidFill>
+              </a14:hiddenFill>
+            </a:ext>
+          </a:extLst>
+        </p:spPr>
+      </p:pic>
+      <p:pic>
+        <p:nvPicPr>
+          <p:cNvPr id="12296" name="Picture 8">
+            <a:extLst>
+              <a:ext uri="{FF2B5EF4-FFF2-40B4-BE49-F238E27FC236}">
+                <a16:creationId xmlns:a16="http://schemas.microsoft.com/office/drawing/2014/main" id="{9CE371AA-9ED9-46FC-A66E-F086F33E8E21}"/>
+              </a:ext>
+            </a:extLst>
+          </p:cNvPr>
+          <p:cNvPicPr>
+            <a:picLocks noChangeAspect="1" noChangeArrowheads="1"/>
+          </p:cNvPicPr>
+          <p:nvPr/>
+        </p:nvPicPr>
+        <p:blipFill>
+          <a:blip r:embed="rId5">
+            <a:extLst>
+              <a:ext uri="{28A0092B-C50C-407E-A947-70E740481C1C}">
+                <a14:useLocalDpi xmlns:a14="http://schemas.microsoft.com/office/drawing/2010/main" val="0"/>
+              </a:ext>
+            </a:extLst>
+          </a:blip>
+          <a:srcRect/>
+          <a:stretch>
+            <a:fillRect/>
+          </a:stretch>
+        </p:blipFill>
+        <p:spPr bwMode="auto">
+          <a:xfrm>
+            <a:off x="2153672" y="4619778"/>
+            <a:ext cx="1755366" cy="490954"/>
+          </a:xfrm>
+          <a:prstGeom prst="rect">
+            <a:avLst/>
+          </a:prstGeom>
+          <a:noFill/>
+          <a:extLst>
+            <a:ext uri="{909E8E84-426E-40DD-AFC4-6F175D3DCCD1}">
+              <a14:hiddenFill xmlns:a14="http://schemas.microsoft.com/office/drawing/2010/main">
+                <a:solidFill>
+                  <a:srgbClr val="FFFFFF"/>
+                </a:solidFill>
+              </a14:hiddenFill>
+            </a:ext>
+          </a:extLst>
+        </p:spPr>
+      </p:pic>
     </p:spTree>
     <p:extLst>
       <p:ext uri="{BB962C8B-B14F-4D97-AF65-F5344CB8AC3E}">
-        <p14:creationId xmlns:p14="http://schemas.microsoft.com/office/powerpoint/2010/main" val="3722083207"/>
+        <p14:creationId xmlns:p14="http://schemas.microsoft.com/office/powerpoint/2010/main" val="2121977687"/>
       </p:ext>
     </p:extLst>
   </p:cSld>
@@ -4434,7 +6452,7 @@
 </p:sld>
 </file>
 
-<file path=ppt/slides/slide9.xml><?xml version="1.0" encoding="utf-8"?>
+<file path=ppt/slides/slide17.xml><?xml version="1.0" encoding="utf-8"?>
 <p:sld xmlns:a="http://schemas.openxmlformats.org/drawingml/2006/main" xmlns:r="http://schemas.openxmlformats.org/officeDocument/2006/relationships" xmlns:p="http://schemas.openxmlformats.org/presentationml/2006/main">
   <p:cSld>
     <p:spTree>
@@ -4530,11 +6548,11 @@
           <a:p>
             <a:r>
               <a:rPr lang="fr-FR" sz="4800" b="1" dirty="0"/>
-              <a:t>3. Les modèles mis en </a:t>
+              <a:t>5. Présentation du </a:t>
             </a:r>
             <a:r>
               <a:rPr lang="fr-FR" sz="4800" b="1" dirty="0" err="1"/>
-              <a:t>oeuvre</a:t>
+              <a:t>dashboard</a:t>
             </a:r>
             <a:endParaRPr lang="fr-FR" b="1" dirty="0"/>
           </a:p>
@@ -4543,7 +6561,3915 @@
     </p:spTree>
     <p:extLst>
       <p:ext uri="{BB962C8B-B14F-4D97-AF65-F5344CB8AC3E}">
-        <p14:creationId xmlns:p14="http://schemas.microsoft.com/office/powerpoint/2010/main" val="3251911696"/>
+        <p14:creationId xmlns:p14="http://schemas.microsoft.com/office/powerpoint/2010/main" val="1198006730"/>
+      </p:ext>
+    </p:extLst>
+  </p:cSld>
+  <p:clrMapOvr>
+    <a:masterClrMapping/>
+  </p:clrMapOvr>
+</p:sld>
+</file>
+
+<file path=ppt/slides/slide18.xml><?xml version="1.0" encoding="utf-8"?>
+<p:sld xmlns:a="http://schemas.openxmlformats.org/drawingml/2006/main" xmlns:r="http://schemas.openxmlformats.org/officeDocument/2006/relationships" xmlns:p="http://schemas.openxmlformats.org/presentationml/2006/main">
+  <p:cSld>
+    <p:spTree>
+      <p:nvGrpSpPr>
+        <p:cNvPr id="1" name=""/>
+        <p:cNvGrpSpPr/>
+        <p:nvPr/>
+      </p:nvGrpSpPr>
+      <p:grpSpPr>
+        <a:xfrm>
+          <a:off x="0" y="0"/>
+          <a:ext cx="0" cy="0"/>
+          <a:chOff x="0" y="0"/>
+          <a:chExt cx="0" cy="0"/>
+        </a:xfrm>
+      </p:grpSpPr>
+      <p:sp>
+        <p:nvSpPr>
+          <p:cNvPr id="4" name="Rectangle 3">
+            <a:extLst>
+              <a:ext uri="{FF2B5EF4-FFF2-40B4-BE49-F238E27FC236}">
+                <a16:creationId xmlns:a16="http://schemas.microsoft.com/office/drawing/2014/main" id="{DB320C1A-E1A6-409C-BA2E-18BF6D92F415}"/>
+              </a:ext>
+            </a:extLst>
+          </p:cNvPr>
+          <p:cNvSpPr/>
+          <p:nvPr/>
+        </p:nvSpPr>
+        <p:spPr>
+          <a:xfrm>
+            <a:off x="0" y="0"/>
+            <a:ext cx="12192000" cy="6858000"/>
+          </a:xfrm>
+          <a:prstGeom prst="rect">
+            <a:avLst/>
+          </a:prstGeom>
+          <a:solidFill>
+            <a:srgbClr val="D7D8D7"/>
+          </a:solidFill>
+          <a:ln>
+            <a:solidFill>
+              <a:srgbClr val="D7D8D7"/>
+            </a:solidFill>
+          </a:ln>
+        </p:spPr>
+        <p:style>
+          <a:lnRef idx="2">
+            <a:schemeClr val="accent1">
+              <a:shade val="50000"/>
+            </a:schemeClr>
+          </a:lnRef>
+          <a:fillRef idx="1">
+            <a:schemeClr val="accent1"/>
+          </a:fillRef>
+          <a:effectRef idx="0">
+            <a:schemeClr val="accent1"/>
+          </a:effectRef>
+          <a:fontRef idx="minor">
+            <a:schemeClr val="lt1"/>
+          </a:fontRef>
+        </p:style>
+        <p:txBody>
+          <a:bodyPr rtlCol="0" anchor="ctr"/>
+          <a:lstStyle/>
+          <a:p>
+            <a:pPr algn="ctr"/>
+            <a:endParaRPr lang="fr-FR"/>
+          </a:p>
+        </p:txBody>
+      </p:sp>
+      <p:sp>
+        <p:nvSpPr>
+          <p:cNvPr id="2" name="Titre 1">
+            <a:extLst>
+              <a:ext uri="{FF2B5EF4-FFF2-40B4-BE49-F238E27FC236}">
+                <a16:creationId xmlns:a16="http://schemas.microsoft.com/office/drawing/2014/main" id="{1243ED1C-1A07-4F34-B448-CA06D63523F7}"/>
+              </a:ext>
+            </a:extLst>
+          </p:cNvPr>
+          <p:cNvSpPr>
+            <a:spLocks noGrp="1"/>
+          </p:cNvSpPr>
+          <p:nvPr>
+            <p:ph type="title"/>
+          </p:nvPr>
+        </p:nvSpPr>
+        <p:spPr/>
+        <p:txBody>
+          <a:bodyPr>
+            <a:normAutofit/>
+          </a:bodyPr>
+          <a:lstStyle/>
+          <a:p>
+            <a:r>
+              <a:rPr lang="fr-FR" sz="4800" b="1" dirty="0"/>
+              <a:t>5. Les pistes d’amélioration</a:t>
+            </a:r>
+            <a:endParaRPr lang="fr-FR" b="1" dirty="0"/>
+          </a:p>
+        </p:txBody>
+      </p:sp>
+      <p:sp>
+        <p:nvSpPr>
+          <p:cNvPr id="3" name="Rectangle 2">
+            <a:extLst>
+              <a:ext uri="{FF2B5EF4-FFF2-40B4-BE49-F238E27FC236}">
+                <a16:creationId xmlns:a16="http://schemas.microsoft.com/office/drawing/2014/main" id="{69B51D78-5726-4821-ADCD-CEB9B8887890}"/>
+              </a:ext>
+            </a:extLst>
+          </p:cNvPr>
+          <p:cNvSpPr/>
+          <p:nvPr/>
+        </p:nvSpPr>
+        <p:spPr>
+          <a:xfrm>
+            <a:off x="1411550" y="2006353"/>
+            <a:ext cx="8877669" cy="4145872"/>
+          </a:xfrm>
+          <a:prstGeom prst="rect">
+            <a:avLst/>
+          </a:prstGeom>
+          <a:noFill/>
+          <a:ln>
+            <a:noFill/>
+          </a:ln>
+        </p:spPr>
+        <p:style>
+          <a:lnRef idx="2">
+            <a:schemeClr val="accent1">
+              <a:shade val="50000"/>
+            </a:schemeClr>
+          </a:lnRef>
+          <a:fillRef idx="1">
+            <a:schemeClr val="accent1"/>
+          </a:fillRef>
+          <a:effectRef idx="0">
+            <a:schemeClr val="accent1"/>
+          </a:effectRef>
+          <a:fontRef idx="minor">
+            <a:schemeClr val="lt1"/>
+          </a:fontRef>
+        </p:style>
+        <p:txBody>
+          <a:bodyPr rtlCol="0" anchor="ctr"/>
+          <a:lstStyle/>
+          <a:p>
+            <a:pPr algn="ctr"/>
+            <a:r>
+              <a:rPr lang="fr-FR" dirty="0">
+                <a:solidFill>
+                  <a:schemeClr val="tx1"/>
+                </a:solidFill>
+              </a:rPr>
+              <a:t>Trois pistes d’optimisation ont été retenus : </a:t>
+            </a:r>
+          </a:p>
+          <a:p>
+            <a:pPr algn="ctr"/>
+            <a:endParaRPr lang="fr-FR" dirty="0">
+              <a:solidFill>
+                <a:schemeClr val="tx1"/>
+              </a:solidFill>
+            </a:endParaRPr>
+          </a:p>
+          <a:p>
+            <a:pPr marL="285750" indent="-285750" algn="ctr">
+              <a:buFontTx/>
+              <a:buChar char="-"/>
+            </a:pPr>
+            <a:r>
+              <a:rPr lang="fr-FR" dirty="0">
+                <a:solidFill>
+                  <a:schemeClr val="tx1"/>
+                </a:solidFill>
+              </a:rPr>
+              <a:t>Le </a:t>
+            </a:r>
+            <a:r>
+              <a:rPr lang="fr-FR" dirty="0" err="1">
+                <a:solidFill>
+                  <a:schemeClr val="tx1"/>
+                </a:solidFill>
+              </a:rPr>
+              <a:t>feature</a:t>
+            </a:r>
+            <a:r>
+              <a:rPr lang="fr-FR" dirty="0">
+                <a:solidFill>
+                  <a:schemeClr val="tx1"/>
+                </a:solidFill>
+              </a:rPr>
+              <a:t> engineering : réaliser une véritable étape de </a:t>
+            </a:r>
+            <a:r>
+              <a:rPr lang="fr-FR" dirty="0" err="1">
+                <a:solidFill>
+                  <a:schemeClr val="tx1"/>
+                </a:solidFill>
+              </a:rPr>
+              <a:t>feature</a:t>
+            </a:r>
+            <a:r>
+              <a:rPr lang="fr-FR" dirty="0">
+                <a:solidFill>
+                  <a:schemeClr val="tx1"/>
+                </a:solidFill>
+              </a:rPr>
+              <a:t> engineering afin d’améliorer les performances du modèles plutôt que de se baser sur une approche déjà existante</a:t>
+            </a:r>
+          </a:p>
+          <a:p>
+            <a:pPr marL="285750" indent="-285750" algn="ctr">
+              <a:buFontTx/>
+              <a:buChar char="-"/>
+            </a:pPr>
+            <a:endParaRPr lang="fr-FR" dirty="0">
+              <a:solidFill>
+                <a:schemeClr val="tx1"/>
+              </a:solidFill>
+            </a:endParaRPr>
+          </a:p>
+          <a:p>
+            <a:pPr marL="285750" indent="-285750" algn="ctr">
+              <a:buFontTx/>
+              <a:buChar char="-"/>
+            </a:pPr>
+            <a:r>
+              <a:rPr lang="fr-FR" dirty="0">
+                <a:solidFill>
+                  <a:schemeClr val="tx1"/>
+                </a:solidFill>
+              </a:rPr>
+              <a:t>Le custom score : réaliser une véritable analyse des gains et des coûts au sein de l’entreprise pour affiner notre custom score qui a, à date, été construit à l’aide du bon sens.</a:t>
+            </a:r>
+          </a:p>
+          <a:p>
+            <a:pPr marL="285750" indent="-285750" algn="ctr">
+              <a:buFontTx/>
+              <a:buChar char="-"/>
+            </a:pPr>
+            <a:endParaRPr lang="fr-FR" dirty="0">
+              <a:solidFill>
+                <a:schemeClr val="tx1"/>
+              </a:solidFill>
+            </a:endParaRPr>
+          </a:p>
+          <a:p>
+            <a:pPr marL="285750" indent="-285750" algn="ctr">
+              <a:buFontTx/>
+              <a:buChar char="-"/>
+            </a:pPr>
+            <a:r>
+              <a:rPr lang="fr-FR" dirty="0">
+                <a:solidFill>
+                  <a:schemeClr val="tx1"/>
+                </a:solidFill>
+              </a:rPr>
+              <a:t>Le </a:t>
+            </a:r>
+            <a:r>
+              <a:rPr lang="fr-FR" dirty="0" err="1">
+                <a:solidFill>
+                  <a:schemeClr val="tx1"/>
+                </a:solidFill>
+              </a:rPr>
+              <a:t>dashboard</a:t>
+            </a:r>
+            <a:r>
+              <a:rPr lang="fr-FR" dirty="0">
+                <a:solidFill>
+                  <a:schemeClr val="tx1"/>
+                </a:solidFill>
+              </a:rPr>
+              <a:t> : développer/améliorer le </a:t>
+            </a:r>
+            <a:r>
+              <a:rPr lang="fr-FR" dirty="0" err="1">
+                <a:solidFill>
+                  <a:schemeClr val="tx1"/>
+                </a:solidFill>
+              </a:rPr>
+              <a:t>dashboard</a:t>
+            </a:r>
+            <a:r>
+              <a:rPr lang="fr-FR" dirty="0">
+                <a:solidFill>
+                  <a:schemeClr val="tx1"/>
+                </a:solidFill>
+              </a:rPr>
+              <a:t> en lien avec les conseillers client pour coller au mieux à leurs besoins.</a:t>
+            </a:r>
+          </a:p>
+        </p:txBody>
+      </p:sp>
+    </p:spTree>
+    <p:extLst>
+      <p:ext uri="{BB962C8B-B14F-4D97-AF65-F5344CB8AC3E}">
+        <p14:creationId xmlns:p14="http://schemas.microsoft.com/office/powerpoint/2010/main" val="756798493"/>
+      </p:ext>
+    </p:extLst>
+  </p:cSld>
+  <p:clrMapOvr>
+    <a:masterClrMapping/>
+  </p:clrMapOvr>
+</p:sld>
+</file>
+
+<file path=ppt/slides/slide19.xml><?xml version="1.0" encoding="utf-8"?>
+<p:sld xmlns:a="http://schemas.openxmlformats.org/drawingml/2006/main" xmlns:r="http://schemas.openxmlformats.org/officeDocument/2006/relationships" xmlns:p="http://schemas.openxmlformats.org/presentationml/2006/main">
+  <p:cSld>
+    <p:spTree>
+      <p:nvGrpSpPr>
+        <p:cNvPr id="1" name=""/>
+        <p:cNvGrpSpPr/>
+        <p:nvPr/>
+      </p:nvGrpSpPr>
+      <p:grpSpPr>
+        <a:xfrm>
+          <a:off x="0" y="0"/>
+          <a:ext cx="0" cy="0"/>
+          <a:chOff x="0" y="0"/>
+          <a:chExt cx="0" cy="0"/>
+        </a:xfrm>
+      </p:grpSpPr>
+      <p:sp>
+        <p:nvSpPr>
+          <p:cNvPr id="4" name="Rectangle 3">
+            <a:extLst>
+              <a:ext uri="{FF2B5EF4-FFF2-40B4-BE49-F238E27FC236}">
+                <a16:creationId xmlns:a16="http://schemas.microsoft.com/office/drawing/2014/main" id="{DB320C1A-E1A6-409C-BA2E-18BF6D92F415}"/>
+              </a:ext>
+            </a:extLst>
+          </p:cNvPr>
+          <p:cNvSpPr/>
+          <p:nvPr/>
+        </p:nvSpPr>
+        <p:spPr>
+          <a:xfrm>
+            <a:off x="0" y="0"/>
+            <a:ext cx="12192000" cy="6858000"/>
+          </a:xfrm>
+          <a:prstGeom prst="rect">
+            <a:avLst/>
+          </a:prstGeom>
+          <a:solidFill>
+            <a:srgbClr val="D7D8D7"/>
+          </a:solidFill>
+          <a:ln>
+            <a:solidFill>
+              <a:srgbClr val="D7D8D7"/>
+            </a:solidFill>
+          </a:ln>
+        </p:spPr>
+        <p:style>
+          <a:lnRef idx="2">
+            <a:schemeClr val="accent1">
+              <a:shade val="50000"/>
+            </a:schemeClr>
+          </a:lnRef>
+          <a:fillRef idx="1">
+            <a:schemeClr val="accent1"/>
+          </a:fillRef>
+          <a:effectRef idx="0">
+            <a:schemeClr val="accent1"/>
+          </a:effectRef>
+          <a:fontRef idx="minor">
+            <a:schemeClr val="lt1"/>
+          </a:fontRef>
+        </p:style>
+        <p:txBody>
+          <a:bodyPr rtlCol="0" anchor="ctr"/>
+          <a:lstStyle/>
+          <a:p>
+            <a:pPr algn="ctr"/>
+            <a:endParaRPr lang="fr-FR"/>
+          </a:p>
+        </p:txBody>
+      </p:sp>
+      <p:sp>
+        <p:nvSpPr>
+          <p:cNvPr id="2" name="Titre 1">
+            <a:extLst>
+              <a:ext uri="{FF2B5EF4-FFF2-40B4-BE49-F238E27FC236}">
+                <a16:creationId xmlns:a16="http://schemas.microsoft.com/office/drawing/2014/main" id="{1243ED1C-1A07-4F34-B448-CA06D63523F7}"/>
+              </a:ext>
+            </a:extLst>
+          </p:cNvPr>
+          <p:cNvSpPr>
+            <a:spLocks noGrp="1"/>
+          </p:cNvSpPr>
+          <p:nvPr>
+            <p:ph type="title"/>
+          </p:nvPr>
+        </p:nvSpPr>
+        <p:spPr/>
+        <p:txBody>
+          <a:bodyPr>
+            <a:normAutofit/>
+          </a:bodyPr>
+          <a:lstStyle/>
+          <a:p>
+            <a:r>
+              <a:rPr lang="fr-FR" sz="4800" b="1" dirty="0"/>
+              <a:t>6. Synthèse</a:t>
+            </a:r>
+            <a:endParaRPr lang="fr-FR" b="1" dirty="0"/>
+          </a:p>
+        </p:txBody>
+      </p:sp>
+      <p:sp>
+        <p:nvSpPr>
+          <p:cNvPr id="5" name="Rectangle 4">
+            <a:extLst>
+              <a:ext uri="{FF2B5EF4-FFF2-40B4-BE49-F238E27FC236}">
+                <a16:creationId xmlns:a16="http://schemas.microsoft.com/office/drawing/2014/main" id="{62233DD5-E83C-4BE5-8FCE-401AEF60B19E}"/>
+              </a:ext>
+            </a:extLst>
+          </p:cNvPr>
+          <p:cNvSpPr/>
+          <p:nvPr/>
+        </p:nvSpPr>
+        <p:spPr>
+          <a:xfrm>
+            <a:off x="1411550" y="2006353"/>
+            <a:ext cx="8877669" cy="4145872"/>
+          </a:xfrm>
+          <a:prstGeom prst="rect">
+            <a:avLst/>
+          </a:prstGeom>
+          <a:noFill/>
+          <a:ln>
+            <a:noFill/>
+          </a:ln>
+        </p:spPr>
+        <p:style>
+          <a:lnRef idx="2">
+            <a:schemeClr val="accent1">
+              <a:shade val="50000"/>
+            </a:schemeClr>
+          </a:lnRef>
+          <a:fillRef idx="1">
+            <a:schemeClr val="accent1"/>
+          </a:fillRef>
+          <a:effectRef idx="0">
+            <a:schemeClr val="accent1"/>
+          </a:effectRef>
+          <a:fontRef idx="minor">
+            <a:schemeClr val="lt1"/>
+          </a:fontRef>
+        </p:style>
+        <p:txBody>
+          <a:bodyPr rtlCol="0" anchor="ctr"/>
+          <a:lstStyle/>
+          <a:p>
+            <a:pPr algn="ctr">
+              <a:lnSpc>
+                <a:spcPct val="150000"/>
+              </a:lnSpc>
+            </a:pPr>
+            <a:endParaRPr lang="fr-FR" dirty="0">
+              <a:solidFill>
+                <a:schemeClr val="tx1"/>
+              </a:solidFill>
+            </a:endParaRPr>
+          </a:p>
+          <a:p>
+            <a:pPr marL="285750" indent="-285750">
+              <a:lnSpc>
+                <a:spcPct val="150000"/>
+              </a:lnSpc>
+              <a:buFontTx/>
+              <a:buChar char="-"/>
+            </a:pPr>
+            <a:r>
+              <a:rPr lang="fr-FR" dirty="0">
+                <a:solidFill>
+                  <a:schemeClr val="tx1"/>
+                </a:solidFill>
+              </a:rPr>
+              <a:t>7 bases de données extensives relatives aux clients</a:t>
+            </a:r>
+          </a:p>
+          <a:p>
+            <a:pPr marL="285750" indent="-285750">
+              <a:lnSpc>
+                <a:spcPct val="150000"/>
+              </a:lnSpc>
+              <a:buFontTx/>
+              <a:buChar char="-"/>
+            </a:pPr>
+            <a:r>
+              <a:rPr lang="fr-FR" dirty="0">
+                <a:solidFill>
+                  <a:schemeClr val="tx1"/>
+                </a:solidFill>
+              </a:rPr>
+              <a:t>Un </a:t>
+            </a:r>
+            <a:r>
+              <a:rPr lang="fr-FR" dirty="0" err="1">
+                <a:solidFill>
+                  <a:schemeClr val="tx1"/>
+                </a:solidFill>
+              </a:rPr>
+              <a:t>feature</a:t>
+            </a:r>
+            <a:r>
+              <a:rPr lang="fr-FR" dirty="0">
+                <a:solidFill>
+                  <a:schemeClr val="tx1"/>
+                </a:solidFill>
+              </a:rPr>
+              <a:t> engineering réalisé à l’aide d’un notebook </a:t>
+            </a:r>
+            <a:r>
+              <a:rPr lang="fr-FR" dirty="0" err="1">
+                <a:solidFill>
+                  <a:schemeClr val="tx1"/>
+                </a:solidFill>
+              </a:rPr>
+              <a:t>Kaggle</a:t>
+            </a:r>
+            <a:endParaRPr lang="fr-FR" dirty="0">
+              <a:solidFill>
+                <a:schemeClr val="tx1"/>
+              </a:solidFill>
+            </a:endParaRPr>
+          </a:p>
+          <a:p>
+            <a:pPr marL="285750" indent="-285750">
+              <a:lnSpc>
+                <a:spcPct val="150000"/>
+              </a:lnSpc>
+              <a:buFontTx/>
+              <a:buChar char="-"/>
+            </a:pPr>
+            <a:r>
+              <a:rPr lang="fr-FR" dirty="0">
+                <a:solidFill>
+                  <a:schemeClr val="tx1"/>
+                </a:solidFill>
+              </a:rPr>
+              <a:t>Un traitement des données nécessaire (données manquantes, normalisation, </a:t>
+            </a:r>
+            <a:r>
+              <a:rPr lang="fr-FR" dirty="0" err="1">
+                <a:solidFill>
+                  <a:schemeClr val="tx1"/>
+                </a:solidFill>
+              </a:rPr>
+              <a:t>encoding</a:t>
+            </a:r>
+            <a:r>
+              <a:rPr lang="fr-FR" dirty="0">
+                <a:solidFill>
+                  <a:schemeClr val="tx1"/>
+                </a:solidFill>
+              </a:rPr>
+              <a:t>, …)</a:t>
+            </a:r>
+          </a:p>
+          <a:p>
+            <a:pPr marL="285750" indent="-285750">
+              <a:lnSpc>
+                <a:spcPct val="150000"/>
+              </a:lnSpc>
+              <a:buFontTx/>
+              <a:buChar char="-"/>
+            </a:pPr>
+            <a:r>
+              <a:rPr lang="fr-FR" dirty="0">
+                <a:solidFill>
+                  <a:schemeClr val="tx1"/>
+                </a:solidFill>
+              </a:rPr>
+              <a:t>Un déséquilibre des classes</a:t>
+            </a:r>
+          </a:p>
+          <a:p>
+            <a:pPr marL="285750" indent="-285750">
+              <a:lnSpc>
+                <a:spcPct val="150000"/>
+              </a:lnSpc>
+              <a:buFontTx/>
+              <a:buChar char="-"/>
+            </a:pPr>
+            <a:r>
+              <a:rPr lang="fr-FR" dirty="0">
+                <a:solidFill>
+                  <a:schemeClr val="tx1"/>
+                </a:solidFill>
+              </a:rPr>
+              <a:t>Une étape de pré-</a:t>
+            </a:r>
+            <a:r>
+              <a:rPr lang="fr-FR" dirty="0" err="1">
+                <a:solidFill>
+                  <a:schemeClr val="tx1"/>
+                </a:solidFill>
+              </a:rPr>
+              <a:t>processing</a:t>
+            </a:r>
+            <a:r>
+              <a:rPr lang="fr-FR" dirty="0">
+                <a:solidFill>
+                  <a:schemeClr val="tx1"/>
+                </a:solidFill>
+              </a:rPr>
+              <a:t> qui prend en compte ces sujets</a:t>
+            </a:r>
+          </a:p>
+          <a:p>
+            <a:pPr marL="285750" indent="-285750">
+              <a:lnSpc>
+                <a:spcPct val="150000"/>
+              </a:lnSpc>
+              <a:buFontTx/>
+              <a:buChar char="-"/>
+            </a:pPr>
+            <a:r>
+              <a:rPr lang="fr-FR" dirty="0">
+                <a:solidFill>
+                  <a:schemeClr val="tx1"/>
+                </a:solidFill>
+              </a:rPr>
+              <a:t>Parmi les algorithmes testés, nous retiendrons la régression logistique</a:t>
+            </a:r>
+          </a:p>
+          <a:p>
+            <a:pPr marL="285750" indent="-285750">
+              <a:lnSpc>
+                <a:spcPct val="150000"/>
+              </a:lnSpc>
+              <a:buFontTx/>
+              <a:buChar char="-"/>
+            </a:pPr>
+            <a:r>
+              <a:rPr lang="fr-FR" dirty="0">
+                <a:solidFill>
+                  <a:schemeClr val="tx1"/>
+                </a:solidFill>
+              </a:rPr>
+              <a:t>Développement d’un score custom basé sur le bon sens</a:t>
+            </a:r>
+          </a:p>
+          <a:p>
+            <a:pPr marL="285750" indent="-285750">
+              <a:lnSpc>
+                <a:spcPct val="150000"/>
+              </a:lnSpc>
+              <a:buFontTx/>
+              <a:buChar char="-"/>
+            </a:pPr>
+            <a:r>
+              <a:rPr lang="fr-FR" dirty="0">
+                <a:solidFill>
+                  <a:schemeClr val="tx1"/>
+                </a:solidFill>
+              </a:rPr>
+              <a:t>Un modèle interprétable globalement et localement</a:t>
+            </a:r>
+          </a:p>
+          <a:p>
+            <a:pPr marL="285750" indent="-285750">
+              <a:lnSpc>
+                <a:spcPct val="150000"/>
+              </a:lnSpc>
+              <a:buFontTx/>
+              <a:buChar char="-"/>
+            </a:pPr>
+            <a:r>
+              <a:rPr lang="fr-FR" dirty="0">
+                <a:solidFill>
+                  <a:schemeClr val="tx1"/>
+                </a:solidFill>
+              </a:rPr>
+              <a:t>Un </a:t>
+            </a:r>
+            <a:r>
+              <a:rPr lang="fr-FR" dirty="0" err="1">
+                <a:solidFill>
+                  <a:schemeClr val="tx1"/>
+                </a:solidFill>
+              </a:rPr>
+              <a:t>dashboard</a:t>
+            </a:r>
+            <a:r>
+              <a:rPr lang="fr-FR" dirty="0">
+                <a:solidFill>
+                  <a:schemeClr val="tx1"/>
+                </a:solidFill>
+              </a:rPr>
+              <a:t> </a:t>
+            </a:r>
+            <a:r>
+              <a:rPr lang="fr-FR" dirty="0" err="1">
+                <a:solidFill>
+                  <a:schemeClr val="tx1"/>
+                </a:solidFill>
+              </a:rPr>
+              <a:t>intéractif</a:t>
+            </a:r>
+            <a:r>
+              <a:rPr lang="fr-FR" dirty="0">
+                <a:solidFill>
+                  <a:schemeClr val="tx1"/>
+                </a:solidFill>
+              </a:rPr>
+              <a:t> disponible</a:t>
+            </a:r>
+          </a:p>
+          <a:p>
+            <a:pPr marL="285750" indent="-285750">
+              <a:lnSpc>
+                <a:spcPct val="150000"/>
+              </a:lnSpc>
+              <a:buFontTx/>
+              <a:buChar char="-"/>
+            </a:pPr>
+            <a:r>
+              <a:rPr lang="fr-FR" dirty="0">
+                <a:solidFill>
+                  <a:schemeClr val="tx1"/>
+                </a:solidFill>
+              </a:rPr>
+              <a:t>3 pistes d’améliorations retenus pour faire avancer le projet</a:t>
+            </a:r>
+          </a:p>
+          <a:p>
+            <a:pPr marL="285750" indent="-285750" algn="ctr">
+              <a:lnSpc>
+                <a:spcPct val="150000"/>
+              </a:lnSpc>
+              <a:buFontTx/>
+              <a:buChar char="-"/>
+            </a:pPr>
+            <a:endParaRPr lang="fr-FR" dirty="0">
+              <a:solidFill>
+                <a:schemeClr val="tx1"/>
+              </a:solidFill>
+            </a:endParaRPr>
+          </a:p>
+          <a:p>
+            <a:pPr marL="285750" indent="-285750" algn="ctr">
+              <a:lnSpc>
+                <a:spcPct val="150000"/>
+              </a:lnSpc>
+              <a:buFontTx/>
+              <a:buChar char="-"/>
+            </a:pPr>
+            <a:endParaRPr lang="fr-FR" dirty="0">
+              <a:solidFill>
+                <a:schemeClr val="tx1"/>
+              </a:solidFill>
+            </a:endParaRPr>
+          </a:p>
+        </p:txBody>
+      </p:sp>
+    </p:spTree>
+    <p:extLst>
+      <p:ext uri="{BB962C8B-B14F-4D97-AF65-F5344CB8AC3E}">
+        <p14:creationId xmlns:p14="http://schemas.microsoft.com/office/powerpoint/2010/main" val="1853678043"/>
+      </p:ext>
+    </p:extLst>
+  </p:cSld>
+  <p:clrMapOvr>
+    <a:masterClrMapping/>
+  </p:clrMapOvr>
+</p:sld>
+</file>
+
+<file path=ppt/slides/slide2.xml><?xml version="1.0" encoding="utf-8"?>
+<p:sld xmlns:a="http://schemas.openxmlformats.org/drawingml/2006/main" xmlns:r="http://schemas.openxmlformats.org/officeDocument/2006/relationships" xmlns:p="http://schemas.openxmlformats.org/presentationml/2006/main">
+  <p:cSld>
+    <p:spTree>
+      <p:nvGrpSpPr>
+        <p:cNvPr id="1" name=""/>
+        <p:cNvGrpSpPr/>
+        <p:nvPr/>
+      </p:nvGrpSpPr>
+      <p:grpSpPr>
+        <a:xfrm>
+          <a:off x="0" y="0"/>
+          <a:ext cx="0" cy="0"/>
+          <a:chOff x="0" y="0"/>
+          <a:chExt cx="0" cy="0"/>
+        </a:xfrm>
+      </p:grpSpPr>
+      <p:sp>
+        <p:nvSpPr>
+          <p:cNvPr id="4" name="Rectangle 3">
+            <a:extLst>
+              <a:ext uri="{FF2B5EF4-FFF2-40B4-BE49-F238E27FC236}">
+                <a16:creationId xmlns:a16="http://schemas.microsoft.com/office/drawing/2014/main" id="{DB320C1A-E1A6-409C-BA2E-18BF6D92F415}"/>
+              </a:ext>
+            </a:extLst>
+          </p:cNvPr>
+          <p:cNvSpPr/>
+          <p:nvPr/>
+        </p:nvSpPr>
+        <p:spPr>
+          <a:xfrm>
+            <a:off x="0" y="0"/>
+            <a:ext cx="12192000" cy="6858000"/>
+          </a:xfrm>
+          <a:prstGeom prst="rect">
+            <a:avLst/>
+          </a:prstGeom>
+          <a:solidFill>
+            <a:srgbClr val="D7D8D7"/>
+          </a:solidFill>
+          <a:ln>
+            <a:solidFill>
+              <a:srgbClr val="D7D8D7"/>
+            </a:solidFill>
+          </a:ln>
+        </p:spPr>
+        <p:style>
+          <a:lnRef idx="2">
+            <a:schemeClr val="accent1">
+              <a:shade val="50000"/>
+            </a:schemeClr>
+          </a:lnRef>
+          <a:fillRef idx="1">
+            <a:schemeClr val="accent1"/>
+          </a:fillRef>
+          <a:effectRef idx="0">
+            <a:schemeClr val="accent1"/>
+          </a:effectRef>
+          <a:fontRef idx="minor">
+            <a:schemeClr val="lt1"/>
+          </a:fontRef>
+        </p:style>
+        <p:txBody>
+          <a:bodyPr rtlCol="0" anchor="ctr"/>
+          <a:lstStyle/>
+          <a:p>
+            <a:pPr algn="ctr"/>
+            <a:endParaRPr lang="fr-FR"/>
+          </a:p>
+        </p:txBody>
+      </p:sp>
+      <p:sp>
+        <p:nvSpPr>
+          <p:cNvPr id="2" name="Titre 1">
+            <a:extLst>
+              <a:ext uri="{FF2B5EF4-FFF2-40B4-BE49-F238E27FC236}">
+                <a16:creationId xmlns:a16="http://schemas.microsoft.com/office/drawing/2014/main" id="{1243ED1C-1A07-4F34-B448-CA06D63523F7}"/>
+              </a:ext>
+            </a:extLst>
+          </p:cNvPr>
+          <p:cNvSpPr>
+            <a:spLocks noGrp="1"/>
+          </p:cNvSpPr>
+          <p:nvPr>
+            <p:ph type="title"/>
+          </p:nvPr>
+        </p:nvSpPr>
+        <p:spPr/>
+        <p:txBody>
+          <a:bodyPr/>
+          <a:lstStyle/>
+          <a:p>
+            <a:r>
+              <a:rPr lang="fr-FR" sz="4800" b="1" dirty="0"/>
+              <a:t>Sommaire</a:t>
+            </a:r>
+            <a:endParaRPr lang="fr-FR" b="1" dirty="0"/>
+          </a:p>
+        </p:txBody>
+      </p:sp>
+      <p:sp>
+        <p:nvSpPr>
+          <p:cNvPr id="3" name="ZoneTexte 2">
+            <a:extLst>
+              <a:ext uri="{FF2B5EF4-FFF2-40B4-BE49-F238E27FC236}">
+                <a16:creationId xmlns:a16="http://schemas.microsoft.com/office/drawing/2014/main" id="{EC30CB24-E66B-4346-B917-F4E855C190FF}"/>
+              </a:ext>
+            </a:extLst>
+          </p:cNvPr>
+          <p:cNvSpPr txBox="1"/>
+          <p:nvPr/>
+        </p:nvSpPr>
+        <p:spPr>
+          <a:xfrm>
+            <a:off x="838200" y="1619666"/>
+            <a:ext cx="6688562" cy="4992457"/>
+          </a:xfrm>
+          <a:prstGeom prst="rect">
+            <a:avLst/>
+          </a:prstGeom>
+          <a:noFill/>
+        </p:spPr>
+        <p:txBody>
+          <a:bodyPr wrap="none" rtlCol="0">
+            <a:spAutoFit/>
+          </a:bodyPr>
+          <a:lstStyle/>
+          <a:p>
+            <a:pPr>
+              <a:lnSpc>
+                <a:spcPct val="150000"/>
+              </a:lnSpc>
+            </a:pPr>
+            <a:r>
+              <a:rPr lang="fr-FR" sz="3600" dirty="0"/>
+              <a:t>1. Rappel de la problématique</a:t>
+            </a:r>
+          </a:p>
+          <a:p>
+            <a:pPr>
+              <a:lnSpc>
+                <a:spcPct val="150000"/>
+              </a:lnSpc>
+            </a:pPr>
+            <a:r>
+              <a:rPr lang="fr-FR" sz="3600" dirty="0"/>
+              <a:t>2. Présentation du jeu de données </a:t>
+            </a:r>
+          </a:p>
+          <a:p>
+            <a:pPr>
+              <a:lnSpc>
+                <a:spcPct val="150000"/>
+              </a:lnSpc>
+            </a:pPr>
+            <a:r>
+              <a:rPr lang="fr-FR" sz="3600" dirty="0"/>
+              <a:t>3. Modélisation</a:t>
+            </a:r>
+          </a:p>
+          <a:p>
+            <a:pPr>
+              <a:lnSpc>
+                <a:spcPct val="150000"/>
+              </a:lnSpc>
+            </a:pPr>
+            <a:r>
+              <a:rPr lang="fr-FR" sz="3600" dirty="0"/>
+              <a:t>4. Outils</a:t>
+            </a:r>
+          </a:p>
+          <a:p>
+            <a:pPr>
+              <a:lnSpc>
+                <a:spcPct val="150000"/>
+              </a:lnSpc>
+            </a:pPr>
+            <a:r>
+              <a:rPr lang="fr-FR" sz="3600" dirty="0"/>
+              <a:t>5. Dashboard</a:t>
+            </a:r>
+          </a:p>
+          <a:p>
+            <a:pPr>
+              <a:lnSpc>
+                <a:spcPct val="150000"/>
+              </a:lnSpc>
+            </a:pPr>
+            <a:endParaRPr lang="fr-FR" sz="3600" dirty="0"/>
+          </a:p>
+        </p:txBody>
+      </p:sp>
+    </p:spTree>
+    <p:extLst>
+      <p:ext uri="{BB962C8B-B14F-4D97-AF65-F5344CB8AC3E}">
+        <p14:creationId xmlns:p14="http://schemas.microsoft.com/office/powerpoint/2010/main" val="804682713"/>
+      </p:ext>
+    </p:extLst>
+  </p:cSld>
+  <p:clrMapOvr>
+    <a:masterClrMapping/>
+  </p:clrMapOvr>
+</p:sld>
+</file>
+
+<file path=ppt/slides/slide3.xml><?xml version="1.0" encoding="utf-8"?>
+<p:sld xmlns:a="http://schemas.openxmlformats.org/drawingml/2006/main" xmlns:r="http://schemas.openxmlformats.org/officeDocument/2006/relationships" xmlns:p="http://schemas.openxmlformats.org/presentationml/2006/main">
+  <p:cSld>
+    <p:spTree>
+      <p:nvGrpSpPr>
+        <p:cNvPr id="1" name=""/>
+        <p:cNvGrpSpPr/>
+        <p:nvPr/>
+      </p:nvGrpSpPr>
+      <p:grpSpPr>
+        <a:xfrm>
+          <a:off x="0" y="0"/>
+          <a:ext cx="0" cy="0"/>
+          <a:chOff x="0" y="0"/>
+          <a:chExt cx="0" cy="0"/>
+        </a:xfrm>
+      </p:grpSpPr>
+      <p:sp>
+        <p:nvSpPr>
+          <p:cNvPr id="4" name="Rectangle 3">
+            <a:extLst>
+              <a:ext uri="{FF2B5EF4-FFF2-40B4-BE49-F238E27FC236}">
+                <a16:creationId xmlns:a16="http://schemas.microsoft.com/office/drawing/2014/main" id="{DB320C1A-E1A6-409C-BA2E-18BF6D92F415}"/>
+              </a:ext>
+            </a:extLst>
+          </p:cNvPr>
+          <p:cNvSpPr/>
+          <p:nvPr/>
+        </p:nvSpPr>
+        <p:spPr>
+          <a:xfrm>
+            <a:off x="0" y="0"/>
+            <a:ext cx="12192000" cy="6858000"/>
+          </a:xfrm>
+          <a:prstGeom prst="rect">
+            <a:avLst/>
+          </a:prstGeom>
+          <a:solidFill>
+            <a:srgbClr val="D7D8D7"/>
+          </a:solidFill>
+          <a:ln>
+            <a:solidFill>
+              <a:srgbClr val="D7D8D7"/>
+            </a:solidFill>
+          </a:ln>
+        </p:spPr>
+        <p:style>
+          <a:lnRef idx="2">
+            <a:schemeClr val="accent1">
+              <a:shade val="50000"/>
+            </a:schemeClr>
+          </a:lnRef>
+          <a:fillRef idx="1">
+            <a:schemeClr val="accent1"/>
+          </a:fillRef>
+          <a:effectRef idx="0">
+            <a:schemeClr val="accent1"/>
+          </a:effectRef>
+          <a:fontRef idx="minor">
+            <a:schemeClr val="lt1"/>
+          </a:fontRef>
+        </p:style>
+        <p:txBody>
+          <a:bodyPr rtlCol="0" anchor="ctr"/>
+          <a:lstStyle/>
+          <a:p>
+            <a:pPr algn="ctr"/>
+            <a:endParaRPr lang="fr-FR"/>
+          </a:p>
+        </p:txBody>
+      </p:sp>
+      <p:sp>
+        <p:nvSpPr>
+          <p:cNvPr id="2" name="Titre 1">
+            <a:extLst>
+              <a:ext uri="{FF2B5EF4-FFF2-40B4-BE49-F238E27FC236}">
+                <a16:creationId xmlns:a16="http://schemas.microsoft.com/office/drawing/2014/main" id="{1243ED1C-1A07-4F34-B448-CA06D63523F7}"/>
+              </a:ext>
+            </a:extLst>
+          </p:cNvPr>
+          <p:cNvSpPr>
+            <a:spLocks noGrp="1"/>
+          </p:cNvSpPr>
+          <p:nvPr>
+            <p:ph type="title"/>
+          </p:nvPr>
+        </p:nvSpPr>
+        <p:spPr/>
+        <p:txBody>
+          <a:bodyPr/>
+          <a:lstStyle/>
+          <a:p>
+            <a:r>
+              <a:rPr lang="fr-FR" sz="4800" b="1" dirty="0"/>
+              <a:t>1. Rappel de la problématique</a:t>
+            </a:r>
+            <a:endParaRPr lang="fr-FR" b="1" dirty="0"/>
+          </a:p>
+        </p:txBody>
+      </p:sp>
+      <p:sp>
+        <p:nvSpPr>
+          <p:cNvPr id="6" name="ZoneTexte 5">
+            <a:extLst>
+              <a:ext uri="{FF2B5EF4-FFF2-40B4-BE49-F238E27FC236}">
+                <a16:creationId xmlns:a16="http://schemas.microsoft.com/office/drawing/2014/main" id="{41B1159C-D952-4890-907C-59C48E5CB1A7}"/>
+              </a:ext>
+            </a:extLst>
+          </p:cNvPr>
+          <p:cNvSpPr txBox="1"/>
+          <p:nvPr/>
+        </p:nvSpPr>
+        <p:spPr>
+          <a:xfrm>
+            <a:off x="1016493" y="1823854"/>
+            <a:ext cx="10515599" cy="646331"/>
+          </a:xfrm>
+          <a:prstGeom prst="rect">
+            <a:avLst/>
+          </a:prstGeom>
+          <a:noFill/>
+        </p:spPr>
+        <p:txBody>
+          <a:bodyPr wrap="square">
+            <a:spAutoFit/>
+          </a:bodyPr>
+          <a:lstStyle/>
+          <a:p>
+            <a:pPr algn="ctr"/>
+            <a:r>
+              <a:rPr lang="fr-FR" b="1" i="0" dirty="0">
+                <a:effectLst/>
+                <a:latin typeface="Montserrat" panose="00000500000000000000" pitchFamily="2" charset="0"/>
+              </a:rPr>
+              <a:t>"Prêt à dépenser"</a:t>
+            </a:r>
+            <a:r>
+              <a:rPr lang="fr-FR" b="0" i="0" dirty="0">
+                <a:effectLst/>
+                <a:latin typeface="Montserrat" panose="00000500000000000000" pitchFamily="2" charset="0"/>
+              </a:rPr>
+              <a:t>,  qui propose des crédits à la consommation pour des personnes ayant peu ou pas du tout d'historique de prêt.</a:t>
+            </a:r>
+            <a:endParaRPr lang="fr-FR" dirty="0"/>
+          </a:p>
+        </p:txBody>
+      </p:sp>
+      <p:sp>
+        <p:nvSpPr>
+          <p:cNvPr id="10" name="ZoneTexte 9">
+            <a:extLst>
+              <a:ext uri="{FF2B5EF4-FFF2-40B4-BE49-F238E27FC236}">
+                <a16:creationId xmlns:a16="http://schemas.microsoft.com/office/drawing/2014/main" id="{BD5698AB-46B7-4591-AB63-A8FCB90B3FB7}"/>
+              </a:ext>
+            </a:extLst>
+          </p:cNvPr>
+          <p:cNvSpPr txBox="1"/>
+          <p:nvPr/>
+        </p:nvSpPr>
+        <p:spPr>
+          <a:xfrm>
+            <a:off x="1349406" y="3688194"/>
+            <a:ext cx="9277165" cy="1754326"/>
+          </a:xfrm>
+          <a:prstGeom prst="rect">
+            <a:avLst/>
+          </a:prstGeom>
+          <a:noFill/>
+        </p:spPr>
+        <p:txBody>
+          <a:bodyPr wrap="square">
+            <a:spAutoFit/>
+          </a:bodyPr>
+          <a:lstStyle/>
+          <a:p>
+            <a:pPr algn="l">
+              <a:buFont typeface="+mj-lt"/>
+              <a:buAutoNum type="arabicPeriod"/>
+            </a:pPr>
+            <a:r>
+              <a:rPr lang="fr-FR" b="0" i="0" dirty="0">
+                <a:solidFill>
+                  <a:srgbClr val="000000"/>
+                </a:solidFill>
+                <a:effectLst/>
+                <a:latin typeface="Montserrat" panose="00000500000000000000" pitchFamily="2" charset="0"/>
+              </a:rPr>
+              <a:t> Construire un </a:t>
+            </a:r>
+            <a:r>
+              <a:rPr lang="fr-FR" b="1" i="0" dirty="0">
+                <a:solidFill>
+                  <a:srgbClr val="000000"/>
+                </a:solidFill>
+                <a:effectLst/>
+                <a:latin typeface="Montserrat" panose="00000500000000000000" pitchFamily="2" charset="0"/>
+              </a:rPr>
+              <a:t>modèle de </a:t>
+            </a:r>
+            <a:r>
+              <a:rPr lang="fr-FR" b="1" i="0" dirty="0" err="1">
+                <a:solidFill>
+                  <a:srgbClr val="000000"/>
+                </a:solidFill>
+                <a:effectLst/>
+                <a:latin typeface="Montserrat" panose="00000500000000000000" pitchFamily="2" charset="0"/>
+              </a:rPr>
+              <a:t>scoring</a:t>
+            </a:r>
+            <a:r>
+              <a:rPr lang="fr-FR" b="1" i="0" dirty="0">
+                <a:solidFill>
+                  <a:srgbClr val="000000"/>
+                </a:solidFill>
+                <a:effectLst/>
+                <a:latin typeface="Montserrat" panose="00000500000000000000" pitchFamily="2" charset="0"/>
+              </a:rPr>
+              <a:t> </a:t>
+            </a:r>
+            <a:r>
+              <a:rPr lang="fr-FR" b="0" i="0" dirty="0">
+                <a:solidFill>
+                  <a:srgbClr val="000000"/>
+                </a:solidFill>
+                <a:effectLst/>
+                <a:latin typeface="Montserrat" panose="00000500000000000000" pitchFamily="2" charset="0"/>
+              </a:rPr>
+              <a:t>qui donnera une prédiction sur la probabilité de faillite d'un client de façon automatique.</a:t>
+            </a:r>
+          </a:p>
+          <a:p>
+            <a:pPr algn="l">
+              <a:buFont typeface="+mj-lt"/>
+              <a:buAutoNum type="arabicPeriod"/>
+            </a:pPr>
+            <a:endParaRPr lang="fr-FR" b="0" i="0" dirty="0">
+              <a:solidFill>
+                <a:srgbClr val="000000"/>
+              </a:solidFill>
+              <a:effectLst/>
+              <a:latin typeface="Montserrat" panose="00000500000000000000" pitchFamily="2" charset="0"/>
+            </a:endParaRPr>
+          </a:p>
+          <a:p>
+            <a:pPr algn="l">
+              <a:buFont typeface="+mj-lt"/>
+              <a:buAutoNum type="arabicPeriod"/>
+            </a:pPr>
+            <a:r>
+              <a:rPr lang="fr-FR" b="0" i="0" dirty="0">
+                <a:solidFill>
+                  <a:srgbClr val="000000"/>
+                </a:solidFill>
+                <a:effectLst/>
+                <a:latin typeface="Montserrat" panose="00000500000000000000" pitchFamily="2" charset="0"/>
+              </a:rPr>
+              <a:t> Construire un </a:t>
+            </a:r>
+            <a:r>
+              <a:rPr lang="fr-FR" b="1" i="0" dirty="0" err="1">
+                <a:solidFill>
+                  <a:srgbClr val="000000"/>
+                </a:solidFill>
+                <a:effectLst/>
+                <a:latin typeface="Montserrat" panose="00000500000000000000" pitchFamily="2" charset="0"/>
+              </a:rPr>
+              <a:t>dashboard</a:t>
+            </a:r>
+            <a:r>
+              <a:rPr lang="fr-FR" b="1" i="0" dirty="0">
+                <a:solidFill>
+                  <a:srgbClr val="000000"/>
+                </a:solidFill>
+                <a:effectLst/>
+                <a:latin typeface="Montserrat" panose="00000500000000000000" pitchFamily="2" charset="0"/>
+              </a:rPr>
+              <a:t> interactif </a:t>
+            </a:r>
+            <a:r>
+              <a:rPr lang="fr-FR" b="0" i="0" dirty="0">
+                <a:solidFill>
+                  <a:srgbClr val="000000"/>
+                </a:solidFill>
+                <a:effectLst/>
+                <a:latin typeface="Montserrat" panose="00000500000000000000" pitchFamily="2" charset="0"/>
+              </a:rPr>
+              <a:t>à destination des gestionnaires de la relation client permettant d'interpréter les prédictions faites par le modèle, et d’améliorer la connaissance client des chargés de relation client.</a:t>
+            </a:r>
+          </a:p>
+        </p:txBody>
+      </p:sp>
+      <p:sp>
+        <p:nvSpPr>
+          <p:cNvPr id="11" name="ZoneTexte 10">
+            <a:extLst>
+              <a:ext uri="{FF2B5EF4-FFF2-40B4-BE49-F238E27FC236}">
+                <a16:creationId xmlns:a16="http://schemas.microsoft.com/office/drawing/2014/main" id="{3B65D5EF-2DC3-41D9-BA12-5C038D57889D}"/>
+              </a:ext>
+            </a:extLst>
+          </p:cNvPr>
+          <p:cNvSpPr txBox="1"/>
+          <p:nvPr/>
+        </p:nvSpPr>
+        <p:spPr>
+          <a:xfrm>
+            <a:off x="-1168153" y="3138765"/>
+            <a:ext cx="10515599" cy="369332"/>
+          </a:xfrm>
+          <a:prstGeom prst="rect">
+            <a:avLst/>
+          </a:prstGeom>
+          <a:noFill/>
+        </p:spPr>
+        <p:txBody>
+          <a:bodyPr wrap="square">
+            <a:spAutoFit/>
+          </a:bodyPr>
+          <a:lstStyle/>
+          <a:p>
+            <a:pPr algn="ctr"/>
+            <a:r>
+              <a:rPr lang="fr-FR" b="1" i="0" dirty="0">
+                <a:effectLst/>
+                <a:latin typeface="Montserrat" panose="00000500000000000000" pitchFamily="2" charset="0"/>
+              </a:rPr>
+              <a:t>Cette mission se compose de deux objectifs : </a:t>
+            </a:r>
+            <a:endParaRPr lang="fr-FR" dirty="0"/>
+          </a:p>
+        </p:txBody>
+      </p:sp>
+    </p:spTree>
+    <p:extLst>
+      <p:ext uri="{BB962C8B-B14F-4D97-AF65-F5344CB8AC3E}">
+        <p14:creationId xmlns:p14="http://schemas.microsoft.com/office/powerpoint/2010/main" val="1370668125"/>
+      </p:ext>
+    </p:extLst>
+  </p:cSld>
+  <p:clrMapOvr>
+    <a:masterClrMapping/>
+  </p:clrMapOvr>
+</p:sld>
+</file>
+
+<file path=ppt/slides/slide4.xml><?xml version="1.0" encoding="utf-8"?>
+<p:sld xmlns:a="http://schemas.openxmlformats.org/drawingml/2006/main" xmlns:r="http://schemas.openxmlformats.org/officeDocument/2006/relationships" xmlns:p="http://schemas.openxmlformats.org/presentationml/2006/main">
+  <p:cSld>
+    <p:spTree>
+      <p:nvGrpSpPr>
+        <p:cNvPr id="1" name=""/>
+        <p:cNvGrpSpPr/>
+        <p:nvPr/>
+      </p:nvGrpSpPr>
+      <p:grpSpPr>
+        <a:xfrm>
+          <a:off x="0" y="0"/>
+          <a:ext cx="0" cy="0"/>
+          <a:chOff x="0" y="0"/>
+          <a:chExt cx="0" cy="0"/>
+        </a:xfrm>
+      </p:grpSpPr>
+      <p:sp>
+        <p:nvSpPr>
+          <p:cNvPr id="4" name="Rectangle 3">
+            <a:extLst>
+              <a:ext uri="{FF2B5EF4-FFF2-40B4-BE49-F238E27FC236}">
+                <a16:creationId xmlns:a16="http://schemas.microsoft.com/office/drawing/2014/main" id="{DB320C1A-E1A6-409C-BA2E-18BF6D92F415}"/>
+              </a:ext>
+            </a:extLst>
+          </p:cNvPr>
+          <p:cNvSpPr/>
+          <p:nvPr/>
+        </p:nvSpPr>
+        <p:spPr>
+          <a:xfrm>
+            <a:off x="0" y="0"/>
+            <a:ext cx="12192000" cy="6858000"/>
+          </a:xfrm>
+          <a:prstGeom prst="rect">
+            <a:avLst/>
+          </a:prstGeom>
+          <a:solidFill>
+            <a:srgbClr val="D7D8D7"/>
+          </a:solidFill>
+          <a:ln>
+            <a:solidFill>
+              <a:srgbClr val="D7D8D7"/>
+            </a:solidFill>
+          </a:ln>
+        </p:spPr>
+        <p:style>
+          <a:lnRef idx="2">
+            <a:schemeClr val="accent1">
+              <a:shade val="50000"/>
+            </a:schemeClr>
+          </a:lnRef>
+          <a:fillRef idx="1">
+            <a:schemeClr val="accent1"/>
+          </a:fillRef>
+          <a:effectRef idx="0">
+            <a:schemeClr val="accent1"/>
+          </a:effectRef>
+          <a:fontRef idx="minor">
+            <a:schemeClr val="lt1"/>
+          </a:fontRef>
+        </p:style>
+        <p:txBody>
+          <a:bodyPr rtlCol="0" anchor="ctr"/>
+          <a:lstStyle/>
+          <a:p>
+            <a:pPr algn="ctr"/>
+            <a:endParaRPr lang="fr-FR"/>
+          </a:p>
+        </p:txBody>
+      </p:sp>
+      <p:sp>
+        <p:nvSpPr>
+          <p:cNvPr id="2" name="Titre 1">
+            <a:extLst>
+              <a:ext uri="{FF2B5EF4-FFF2-40B4-BE49-F238E27FC236}">
+                <a16:creationId xmlns:a16="http://schemas.microsoft.com/office/drawing/2014/main" id="{1243ED1C-1A07-4F34-B448-CA06D63523F7}"/>
+              </a:ext>
+            </a:extLst>
+          </p:cNvPr>
+          <p:cNvSpPr>
+            <a:spLocks noGrp="1"/>
+          </p:cNvSpPr>
+          <p:nvPr>
+            <p:ph type="title"/>
+          </p:nvPr>
+        </p:nvSpPr>
+        <p:spPr/>
+        <p:txBody>
+          <a:bodyPr>
+            <a:normAutofit/>
+          </a:bodyPr>
+          <a:lstStyle/>
+          <a:p>
+            <a:r>
+              <a:rPr lang="fr-FR" sz="4800" b="1" dirty="0"/>
+              <a:t>2. Présentation du jeu de données</a:t>
+            </a:r>
+            <a:br>
+              <a:rPr lang="fr-FR" sz="4800" b="1" dirty="0"/>
+            </a:br>
+            <a:r>
+              <a:rPr lang="fr-FR" sz="2400" b="1" dirty="0"/>
+              <a:t>Un jeu de données conséquent</a:t>
+            </a:r>
+            <a:endParaRPr lang="fr-FR" b="1" dirty="0"/>
+          </a:p>
+        </p:txBody>
+      </p:sp>
+      <p:pic>
+        <p:nvPicPr>
+          <p:cNvPr id="1026" name="Picture 2" descr="Data">
+            <a:extLst>
+              <a:ext uri="{FF2B5EF4-FFF2-40B4-BE49-F238E27FC236}">
+                <a16:creationId xmlns:a16="http://schemas.microsoft.com/office/drawing/2014/main" id="{D20F42DD-30B9-4F63-912E-1860A9428FB2}"/>
+              </a:ext>
+            </a:extLst>
+          </p:cNvPr>
+          <p:cNvPicPr>
+            <a:picLocks noChangeAspect="1" noChangeArrowheads="1"/>
+          </p:cNvPicPr>
+          <p:nvPr/>
+        </p:nvPicPr>
+        <p:blipFill>
+          <a:blip r:embed="rId2">
+            <a:extLst>
+              <a:ext uri="{28A0092B-C50C-407E-A947-70E740481C1C}">
+                <a14:useLocalDpi xmlns:a14="http://schemas.microsoft.com/office/drawing/2010/main" val="0"/>
+              </a:ext>
+            </a:extLst>
+          </a:blip>
+          <a:srcRect/>
+          <a:stretch>
+            <a:fillRect/>
+          </a:stretch>
+        </p:blipFill>
+        <p:spPr bwMode="auto">
+          <a:xfrm>
+            <a:off x="265791" y="1701755"/>
+            <a:ext cx="7519925" cy="4827772"/>
+          </a:xfrm>
+          <a:prstGeom prst="rect">
+            <a:avLst/>
+          </a:prstGeom>
+          <a:noFill/>
+          <a:extLst>
+            <a:ext uri="{909E8E84-426E-40DD-AFC4-6F175D3DCCD1}">
+              <a14:hiddenFill xmlns:a14="http://schemas.microsoft.com/office/drawing/2010/main">
+                <a:solidFill>
+                  <a:srgbClr val="FFFFFF"/>
+                </a:solidFill>
+              </a14:hiddenFill>
+            </a:ext>
+          </a:extLst>
+        </p:spPr>
+      </p:pic>
+      <p:sp>
+        <p:nvSpPr>
+          <p:cNvPr id="5" name="Rectangle 4">
+            <a:extLst>
+              <a:ext uri="{FF2B5EF4-FFF2-40B4-BE49-F238E27FC236}">
+                <a16:creationId xmlns:a16="http://schemas.microsoft.com/office/drawing/2014/main" id="{12D0D218-5EB2-47B9-9382-28EEFA36F6E7}"/>
+              </a:ext>
+            </a:extLst>
+          </p:cNvPr>
+          <p:cNvSpPr/>
+          <p:nvPr/>
+        </p:nvSpPr>
+        <p:spPr>
+          <a:xfrm>
+            <a:off x="7865616" y="1586344"/>
+            <a:ext cx="4172504" cy="4827772"/>
+          </a:xfrm>
+          <a:prstGeom prst="rect">
+            <a:avLst/>
+          </a:prstGeom>
+          <a:noFill/>
+          <a:ln>
+            <a:noFill/>
+          </a:ln>
+        </p:spPr>
+        <p:style>
+          <a:lnRef idx="2">
+            <a:schemeClr val="accent1">
+              <a:shade val="50000"/>
+            </a:schemeClr>
+          </a:lnRef>
+          <a:fillRef idx="1">
+            <a:schemeClr val="accent1"/>
+          </a:fillRef>
+          <a:effectRef idx="0">
+            <a:schemeClr val="accent1"/>
+          </a:effectRef>
+          <a:fontRef idx="minor">
+            <a:schemeClr val="lt1"/>
+          </a:fontRef>
+        </p:style>
+        <p:txBody>
+          <a:bodyPr rtlCol="0" anchor="ctr"/>
+          <a:lstStyle/>
+          <a:p>
+            <a:pPr algn="ctr"/>
+            <a:r>
+              <a:rPr lang="fr-FR" dirty="0">
+                <a:solidFill>
+                  <a:schemeClr val="tx1"/>
+                </a:solidFill>
+              </a:rPr>
+              <a:t>7 bases de données relatives aux clients qui regroupent des informations :</a:t>
+            </a:r>
+          </a:p>
+          <a:p>
+            <a:pPr algn="ctr"/>
+            <a:endParaRPr lang="fr-FR" dirty="0">
+              <a:solidFill>
+                <a:schemeClr val="tx1"/>
+              </a:solidFill>
+            </a:endParaRPr>
+          </a:p>
+          <a:p>
+            <a:pPr marL="285750" indent="-285750">
+              <a:buFont typeface="Arial" panose="020B0604020202020204" pitchFamily="34" charset="0"/>
+              <a:buChar char="•"/>
+            </a:pPr>
+            <a:r>
+              <a:rPr lang="fr-FR" dirty="0">
+                <a:solidFill>
+                  <a:schemeClr val="tx1"/>
+                </a:solidFill>
+              </a:rPr>
+              <a:t>socio-démographiques</a:t>
+            </a:r>
+          </a:p>
+          <a:p>
+            <a:pPr marL="285750" indent="-285750">
+              <a:buFont typeface="Arial" panose="020B0604020202020204" pitchFamily="34" charset="0"/>
+              <a:buChar char="•"/>
+            </a:pPr>
+            <a:r>
+              <a:rPr lang="fr-FR" dirty="0">
+                <a:solidFill>
+                  <a:schemeClr val="tx1"/>
+                </a:solidFill>
+              </a:rPr>
+              <a:t> leurs précédentes demandes de crédits</a:t>
+            </a:r>
+          </a:p>
+          <a:p>
+            <a:pPr marL="285750" indent="-285750">
+              <a:buFont typeface="Arial" panose="020B0604020202020204" pitchFamily="34" charset="0"/>
+              <a:buChar char="•"/>
+            </a:pPr>
+            <a:r>
+              <a:rPr lang="fr-FR" dirty="0">
+                <a:solidFill>
+                  <a:schemeClr val="tx1"/>
+                </a:solidFill>
+              </a:rPr>
+              <a:t>leurs balance de crédit, de liquide</a:t>
+            </a:r>
+          </a:p>
+          <a:p>
+            <a:pPr marL="285750" indent="-285750">
+              <a:buFont typeface="Arial" panose="020B0604020202020204" pitchFamily="34" charset="0"/>
+              <a:buChar char="•"/>
+            </a:pPr>
+            <a:r>
+              <a:rPr lang="fr-FR" dirty="0">
+                <a:solidFill>
+                  <a:schemeClr val="tx1"/>
+                </a:solidFill>
+              </a:rPr>
+              <a:t>leurs comportements bancaires, …</a:t>
+            </a:r>
+          </a:p>
+          <a:p>
+            <a:pPr algn="ctr"/>
+            <a:endParaRPr lang="fr-FR" dirty="0">
+              <a:solidFill>
+                <a:schemeClr val="tx1"/>
+              </a:solidFill>
+            </a:endParaRPr>
+          </a:p>
+          <a:p>
+            <a:pPr algn="ctr"/>
+            <a:r>
+              <a:rPr lang="fr-FR" dirty="0">
+                <a:solidFill>
+                  <a:schemeClr val="tx1"/>
+                </a:solidFill>
+              </a:rPr>
+              <a:t>La base de données principale contient :</a:t>
+            </a:r>
+          </a:p>
+          <a:p>
+            <a:pPr algn="ctr"/>
+            <a:endParaRPr lang="fr-FR" dirty="0">
+              <a:solidFill>
+                <a:schemeClr val="tx1"/>
+              </a:solidFill>
+            </a:endParaRPr>
+          </a:p>
+          <a:p>
+            <a:pPr marL="285750" indent="-285750">
+              <a:buFont typeface="Arial" panose="020B0604020202020204" pitchFamily="34" charset="0"/>
+              <a:buChar char="•"/>
+            </a:pPr>
+            <a:r>
+              <a:rPr lang="fr-FR" dirty="0">
+                <a:solidFill>
+                  <a:schemeClr val="tx1"/>
+                </a:solidFill>
+              </a:rPr>
+              <a:t>307 511 clients</a:t>
+            </a:r>
+          </a:p>
+          <a:p>
+            <a:pPr marL="285750" indent="-285750">
+              <a:buFont typeface="Arial" panose="020B0604020202020204" pitchFamily="34" charset="0"/>
+              <a:buChar char="•"/>
+            </a:pPr>
+            <a:r>
+              <a:rPr lang="fr-FR" dirty="0">
+                <a:solidFill>
+                  <a:schemeClr val="tx1"/>
+                </a:solidFill>
+              </a:rPr>
+              <a:t>121 </a:t>
+            </a:r>
+            <a:r>
+              <a:rPr lang="fr-FR" dirty="0" err="1">
+                <a:solidFill>
+                  <a:schemeClr val="tx1"/>
+                </a:solidFill>
+              </a:rPr>
+              <a:t>features</a:t>
+            </a:r>
+            <a:r>
+              <a:rPr lang="fr-FR" dirty="0">
+                <a:solidFill>
+                  <a:schemeClr val="tx1"/>
+                </a:solidFill>
+              </a:rPr>
+              <a:t> </a:t>
+            </a:r>
+          </a:p>
+          <a:p>
+            <a:pPr marL="285750" indent="-285750">
+              <a:buFont typeface="Arial" panose="020B0604020202020204" pitchFamily="34" charset="0"/>
+              <a:buChar char="•"/>
+            </a:pPr>
+            <a:r>
+              <a:rPr lang="fr-FR" dirty="0">
+                <a:solidFill>
+                  <a:schemeClr val="tx1"/>
+                </a:solidFill>
+              </a:rPr>
+              <a:t>la variable Target qui indique les clients en défaut / sans défaut de crédit</a:t>
+            </a:r>
+          </a:p>
+        </p:txBody>
+      </p:sp>
+    </p:spTree>
+    <p:extLst>
+      <p:ext uri="{BB962C8B-B14F-4D97-AF65-F5344CB8AC3E}">
+        <p14:creationId xmlns:p14="http://schemas.microsoft.com/office/powerpoint/2010/main" val="2067346435"/>
+      </p:ext>
+    </p:extLst>
+  </p:cSld>
+  <p:clrMapOvr>
+    <a:masterClrMapping/>
+  </p:clrMapOvr>
+</p:sld>
+</file>
+
+<file path=ppt/slides/slide5.xml><?xml version="1.0" encoding="utf-8"?>
+<p:sld xmlns:a="http://schemas.openxmlformats.org/drawingml/2006/main" xmlns:r="http://schemas.openxmlformats.org/officeDocument/2006/relationships" xmlns:p="http://schemas.openxmlformats.org/presentationml/2006/main">
+  <p:cSld>
+    <p:spTree>
+      <p:nvGrpSpPr>
+        <p:cNvPr id="1" name=""/>
+        <p:cNvGrpSpPr/>
+        <p:nvPr/>
+      </p:nvGrpSpPr>
+      <p:grpSpPr>
+        <a:xfrm>
+          <a:off x="0" y="0"/>
+          <a:ext cx="0" cy="0"/>
+          <a:chOff x="0" y="0"/>
+          <a:chExt cx="0" cy="0"/>
+        </a:xfrm>
+      </p:grpSpPr>
+      <p:sp>
+        <p:nvSpPr>
+          <p:cNvPr id="4" name="Rectangle 3">
+            <a:extLst>
+              <a:ext uri="{FF2B5EF4-FFF2-40B4-BE49-F238E27FC236}">
+                <a16:creationId xmlns:a16="http://schemas.microsoft.com/office/drawing/2014/main" id="{DB320C1A-E1A6-409C-BA2E-18BF6D92F415}"/>
+              </a:ext>
+            </a:extLst>
+          </p:cNvPr>
+          <p:cNvSpPr/>
+          <p:nvPr/>
+        </p:nvSpPr>
+        <p:spPr>
+          <a:xfrm>
+            <a:off x="0" y="0"/>
+            <a:ext cx="12192000" cy="6858000"/>
+          </a:xfrm>
+          <a:prstGeom prst="rect">
+            <a:avLst/>
+          </a:prstGeom>
+          <a:solidFill>
+            <a:srgbClr val="D7D8D7"/>
+          </a:solidFill>
+          <a:ln>
+            <a:solidFill>
+              <a:srgbClr val="D7D8D7"/>
+            </a:solidFill>
+          </a:ln>
+        </p:spPr>
+        <p:style>
+          <a:lnRef idx="2">
+            <a:schemeClr val="accent1">
+              <a:shade val="50000"/>
+            </a:schemeClr>
+          </a:lnRef>
+          <a:fillRef idx="1">
+            <a:schemeClr val="accent1"/>
+          </a:fillRef>
+          <a:effectRef idx="0">
+            <a:schemeClr val="accent1"/>
+          </a:effectRef>
+          <a:fontRef idx="minor">
+            <a:schemeClr val="lt1"/>
+          </a:fontRef>
+        </p:style>
+        <p:txBody>
+          <a:bodyPr rtlCol="0" anchor="ctr"/>
+          <a:lstStyle/>
+          <a:p>
+            <a:pPr algn="ctr"/>
+            <a:endParaRPr lang="fr-FR"/>
+          </a:p>
+        </p:txBody>
+      </p:sp>
+      <p:sp>
+        <p:nvSpPr>
+          <p:cNvPr id="2" name="Titre 1">
+            <a:extLst>
+              <a:ext uri="{FF2B5EF4-FFF2-40B4-BE49-F238E27FC236}">
+                <a16:creationId xmlns:a16="http://schemas.microsoft.com/office/drawing/2014/main" id="{1243ED1C-1A07-4F34-B448-CA06D63523F7}"/>
+              </a:ext>
+            </a:extLst>
+          </p:cNvPr>
+          <p:cNvSpPr>
+            <a:spLocks noGrp="1"/>
+          </p:cNvSpPr>
+          <p:nvPr>
+            <p:ph type="title"/>
+          </p:nvPr>
+        </p:nvSpPr>
+        <p:spPr/>
+        <p:txBody>
+          <a:bodyPr>
+            <a:normAutofit/>
+          </a:bodyPr>
+          <a:lstStyle/>
+          <a:p>
+            <a:r>
+              <a:rPr lang="fr-FR" sz="4800" b="1" dirty="0"/>
+              <a:t>2. </a:t>
+            </a:r>
+            <a:r>
+              <a:rPr lang="fr-FR" sz="4800" b="1" dirty="0" err="1"/>
+              <a:t>Feature</a:t>
+            </a:r>
+            <a:r>
+              <a:rPr lang="fr-FR" sz="4800" b="1" dirty="0"/>
+              <a:t> engineering</a:t>
+            </a:r>
+            <a:endParaRPr lang="fr-FR" b="1" dirty="0"/>
+          </a:p>
+        </p:txBody>
+      </p:sp>
+      <p:sp>
+        <p:nvSpPr>
+          <p:cNvPr id="3" name="Rectangle 2">
+            <a:extLst>
+              <a:ext uri="{FF2B5EF4-FFF2-40B4-BE49-F238E27FC236}">
+                <a16:creationId xmlns:a16="http://schemas.microsoft.com/office/drawing/2014/main" id="{420D12EE-F7A6-4FA5-886C-58D8DAFADE71}"/>
+              </a:ext>
+            </a:extLst>
+          </p:cNvPr>
+          <p:cNvSpPr/>
+          <p:nvPr/>
+        </p:nvSpPr>
+        <p:spPr>
+          <a:xfrm>
+            <a:off x="514905" y="1624614"/>
+            <a:ext cx="9703293" cy="4589755"/>
+          </a:xfrm>
+          <a:prstGeom prst="rect">
+            <a:avLst/>
+          </a:prstGeom>
+          <a:noFill/>
+          <a:ln>
+            <a:noFill/>
+          </a:ln>
+        </p:spPr>
+        <p:style>
+          <a:lnRef idx="2">
+            <a:schemeClr val="accent1">
+              <a:shade val="50000"/>
+            </a:schemeClr>
+          </a:lnRef>
+          <a:fillRef idx="1">
+            <a:schemeClr val="accent1"/>
+          </a:fillRef>
+          <a:effectRef idx="0">
+            <a:schemeClr val="accent1"/>
+          </a:effectRef>
+          <a:fontRef idx="minor">
+            <a:schemeClr val="lt1"/>
+          </a:fontRef>
+        </p:style>
+        <p:txBody>
+          <a:bodyPr rtlCol="0" anchor="ctr"/>
+          <a:lstStyle/>
+          <a:p>
+            <a:pPr algn="ctr"/>
+            <a:r>
+              <a:rPr lang="fr-FR" dirty="0">
+                <a:solidFill>
+                  <a:schemeClr val="tx1"/>
+                </a:solidFill>
+              </a:rPr>
+              <a:t>Le </a:t>
+            </a:r>
+            <a:r>
+              <a:rPr lang="fr-FR" dirty="0" err="1">
+                <a:solidFill>
+                  <a:schemeClr val="tx1"/>
+                </a:solidFill>
+              </a:rPr>
+              <a:t>feature</a:t>
+            </a:r>
+            <a:r>
+              <a:rPr lang="fr-FR" dirty="0">
+                <a:solidFill>
+                  <a:schemeClr val="tx1"/>
+                </a:solidFill>
+              </a:rPr>
+              <a:t> engineering a été réalisé à l’aide d’un notebook issue de </a:t>
+            </a:r>
+            <a:r>
+              <a:rPr lang="fr-FR" dirty="0" err="1">
+                <a:solidFill>
+                  <a:schemeClr val="tx1"/>
+                </a:solidFill>
+              </a:rPr>
+              <a:t>Kaggle</a:t>
+            </a:r>
+            <a:r>
+              <a:rPr lang="fr-FR" dirty="0">
+                <a:solidFill>
+                  <a:schemeClr val="tx1"/>
+                </a:solidFill>
+              </a:rPr>
+              <a:t> : </a:t>
+            </a:r>
+            <a:r>
+              <a:rPr lang="fr-FR" dirty="0">
+                <a:solidFill>
+                  <a:schemeClr val="tx1"/>
+                </a:solidFill>
+                <a:hlinkClick r:id="rId2"/>
+              </a:rPr>
+              <a:t>lien</a:t>
+            </a:r>
+            <a:endParaRPr lang="fr-FR" sz="1800" u="sng" dirty="0">
+              <a:solidFill>
+                <a:schemeClr val="tx1"/>
+              </a:solidFill>
+              <a:effectLst/>
+              <a:latin typeface="Calibri" panose="020F0502020204030204" pitchFamily="34" charset="0"/>
+              <a:ea typeface="Times New Roman" panose="02020603050405020304" pitchFamily="18" charset="0"/>
+              <a:cs typeface="Times New Roman" panose="02020603050405020304" pitchFamily="18" charset="0"/>
+            </a:endParaRPr>
+          </a:p>
+          <a:p>
+            <a:pPr algn="ctr"/>
+            <a:endParaRPr lang="fr-FR" u="sng" dirty="0">
+              <a:solidFill>
+                <a:schemeClr val="tx1"/>
+              </a:solidFill>
+              <a:latin typeface="Calibri" panose="020F0502020204030204" pitchFamily="34" charset="0"/>
+              <a:cs typeface="Times New Roman" panose="02020603050405020304" pitchFamily="18" charset="0"/>
+            </a:endParaRPr>
+          </a:p>
+          <a:p>
+            <a:pPr algn="ctr"/>
+            <a:r>
+              <a:rPr lang="fr-FR" dirty="0">
+                <a:solidFill>
+                  <a:schemeClr val="tx1"/>
+                </a:solidFill>
+                <a:latin typeface="Calibri" panose="020F0502020204030204" pitchFamily="34" charset="0"/>
+                <a:cs typeface="Times New Roman" panose="02020603050405020304" pitchFamily="18" charset="0"/>
+              </a:rPr>
+              <a:t>Cette étape nous permet de récupérer </a:t>
+            </a:r>
+            <a:r>
+              <a:rPr lang="fr-FR" b="1" dirty="0">
+                <a:solidFill>
+                  <a:schemeClr val="tx1"/>
+                </a:solidFill>
+                <a:latin typeface="Calibri" panose="020F0502020204030204" pitchFamily="34" charset="0"/>
+                <a:cs typeface="Times New Roman" panose="02020603050405020304" pitchFamily="18" charset="0"/>
+              </a:rPr>
+              <a:t>les principaux indicateurs</a:t>
+            </a:r>
+            <a:r>
+              <a:rPr lang="fr-FR" dirty="0">
+                <a:solidFill>
+                  <a:schemeClr val="tx1"/>
+                </a:solidFill>
+                <a:latin typeface="Calibri" panose="020F0502020204030204" pitchFamily="34" charset="0"/>
+                <a:cs typeface="Times New Roman" panose="02020603050405020304" pitchFamily="18" charset="0"/>
+              </a:rPr>
+              <a:t> des bases crédit </a:t>
+            </a:r>
+            <a:r>
+              <a:rPr lang="fr-FR" dirty="0" err="1">
+                <a:solidFill>
+                  <a:schemeClr val="tx1"/>
+                </a:solidFill>
+                <a:latin typeface="Calibri" panose="020F0502020204030204" pitchFamily="34" charset="0"/>
+                <a:cs typeface="Times New Roman" panose="02020603050405020304" pitchFamily="18" charset="0"/>
+              </a:rPr>
+              <a:t>card</a:t>
+            </a:r>
+            <a:r>
+              <a:rPr lang="fr-FR" dirty="0">
+                <a:solidFill>
+                  <a:schemeClr val="tx1"/>
+                </a:solidFill>
+                <a:latin typeface="Calibri" panose="020F0502020204030204" pitchFamily="34" charset="0"/>
+                <a:cs typeface="Times New Roman" panose="02020603050405020304" pitchFamily="18" charset="0"/>
+              </a:rPr>
+              <a:t> balance et </a:t>
+            </a:r>
+            <a:r>
+              <a:rPr lang="fr-FR" dirty="0" err="1">
+                <a:solidFill>
+                  <a:schemeClr val="tx1"/>
+                </a:solidFill>
+                <a:latin typeface="Calibri" panose="020F0502020204030204" pitchFamily="34" charset="0"/>
+                <a:cs typeface="Times New Roman" panose="02020603050405020304" pitchFamily="18" charset="0"/>
+              </a:rPr>
+              <a:t>installments</a:t>
+            </a:r>
+            <a:r>
+              <a:rPr lang="fr-FR" dirty="0">
+                <a:solidFill>
+                  <a:schemeClr val="tx1"/>
+                </a:solidFill>
+                <a:latin typeface="Calibri" panose="020F0502020204030204" pitchFamily="34" charset="0"/>
+                <a:cs typeface="Times New Roman" panose="02020603050405020304" pitchFamily="18" charset="0"/>
+              </a:rPr>
+              <a:t> </a:t>
+            </a:r>
+            <a:r>
+              <a:rPr lang="fr-FR" dirty="0" err="1">
+                <a:solidFill>
+                  <a:schemeClr val="tx1"/>
+                </a:solidFill>
+                <a:latin typeface="Calibri" panose="020F0502020204030204" pitchFamily="34" charset="0"/>
+                <a:cs typeface="Times New Roman" panose="02020603050405020304" pitchFamily="18" charset="0"/>
+              </a:rPr>
+              <a:t>payments</a:t>
+            </a:r>
+            <a:r>
+              <a:rPr lang="fr-FR" dirty="0">
+                <a:solidFill>
+                  <a:schemeClr val="tx1"/>
+                </a:solidFill>
+                <a:latin typeface="Calibri" panose="020F0502020204030204" pitchFamily="34" charset="0"/>
+                <a:cs typeface="Times New Roman" panose="02020603050405020304" pitchFamily="18" charset="0"/>
+              </a:rPr>
+              <a:t>.</a:t>
+            </a:r>
+          </a:p>
+          <a:p>
+            <a:pPr algn="ctr"/>
+            <a:endParaRPr lang="fr-FR" dirty="0">
+              <a:solidFill>
+                <a:schemeClr val="tx1"/>
+              </a:solidFill>
+              <a:latin typeface="Calibri" panose="020F0502020204030204" pitchFamily="34" charset="0"/>
+              <a:cs typeface="Times New Roman" panose="02020603050405020304" pitchFamily="18" charset="0"/>
+            </a:endParaRPr>
+          </a:p>
+          <a:p>
+            <a:pPr algn="ctr"/>
+            <a:r>
+              <a:rPr lang="fr-FR" dirty="0">
+                <a:solidFill>
+                  <a:schemeClr val="tx1"/>
+                </a:solidFill>
+                <a:latin typeface="Calibri" panose="020F0502020204030204" pitchFamily="34" charset="0"/>
+                <a:cs typeface="Times New Roman" panose="02020603050405020304" pitchFamily="18" charset="0"/>
+              </a:rPr>
+              <a:t>Elle nous permet également d</a:t>
+            </a:r>
+            <a:r>
+              <a:rPr lang="fr-FR" dirty="0">
+                <a:solidFill>
+                  <a:schemeClr val="tx1"/>
+                </a:solidFill>
+              </a:rPr>
+              <a:t>e créer </a:t>
+            </a:r>
+            <a:r>
+              <a:rPr lang="fr-FR" b="1" dirty="0">
+                <a:solidFill>
+                  <a:schemeClr val="tx1"/>
+                </a:solidFill>
+              </a:rPr>
+              <a:t>des </a:t>
+            </a:r>
+            <a:r>
+              <a:rPr lang="fr-FR" b="1" dirty="0" err="1">
+                <a:solidFill>
+                  <a:schemeClr val="tx1"/>
+                </a:solidFill>
+              </a:rPr>
+              <a:t>features</a:t>
+            </a:r>
+            <a:r>
+              <a:rPr lang="fr-FR" b="1" dirty="0">
+                <a:solidFill>
+                  <a:schemeClr val="tx1"/>
+                </a:solidFill>
+              </a:rPr>
+              <a:t> métiers  </a:t>
+            </a:r>
+            <a:r>
+              <a:rPr lang="fr-FR" dirty="0">
+                <a:solidFill>
+                  <a:schemeClr val="tx1"/>
+                </a:solidFill>
+              </a:rPr>
+              <a:t>: </a:t>
+            </a:r>
+          </a:p>
+          <a:p>
+            <a:pPr algn="ctr"/>
+            <a:endParaRPr lang="fr-FR" dirty="0">
+              <a:solidFill>
+                <a:schemeClr val="tx1"/>
+              </a:solidFill>
+            </a:endParaRPr>
+          </a:p>
+          <a:p>
+            <a:pPr marL="285750" indent="-285750" algn="ctr">
+              <a:buFontTx/>
+              <a:buChar char="-"/>
+            </a:pPr>
+            <a:r>
+              <a:rPr lang="fr-FR" dirty="0">
+                <a:solidFill>
+                  <a:schemeClr val="tx1"/>
+                </a:solidFill>
+              </a:rPr>
+              <a:t>Ratio des retraits (carte de crédit, liquide, …) ramené au limite de retraits mensuels</a:t>
+            </a:r>
+          </a:p>
+          <a:p>
+            <a:pPr marL="285750" indent="-285750" algn="ctr">
+              <a:buFontTx/>
+              <a:buChar char="-"/>
+            </a:pPr>
+            <a:endParaRPr lang="fr-FR" dirty="0">
+              <a:solidFill>
+                <a:schemeClr val="tx1"/>
+              </a:solidFill>
+            </a:endParaRPr>
+          </a:p>
+          <a:p>
+            <a:pPr marL="285750" indent="-285750" algn="ctr">
+              <a:buFontTx/>
+              <a:buChar char="-"/>
+            </a:pPr>
+            <a:r>
+              <a:rPr lang="fr-FR" dirty="0">
+                <a:solidFill>
+                  <a:schemeClr val="tx1"/>
+                </a:solidFill>
+              </a:rPr>
+              <a:t>Montant des retards de remboursement</a:t>
+            </a:r>
+          </a:p>
+          <a:p>
+            <a:pPr marL="285750" indent="-285750" algn="ctr">
+              <a:buFontTx/>
+              <a:buChar char="-"/>
+            </a:pPr>
+            <a:endParaRPr lang="fr-FR" dirty="0">
+              <a:solidFill>
+                <a:schemeClr val="tx1"/>
+              </a:solidFill>
+            </a:endParaRPr>
+          </a:p>
+          <a:p>
+            <a:pPr marL="285750" indent="-285750" algn="ctr">
+              <a:buFontTx/>
+              <a:buChar char="-"/>
+            </a:pPr>
+            <a:r>
+              <a:rPr lang="fr-FR" dirty="0">
+                <a:solidFill>
+                  <a:schemeClr val="tx1"/>
+                </a:solidFill>
+              </a:rPr>
+              <a:t>L’état des retards</a:t>
+            </a:r>
+          </a:p>
+          <a:p>
+            <a:pPr marL="285750" indent="-285750" algn="ctr">
+              <a:buFontTx/>
+              <a:buChar char="-"/>
+            </a:pPr>
+            <a:endParaRPr lang="fr-FR" dirty="0">
+              <a:solidFill>
+                <a:schemeClr val="tx1"/>
+              </a:solidFill>
+            </a:endParaRPr>
+          </a:p>
+          <a:p>
+            <a:pPr algn="ctr"/>
+            <a:r>
+              <a:rPr lang="fr-FR" dirty="0">
+                <a:solidFill>
+                  <a:schemeClr val="tx1"/>
+                </a:solidFill>
+              </a:rPr>
+              <a:t>Suite à cette étape, nous avons désormais une base de données contenant </a:t>
+            </a:r>
+            <a:r>
+              <a:rPr lang="fr-FR" b="1" dirty="0">
+                <a:solidFill>
+                  <a:schemeClr val="tx1"/>
+                </a:solidFill>
+              </a:rPr>
+              <a:t>136 </a:t>
+            </a:r>
+            <a:r>
+              <a:rPr lang="fr-FR" b="1" dirty="0" err="1">
+                <a:solidFill>
+                  <a:schemeClr val="tx1"/>
+                </a:solidFill>
+              </a:rPr>
+              <a:t>features</a:t>
+            </a:r>
+            <a:r>
+              <a:rPr lang="fr-FR" dirty="0">
+                <a:solidFill>
+                  <a:schemeClr val="tx1"/>
+                </a:solidFill>
+              </a:rPr>
+              <a:t>.</a:t>
+            </a:r>
+          </a:p>
+        </p:txBody>
+      </p:sp>
+    </p:spTree>
+    <p:extLst>
+      <p:ext uri="{BB962C8B-B14F-4D97-AF65-F5344CB8AC3E}">
+        <p14:creationId xmlns:p14="http://schemas.microsoft.com/office/powerpoint/2010/main" val="1893412092"/>
+      </p:ext>
+    </p:extLst>
+  </p:cSld>
+  <p:clrMapOvr>
+    <a:masterClrMapping/>
+  </p:clrMapOvr>
+</p:sld>
+</file>
+
+<file path=ppt/slides/slide6.xml><?xml version="1.0" encoding="utf-8"?>
+<p:sld xmlns:a="http://schemas.openxmlformats.org/drawingml/2006/main" xmlns:r="http://schemas.openxmlformats.org/officeDocument/2006/relationships" xmlns:p="http://schemas.openxmlformats.org/presentationml/2006/main">
+  <p:cSld>
+    <p:spTree>
+      <p:nvGrpSpPr>
+        <p:cNvPr id="1" name=""/>
+        <p:cNvGrpSpPr/>
+        <p:nvPr/>
+      </p:nvGrpSpPr>
+      <p:grpSpPr>
+        <a:xfrm>
+          <a:off x="0" y="0"/>
+          <a:ext cx="0" cy="0"/>
+          <a:chOff x="0" y="0"/>
+          <a:chExt cx="0" cy="0"/>
+        </a:xfrm>
+      </p:grpSpPr>
+      <p:sp>
+        <p:nvSpPr>
+          <p:cNvPr id="4" name="Rectangle 3">
+            <a:extLst>
+              <a:ext uri="{FF2B5EF4-FFF2-40B4-BE49-F238E27FC236}">
+                <a16:creationId xmlns:a16="http://schemas.microsoft.com/office/drawing/2014/main" id="{DB320C1A-E1A6-409C-BA2E-18BF6D92F415}"/>
+              </a:ext>
+            </a:extLst>
+          </p:cNvPr>
+          <p:cNvSpPr/>
+          <p:nvPr/>
+        </p:nvSpPr>
+        <p:spPr>
+          <a:xfrm>
+            <a:off x="0" y="0"/>
+            <a:ext cx="12192000" cy="6858000"/>
+          </a:xfrm>
+          <a:prstGeom prst="rect">
+            <a:avLst/>
+          </a:prstGeom>
+          <a:solidFill>
+            <a:srgbClr val="D7D8D7"/>
+          </a:solidFill>
+          <a:ln>
+            <a:solidFill>
+              <a:srgbClr val="D7D8D7"/>
+            </a:solidFill>
+          </a:ln>
+        </p:spPr>
+        <p:style>
+          <a:lnRef idx="2">
+            <a:schemeClr val="accent1">
+              <a:shade val="50000"/>
+            </a:schemeClr>
+          </a:lnRef>
+          <a:fillRef idx="1">
+            <a:schemeClr val="accent1"/>
+          </a:fillRef>
+          <a:effectRef idx="0">
+            <a:schemeClr val="accent1"/>
+          </a:effectRef>
+          <a:fontRef idx="minor">
+            <a:schemeClr val="lt1"/>
+          </a:fontRef>
+        </p:style>
+        <p:txBody>
+          <a:bodyPr rtlCol="0" anchor="ctr"/>
+          <a:lstStyle/>
+          <a:p>
+            <a:pPr algn="ctr"/>
+            <a:endParaRPr lang="fr-FR" dirty="0"/>
+          </a:p>
+        </p:txBody>
+      </p:sp>
+      <p:sp>
+        <p:nvSpPr>
+          <p:cNvPr id="2" name="Titre 1">
+            <a:extLst>
+              <a:ext uri="{FF2B5EF4-FFF2-40B4-BE49-F238E27FC236}">
+                <a16:creationId xmlns:a16="http://schemas.microsoft.com/office/drawing/2014/main" id="{1243ED1C-1A07-4F34-B448-CA06D63523F7}"/>
+              </a:ext>
+            </a:extLst>
+          </p:cNvPr>
+          <p:cNvSpPr>
+            <a:spLocks noGrp="1"/>
+          </p:cNvSpPr>
+          <p:nvPr>
+            <p:ph type="title"/>
+          </p:nvPr>
+        </p:nvSpPr>
+        <p:spPr/>
+        <p:txBody>
+          <a:bodyPr>
+            <a:normAutofit/>
+          </a:bodyPr>
+          <a:lstStyle/>
+          <a:p>
+            <a:r>
+              <a:rPr lang="fr-FR" sz="4800" b="1" dirty="0"/>
+              <a:t>2. Un traitement des variables nécessaire</a:t>
+            </a:r>
+            <a:endParaRPr lang="fr-FR" b="1" dirty="0"/>
+          </a:p>
+        </p:txBody>
+      </p:sp>
+      <p:pic>
+        <p:nvPicPr>
+          <p:cNvPr id="2050" name="Picture 2">
+            <a:extLst>
+              <a:ext uri="{FF2B5EF4-FFF2-40B4-BE49-F238E27FC236}">
+                <a16:creationId xmlns:a16="http://schemas.microsoft.com/office/drawing/2014/main" id="{113EB81B-313D-4628-A2A0-07D8B7DA6427}"/>
+              </a:ext>
+            </a:extLst>
+          </p:cNvPr>
+          <p:cNvPicPr>
+            <a:picLocks noChangeAspect="1" noChangeArrowheads="1"/>
+          </p:cNvPicPr>
+          <p:nvPr/>
+        </p:nvPicPr>
+        <p:blipFill>
+          <a:blip r:embed="rId2">
+            <a:extLst>
+              <a:ext uri="{28A0092B-C50C-407E-A947-70E740481C1C}">
+                <a14:useLocalDpi xmlns:a14="http://schemas.microsoft.com/office/drawing/2010/main" val="0"/>
+              </a:ext>
+            </a:extLst>
+          </a:blip>
+          <a:srcRect/>
+          <a:stretch>
+            <a:fillRect/>
+          </a:stretch>
+        </p:blipFill>
+        <p:spPr bwMode="auto">
+          <a:xfrm>
+            <a:off x="1044790" y="1855252"/>
+            <a:ext cx="4530387" cy="4407944"/>
+          </a:xfrm>
+          <a:prstGeom prst="rect">
+            <a:avLst/>
+          </a:prstGeom>
+          <a:noFill/>
+          <a:extLst>
+            <a:ext uri="{909E8E84-426E-40DD-AFC4-6F175D3DCCD1}">
+              <a14:hiddenFill xmlns:a14="http://schemas.microsoft.com/office/drawing/2010/main">
+                <a:solidFill>
+                  <a:srgbClr val="FFFFFF"/>
+                </a:solidFill>
+              </a14:hiddenFill>
+            </a:ext>
+          </a:extLst>
+        </p:spPr>
+      </p:pic>
+      <p:sp>
+        <p:nvSpPr>
+          <p:cNvPr id="8" name="ZoneTexte 7">
+            <a:extLst>
+              <a:ext uri="{FF2B5EF4-FFF2-40B4-BE49-F238E27FC236}">
+                <a16:creationId xmlns:a16="http://schemas.microsoft.com/office/drawing/2014/main" id="{F81DFED6-10B2-4507-85F1-6301F170F49C}"/>
+              </a:ext>
+            </a:extLst>
+          </p:cNvPr>
+          <p:cNvSpPr txBox="1"/>
+          <p:nvPr/>
+        </p:nvSpPr>
+        <p:spPr>
+          <a:xfrm>
+            <a:off x="1309456" y="1278819"/>
+            <a:ext cx="8802210" cy="369332"/>
+          </a:xfrm>
+          <a:prstGeom prst="rect">
+            <a:avLst/>
+          </a:prstGeom>
+          <a:noFill/>
+        </p:spPr>
+        <p:txBody>
+          <a:bodyPr wrap="square">
+            <a:spAutoFit/>
+          </a:bodyPr>
+          <a:lstStyle/>
+          <a:p>
+            <a:r>
+              <a:rPr lang="fr-FR" i="1" dirty="0"/>
+              <a:t>Des variables numériques à normaliser et des variables catégorielles à simplifier/encoder</a:t>
+            </a:r>
+          </a:p>
+        </p:txBody>
+      </p:sp>
+      <p:sp>
+        <p:nvSpPr>
+          <p:cNvPr id="7" name="Rectangle 6">
+            <a:extLst>
+              <a:ext uri="{FF2B5EF4-FFF2-40B4-BE49-F238E27FC236}">
+                <a16:creationId xmlns:a16="http://schemas.microsoft.com/office/drawing/2014/main" id="{1AD868C4-1E7A-45DD-996D-2CCEF967223A}"/>
+              </a:ext>
+            </a:extLst>
+          </p:cNvPr>
+          <p:cNvSpPr/>
+          <p:nvPr/>
+        </p:nvSpPr>
+        <p:spPr>
+          <a:xfrm>
+            <a:off x="1044790" y="6378035"/>
+            <a:ext cx="4669654" cy="229679"/>
+          </a:xfrm>
+          <a:prstGeom prst="rect">
+            <a:avLst/>
+          </a:prstGeom>
+          <a:noFill/>
+          <a:ln>
+            <a:noFill/>
+          </a:ln>
+        </p:spPr>
+        <p:style>
+          <a:lnRef idx="2">
+            <a:schemeClr val="accent1">
+              <a:shade val="50000"/>
+            </a:schemeClr>
+          </a:lnRef>
+          <a:fillRef idx="1">
+            <a:schemeClr val="accent1"/>
+          </a:fillRef>
+          <a:effectRef idx="0">
+            <a:schemeClr val="accent1"/>
+          </a:effectRef>
+          <a:fontRef idx="minor">
+            <a:schemeClr val="lt1"/>
+          </a:fontRef>
+        </p:style>
+        <p:txBody>
+          <a:bodyPr rtlCol="0" anchor="ctr"/>
+          <a:lstStyle/>
+          <a:p>
+            <a:pPr algn="ctr"/>
+            <a:r>
+              <a:rPr lang="fr-FR" dirty="0">
+                <a:solidFill>
+                  <a:schemeClr val="tx1"/>
+                </a:solidFill>
+              </a:rPr>
+              <a:t>Des distributions asymétriques</a:t>
+            </a:r>
+          </a:p>
+        </p:txBody>
+      </p:sp>
+      <p:pic>
+        <p:nvPicPr>
+          <p:cNvPr id="10" name="Image 9">
+            <a:extLst>
+              <a:ext uri="{FF2B5EF4-FFF2-40B4-BE49-F238E27FC236}">
+                <a16:creationId xmlns:a16="http://schemas.microsoft.com/office/drawing/2014/main" id="{6E092878-9375-4E60-B684-A391192062E2}"/>
+              </a:ext>
+            </a:extLst>
+          </p:cNvPr>
+          <p:cNvPicPr>
+            <a:picLocks noChangeAspect="1"/>
+          </p:cNvPicPr>
+          <p:nvPr/>
+        </p:nvPicPr>
+        <p:blipFill>
+          <a:blip r:embed="rId3"/>
+          <a:stretch>
+            <a:fillRect/>
+          </a:stretch>
+        </p:blipFill>
+        <p:spPr>
+          <a:xfrm>
+            <a:off x="5918593" y="2267629"/>
+            <a:ext cx="5974514" cy="3311552"/>
+          </a:xfrm>
+          <a:prstGeom prst="rect">
+            <a:avLst/>
+          </a:prstGeom>
+        </p:spPr>
+      </p:pic>
+      <p:sp>
+        <p:nvSpPr>
+          <p:cNvPr id="12" name="Rectangle 11">
+            <a:extLst>
+              <a:ext uri="{FF2B5EF4-FFF2-40B4-BE49-F238E27FC236}">
+                <a16:creationId xmlns:a16="http://schemas.microsoft.com/office/drawing/2014/main" id="{8FC146B0-2218-4E67-8413-24AA4CF57FED}"/>
+              </a:ext>
+            </a:extLst>
+          </p:cNvPr>
+          <p:cNvSpPr/>
+          <p:nvPr/>
+        </p:nvSpPr>
+        <p:spPr>
+          <a:xfrm>
+            <a:off x="6112416" y="6380762"/>
+            <a:ext cx="5586867" cy="229679"/>
+          </a:xfrm>
+          <a:prstGeom prst="rect">
+            <a:avLst/>
+          </a:prstGeom>
+          <a:noFill/>
+          <a:ln>
+            <a:noFill/>
+          </a:ln>
+        </p:spPr>
+        <p:style>
+          <a:lnRef idx="2">
+            <a:schemeClr val="accent1">
+              <a:shade val="50000"/>
+            </a:schemeClr>
+          </a:lnRef>
+          <a:fillRef idx="1">
+            <a:schemeClr val="accent1"/>
+          </a:fillRef>
+          <a:effectRef idx="0">
+            <a:schemeClr val="accent1"/>
+          </a:effectRef>
+          <a:fontRef idx="minor">
+            <a:schemeClr val="lt1"/>
+          </a:fontRef>
+        </p:style>
+        <p:txBody>
+          <a:bodyPr rtlCol="0" anchor="ctr"/>
+          <a:lstStyle/>
+          <a:p>
+            <a:pPr algn="ctr"/>
+            <a:r>
+              <a:rPr lang="fr-FR" dirty="0">
+                <a:solidFill>
+                  <a:schemeClr val="tx1"/>
+                </a:solidFill>
+              </a:rPr>
+              <a:t>Un grand nombre de modalités et un encodage nécessaire</a:t>
+            </a:r>
+          </a:p>
+        </p:txBody>
+      </p:sp>
+    </p:spTree>
+    <p:extLst>
+      <p:ext uri="{BB962C8B-B14F-4D97-AF65-F5344CB8AC3E}">
+        <p14:creationId xmlns:p14="http://schemas.microsoft.com/office/powerpoint/2010/main" val="3443321500"/>
+      </p:ext>
+    </p:extLst>
+  </p:cSld>
+  <p:clrMapOvr>
+    <a:masterClrMapping/>
+  </p:clrMapOvr>
+</p:sld>
+</file>
+
+<file path=ppt/slides/slide7.xml><?xml version="1.0" encoding="utf-8"?>
+<p:sld xmlns:a="http://schemas.openxmlformats.org/drawingml/2006/main" xmlns:r="http://schemas.openxmlformats.org/officeDocument/2006/relationships" xmlns:p="http://schemas.openxmlformats.org/presentationml/2006/main">
+  <p:cSld>
+    <p:spTree>
+      <p:nvGrpSpPr>
+        <p:cNvPr id="1" name=""/>
+        <p:cNvGrpSpPr/>
+        <p:nvPr/>
+      </p:nvGrpSpPr>
+      <p:grpSpPr>
+        <a:xfrm>
+          <a:off x="0" y="0"/>
+          <a:ext cx="0" cy="0"/>
+          <a:chOff x="0" y="0"/>
+          <a:chExt cx="0" cy="0"/>
+        </a:xfrm>
+      </p:grpSpPr>
+      <p:sp>
+        <p:nvSpPr>
+          <p:cNvPr id="4" name="Rectangle 3">
+            <a:extLst>
+              <a:ext uri="{FF2B5EF4-FFF2-40B4-BE49-F238E27FC236}">
+                <a16:creationId xmlns:a16="http://schemas.microsoft.com/office/drawing/2014/main" id="{DB320C1A-E1A6-409C-BA2E-18BF6D92F415}"/>
+              </a:ext>
+            </a:extLst>
+          </p:cNvPr>
+          <p:cNvSpPr/>
+          <p:nvPr/>
+        </p:nvSpPr>
+        <p:spPr>
+          <a:xfrm>
+            <a:off x="0" y="0"/>
+            <a:ext cx="12192000" cy="6858000"/>
+          </a:xfrm>
+          <a:prstGeom prst="rect">
+            <a:avLst/>
+          </a:prstGeom>
+          <a:solidFill>
+            <a:srgbClr val="D7D8D7"/>
+          </a:solidFill>
+          <a:ln>
+            <a:solidFill>
+              <a:srgbClr val="D7D8D7"/>
+            </a:solidFill>
+          </a:ln>
+        </p:spPr>
+        <p:style>
+          <a:lnRef idx="2">
+            <a:schemeClr val="accent1">
+              <a:shade val="50000"/>
+            </a:schemeClr>
+          </a:lnRef>
+          <a:fillRef idx="1">
+            <a:schemeClr val="accent1"/>
+          </a:fillRef>
+          <a:effectRef idx="0">
+            <a:schemeClr val="accent1"/>
+          </a:effectRef>
+          <a:fontRef idx="minor">
+            <a:schemeClr val="lt1"/>
+          </a:fontRef>
+        </p:style>
+        <p:txBody>
+          <a:bodyPr rtlCol="0" anchor="ctr"/>
+          <a:lstStyle/>
+          <a:p>
+            <a:pPr algn="ctr"/>
+            <a:endParaRPr lang="fr-FR"/>
+          </a:p>
+        </p:txBody>
+      </p:sp>
+      <p:sp>
+        <p:nvSpPr>
+          <p:cNvPr id="2" name="Titre 1">
+            <a:extLst>
+              <a:ext uri="{FF2B5EF4-FFF2-40B4-BE49-F238E27FC236}">
+                <a16:creationId xmlns:a16="http://schemas.microsoft.com/office/drawing/2014/main" id="{1243ED1C-1A07-4F34-B448-CA06D63523F7}"/>
+              </a:ext>
+            </a:extLst>
+          </p:cNvPr>
+          <p:cNvSpPr>
+            <a:spLocks noGrp="1"/>
+          </p:cNvSpPr>
+          <p:nvPr>
+            <p:ph type="title"/>
+          </p:nvPr>
+        </p:nvSpPr>
+        <p:spPr/>
+        <p:txBody>
+          <a:bodyPr>
+            <a:normAutofit/>
+          </a:bodyPr>
+          <a:lstStyle/>
+          <a:p>
+            <a:r>
+              <a:rPr lang="fr-FR" sz="4800" b="1" dirty="0"/>
+              <a:t>2. Traitement des données manquantes</a:t>
+            </a:r>
+            <a:endParaRPr lang="fr-FR" b="1" dirty="0"/>
+          </a:p>
+        </p:txBody>
+      </p:sp>
+      <p:pic>
+        <p:nvPicPr>
+          <p:cNvPr id="3076" name="Picture 4">
+            <a:extLst>
+              <a:ext uri="{FF2B5EF4-FFF2-40B4-BE49-F238E27FC236}">
+                <a16:creationId xmlns:a16="http://schemas.microsoft.com/office/drawing/2014/main" id="{0A56FE1E-EC8F-46D9-9920-FF7FE1999DBD}"/>
+              </a:ext>
+            </a:extLst>
+          </p:cNvPr>
+          <p:cNvPicPr>
+            <a:picLocks noChangeAspect="1" noChangeArrowheads="1"/>
+          </p:cNvPicPr>
+          <p:nvPr/>
+        </p:nvPicPr>
+        <p:blipFill>
+          <a:blip r:embed="rId2">
+            <a:extLst>
+              <a:ext uri="{28A0092B-C50C-407E-A947-70E740481C1C}">
+                <a14:useLocalDpi xmlns:a14="http://schemas.microsoft.com/office/drawing/2010/main" val="0"/>
+              </a:ext>
+            </a:extLst>
+          </a:blip>
+          <a:srcRect/>
+          <a:stretch>
+            <a:fillRect/>
+          </a:stretch>
+        </p:blipFill>
+        <p:spPr bwMode="auto">
+          <a:xfrm>
+            <a:off x="1306437" y="1654446"/>
+            <a:ext cx="4345681" cy="5069765"/>
+          </a:xfrm>
+          <a:prstGeom prst="rect">
+            <a:avLst/>
+          </a:prstGeom>
+          <a:noFill/>
+          <a:extLst>
+            <a:ext uri="{909E8E84-426E-40DD-AFC4-6F175D3DCCD1}">
+              <a14:hiddenFill xmlns:a14="http://schemas.microsoft.com/office/drawing/2010/main">
+                <a:solidFill>
+                  <a:srgbClr val="FFFFFF"/>
+                </a:solidFill>
+              </a14:hiddenFill>
+            </a:ext>
+          </a:extLst>
+        </p:spPr>
+      </p:pic>
+      <p:sp>
+        <p:nvSpPr>
+          <p:cNvPr id="7" name="Rectangle 6">
+            <a:extLst>
+              <a:ext uri="{FF2B5EF4-FFF2-40B4-BE49-F238E27FC236}">
+                <a16:creationId xmlns:a16="http://schemas.microsoft.com/office/drawing/2014/main" id="{EB624ECB-154B-43B9-9D46-6BDAC724E542}"/>
+              </a:ext>
+            </a:extLst>
+          </p:cNvPr>
+          <p:cNvSpPr/>
+          <p:nvPr/>
+        </p:nvSpPr>
+        <p:spPr>
+          <a:xfrm>
+            <a:off x="6835807" y="1665103"/>
+            <a:ext cx="4172504" cy="4827772"/>
+          </a:xfrm>
+          <a:prstGeom prst="rect">
+            <a:avLst/>
+          </a:prstGeom>
+          <a:noFill/>
+          <a:ln>
+            <a:noFill/>
+          </a:ln>
+        </p:spPr>
+        <p:style>
+          <a:lnRef idx="2">
+            <a:schemeClr val="accent1">
+              <a:shade val="50000"/>
+            </a:schemeClr>
+          </a:lnRef>
+          <a:fillRef idx="1">
+            <a:schemeClr val="accent1"/>
+          </a:fillRef>
+          <a:effectRef idx="0">
+            <a:schemeClr val="accent1"/>
+          </a:effectRef>
+          <a:fontRef idx="minor">
+            <a:schemeClr val="lt1"/>
+          </a:fontRef>
+        </p:style>
+        <p:txBody>
+          <a:bodyPr rtlCol="0" anchor="ctr"/>
+          <a:lstStyle/>
+          <a:p>
+            <a:pPr algn="ctr"/>
+            <a:r>
+              <a:rPr lang="fr-FR" dirty="0">
+                <a:solidFill>
+                  <a:schemeClr val="tx1"/>
+                </a:solidFill>
+              </a:rPr>
+              <a:t>Un niveau de renseignement des variables inégale.</a:t>
+            </a:r>
+          </a:p>
+          <a:p>
+            <a:pPr algn="ctr"/>
+            <a:endParaRPr lang="fr-FR" dirty="0">
+              <a:solidFill>
+                <a:schemeClr val="tx1"/>
+              </a:solidFill>
+            </a:endParaRPr>
+          </a:p>
+          <a:p>
+            <a:pPr algn="ctr"/>
+            <a:r>
+              <a:rPr lang="fr-FR" dirty="0">
+                <a:solidFill>
+                  <a:schemeClr val="tx1"/>
+                </a:solidFill>
+              </a:rPr>
+              <a:t>Pour la modélisation, nous ne conserverons que les variables</a:t>
+            </a:r>
+            <a:r>
+              <a:rPr lang="fr-FR" b="1" dirty="0">
+                <a:solidFill>
+                  <a:schemeClr val="tx1"/>
+                </a:solidFill>
+              </a:rPr>
+              <a:t> renseignés à plus de 40%</a:t>
+            </a:r>
+          </a:p>
+          <a:p>
+            <a:pPr algn="ctr"/>
+            <a:endParaRPr lang="fr-FR" dirty="0">
+              <a:solidFill>
+                <a:schemeClr val="tx1"/>
+              </a:solidFill>
+            </a:endParaRPr>
+          </a:p>
+          <a:p>
+            <a:pPr algn="ctr"/>
+            <a:r>
+              <a:rPr lang="fr-FR" dirty="0">
+                <a:solidFill>
+                  <a:schemeClr val="tx1"/>
+                </a:solidFill>
+              </a:rPr>
+              <a:t>Nous obtenons ainsi </a:t>
+            </a:r>
+            <a:r>
+              <a:rPr lang="fr-FR" b="1" dirty="0">
+                <a:solidFill>
+                  <a:schemeClr val="tx1"/>
+                </a:solidFill>
+              </a:rPr>
+              <a:t>75 variables </a:t>
+            </a:r>
+            <a:r>
+              <a:rPr lang="fr-FR" dirty="0">
+                <a:solidFill>
+                  <a:schemeClr val="tx1"/>
+                </a:solidFill>
+              </a:rPr>
+              <a:t>utiles à la modélisation.</a:t>
+            </a:r>
+          </a:p>
+        </p:txBody>
+      </p:sp>
+    </p:spTree>
+    <p:extLst>
+      <p:ext uri="{BB962C8B-B14F-4D97-AF65-F5344CB8AC3E}">
+        <p14:creationId xmlns:p14="http://schemas.microsoft.com/office/powerpoint/2010/main" val="2631082682"/>
+      </p:ext>
+    </p:extLst>
+  </p:cSld>
+  <p:clrMapOvr>
+    <a:masterClrMapping/>
+  </p:clrMapOvr>
+</p:sld>
+</file>
+
+<file path=ppt/slides/slide8.xml><?xml version="1.0" encoding="utf-8"?>
+<p:sld xmlns:a="http://schemas.openxmlformats.org/drawingml/2006/main" xmlns:r="http://schemas.openxmlformats.org/officeDocument/2006/relationships" xmlns:p="http://schemas.openxmlformats.org/presentationml/2006/main">
+  <p:cSld>
+    <p:spTree>
+      <p:nvGrpSpPr>
+        <p:cNvPr id="1" name=""/>
+        <p:cNvGrpSpPr/>
+        <p:nvPr/>
+      </p:nvGrpSpPr>
+      <p:grpSpPr>
+        <a:xfrm>
+          <a:off x="0" y="0"/>
+          <a:ext cx="0" cy="0"/>
+          <a:chOff x="0" y="0"/>
+          <a:chExt cx="0" cy="0"/>
+        </a:xfrm>
+      </p:grpSpPr>
+      <p:sp>
+        <p:nvSpPr>
+          <p:cNvPr id="4" name="Rectangle 3">
+            <a:extLst>
+              <a:ext uri="{FF2B5EF4-FFF2-40B4-BE49-F238E27FC236}">
+                <a16:creationId xmlns:a16="http://schemas.microsoft.com/office/drawing/2014/main" id="{DB320C1A-E1A6-409C-BA2E-18BF6D92F415}"/>
+              </a:ext>
+            </a:extLst>
+          </p:cNvPr>
+          <p:cNvSpPr/>
+          <p:nvPr/>
+        </p:nvSpPr>
+        <p:spPr>
+          <a:xfrm>
+            <a:off x="0" y="0"/>
+            <a:ext cx="12192000" cy="6858000"/>
+          </a:xfrm>
+          <a:prstGeom prst="rect">
+            <a:avLst/>
+          </a:prstGeom>
+          <a:solidFill>
+            <a:srgbClr val="D7D8D7"/>
+          </a:solidFill>
+          <a:ln>
+            <a:solidFill>
+              <a:srgbClr val="D7D8D7"/>
+            </a:solidFill>
+          </a:ln>
+        </p:spPr>
+        <p:style>
+          <a:lnRef idx="2">
+            <a:schemeClr val="accent1">
+              <a:shade val="50000"/>
+            </a:schemeClr>
+          </a:lnRef>
+          <a:fillRef idx="1">
+            <a:schemeClr val="accent1"/>
+          </a:fillRef>
+          <a:effectRef idx="0">
+            <a:schemeClr val="accent1"/>
+          </a:effectRef>
+          <a:fontRef idx="minor">
+            <a:schemeClr val="lt1"/>
+          </a:fontRef>
+        </p:style>
+        <p:txBody>
+          <a:bodyPr rtlCol="0" anchor="ctr"/>
+          <a:lstStyle/>
+          <a:p>
+            <a:pPr algn="ctr"/>
+            <a:endParaRPr lang="fr-FR"/>
+          </a:p>
+        </p:txBody>
+      </p:sp>
+      <p:sp>
+        <p:nvSpPr>
+          <p:cNvPr id="2" name="Titre 1">
+            <a:extLst>
+              <a:ext uri="{FF2B5EF4-FFF2-40B4-BE49-F238E27FC236}">
+                <a16:creationId xmlns:a16="http://schemas.microsoft.com/office/drawing/2014/main" id="{1243ED1C-1A07-4F34-B448-CA06D63523F7}"/>
+              </a:ext>
+            </a:extLst>
+          </p:cNvPr>
+          <p:cNvSpPr>
+            <a:spLocks noGrp="1"/>
+          </p:cNvSpPr>
+          <p:nvPr>
+            <p:ph type="title"/>
+          </p:nvPr>
+        </p:nvSpPr>
+        <p:spPr/>
+        <p:txBody>
+          <a:bodyPr>
+            <a:normAutofit/>
+          </a:bodyPr>
+          <a:lstStyle/>
+          <a:p>
+            <a:r>
+              <a:rPr lang="fr-FR" sz="4800" b="1" dirty="0"/>
+              <a:t>2. Des données déséquilibrés</a:t>
+            </a:r>
+            <a:endParaRPr lang="fr-FR" b="1" dirty="0"/>
+          </a:p>
+        </p:txBody>
+      </p:sp>
+      <p:pic>
+        <p:nvPicPr>
+          <p:cNvPr id="4098" name="Picture 2">
+            <a:extLst>
+              <a:ext uri="{FF2B5EF4-FFF2-40B4-BE49-F238E27FC236}">
+                <a16:creationId xmlns:a16="http://schemas.microsoft.com/office/drawing/2014/main" id="{FFBB2D25-3DCA-4895-9503-2C2394DA04AD}"/>
+              </a:ext>
+            </a:extLst>
+          </p:cNvPr>
+          <p:cNvPicPr>
+            <a:picLocks noChangeAspect="1" noChangeArrowheads="1"/>
+          </p:cNvPicPr>
+          <p:nvPr/>
+        </p:nvPicPr>
+        <p:blipFill>
+          <a:blip r:embed="rId2">
+            <a:extLst>
+              <a:ext uri="{28A0092B-C50C-407E-A947-70E740481C1C}">
+                <a14:useLocalDpi xmlns:a14="http://schemas.microsoft.com/office/drawing/2010/main" val="0"/>
+              </a:ext>
+            </a:extLst>
+          </a:blip>
+          <a:srcRect/>
+          <a:stretch>
+            <a:fillRect/>
+          </a:stretch>
+        </p:blipFill>
+        <p:spPr bwMode="auto">
+          <a:xfrm>
+            <a:off x="1428415" y="1690688"/>
+            <a:ext cx="2828925" cy="4591050"/>
+          </a:xfrm>
+          <a:prstGeom prst="rect">
+            <a:avLst/>
+          </a:prstGeom>
+          <a:noFill/>
+          <a:extLst>
+            <a:ext uri="{909E8E84-426E-40DD-AFC4-6F175D3DCCD1}">
+              <a14:hiddenFill xmlns:a14="http://schemas.microsoft.com/office/drawing/2010/main">
+                <a:solidFill>
+                  <a:srgbClr val="FFFFFF"/>
+                </a:solidFill>
+              </a14:hiddenFill>
+            </a:ext>
+          </a:extLst>
+        </p:spPr>
+      </p:pic>
+      <p:sp>
+        <p:nvSpPr>
+          <p:cNvPr id="5" name="Rectangle 4">
+            <a:extLst>
+              <a:ext uri="{FF2B5EF4-FFF2-40B4-BE49-F238E27FC236}">
+                <a16:creationId xmlns:a16="http://schemas.microsoft.com/office/drawing/2014/main" id="{0780260F-C5DB-4F88-BD7D-EBA7DBDF03A7}"/>
+              </a:ext>
+            </a:extLst>
+          </p:cNvPr>
+          <p:cNvSpPr/>
+          <p:nvPr/>
+        </p:nvSpPr>
+        <p:spPr>
+          <a:xfrm>
+            <a:off x="4780232" y="1475652"/>
+            <a:ext cx="6506245" cy="4827772"/>
+          </a:xfrm>
+          <a:prstGeom prst="rect">
+            <a:avLst/>
+          </a:prstGeom>
+          <a:noFill/>
+          <a:ln>
+            <a:noFill/>
+          </a:ln>
+        </p:spPr>
+        <p:style>
+          <a:lnRef idx="2">
+            <a:schemeClr val="accent1">
+              <a:shade val="50000"/>
+            </a:schemeClr>
+          </a:lnRef>
+          <a:fillRef idx="1">
+            <a:schemeClr val="accent1"/>
+          </a:fillRef>
+          <a:effectRef idx="0">
+            <a:schemeClr val="accent1"/>
+          </a:effectRef>
+          <a:fontRef idx="minor">
+            <a:schemeClr val="lt1"/>
+          </a:fontRef>
+        </p:style>
+        <p:txBody>
+          <a:bodyPr rtlCol="0" anchor="ctr"/>
+          <a:lstStyle/>
+          <a:p>
+            <a:pPr algn="ctr"/>
+            <a:r>
+              <a:rPr lang="fr-FR" dirty="0">
+                <a:solidFill>
+                  <a:schemeClr val="tx1"/>
+                </a:solidFill>
+              </a:rPr>
+              <a:t>L’exploration des données nous montre également que nous avons à faire à un jeu de données déséquilibrés.</a:t>
+            </a:r>
+          </a:p>
+          <a:p>
+            <a:pPr algn="ctr"/>
+            <a:endParaRPr lang="fr-FR" dirty="0">
+              <a:solidFill>
+                <a:schemeClr val="tx1"/>
+              </a:solidFill>
+            </a:endParaRPr>
+          </a:p>
+          <a:p>
+            <a:pPr algn="ctr"/>
+            <a:r>
+              <a:rPr lang="fr-FR" b="1" dirty="0">
+                <a:solidFill>
+                  <a:schemeClr val="tx1"/>
+                </a:solidFill>
+              </a:rPr>
+              <a:t>92%</a:t>
+            </a:r>
+            <a:r>
+              <a:rPr lang="fr-FR" dirty="0">
+                <a:solidFill>
+                  <a:schemeClr val="tx1"/>
+                </a:solidFill>
+              </a:rPr>
+              <a:t> des clients qui remboursent</a:t>
+            </a:r>
+          </a:p>
+          <a:p>
+            <a:pPr algn="ctr"/>
+            <a:r>
+              <a:rPr lang="fr-FR" b="1" dirty="0">
+                <a:solidFill>
+                  <a:schemeClr val="tx1"/>
+                </a:solidFill>
+              </a:rPr>
+              <a:t>8%</a:t>
+            </a:r>
+            <a:r>
+              <a:rPr lang="fr-FR" dirty="0">
+                <a:solidFill>
+                  <a:schemeClr val="tx1"/>
+                </a:solidFill>
+              </a:rPr>
+              <a:t> des clients qui ne remboursent pas</a:t>
+            </a:r>
+          </a:p>
+          <a:p>
+            <a:pPr algn="ctr"/>
+            <a:endParaRPr lang="fr-FR" dirty="0">
+              <a:solidFill>
+                <a:schemeClr val="tx1"/>
+              </a:solidFill>
+            </a:endParaRPr>
+          </a:p>
+          <a:p>
+            <a:pPr algn="ctr"/>
+            <a:r>
+              <a:rPr lang="fr-FR" dirty="0">
+                <a:solidFill>
+                  <a:schemeClr val="tx1"/>
+                </a:solidFill>
+              </a:rPr>
+              <a:t>Ceci pose plusieurs problèmes : </a:t>
+            </a:r>
+          </a:p>
+          <a:p>
+            <a:pPr algn="ctr"/>
+            <a:endParaRPr lang="fr-FR" dirty="0">
+              <a:solidFill>
+                <a:schemeClr val="tx1"/>
+              </a:solidFill>
+            </a:endParaRPr>
+          </a:p>
+          <a:p>
+            <a:pPr marL="285750" indent="-285750" algn="ctr">
+              <a:buFontTx/>
+              <a:buChar char="-"/>
+            </a:pPr>
+            <a:r>
+              <a:rPr lang="fr-FR" dirty="0">
+                <a:solidFill>
+                  <a:schemeClr val="tx1"/>
+                </a:solidFill>
+              </a:rPr>
+              <a:t>Un classifieur prédisant toujours la classe majoritaire aura une </a:t>
+            </a:r>
+            <a:r>
+              <a:rPr lang="fr-FR" b="1" dirty="0" err="1">
+                <a:solidFill>
+                  <a:schemeClr val="tx1"/>
+                </a:solidFill>
+              </a:rPr>
+              <a:t>accuracy</a:t>
+            </a:r>
+            <a:r>
+              <a:rPr lang="fr-FR" b="1" dirty="0">
+                <a:solidFill>
+                  <a:schemeClr val="tx1"/>
+                </a:solidFill>
+              </a:rPr>
+              <a:t> élevée</a:t>
+            </a:r>
+            <a:r>
+              <a:rPr lang="fr-FR" dirty="0">
+                <a:solidFill>
+                  <a:schemeClr val="tx1"/>
+                </a:solidFill>
+              </a:rPr>
+              <a:t>.</a:t>
+            </a:r>
+          </a:p>
+          <a:p>
+            <a:pPr marL="285750" indent="-285750" algn="ctr">
+              <a:buFontTx/>
+              <a:buChar char="-"/>
+            </a:pPr>
+            <a:r>
+              <a:rPr lang="fr-FR" dirty="0">
+                <a:solidFill>
+                  <a:schemeClr val="tx1"/>
+                </a:solidFill>
+              </a:rPr>
+              <a:t>La classe majoritaire sera s</a:t>
+            </a:r>
+            <a:r>
+              <a:rPr lang="fr-FR" b="1" dirty="0">
+                <a:solidFill>
+                  <a:schemeClr val="tx1"/>
+                </a:solidFill>
+              </a:rPr>
+              <a:t>urreprésentée</a:t>
+            </a:r>
+            <a:r>
+              <a:rPr lang="fr-FR" dirty="0">
+                <a:solidFill>
+                  <a:schemeClr val="tx1"/>
+                </a:solidFill>
+              </a:rPr>
+              <a:t> dans la prédiction</a:t>
+            </a:r>
+          </a:p>
+          <a:p>
+            <a:pPr marL="285750" indent="-285750" algn="ctr">
+              <a:buFontTx/>
+              <a:buChar char="-"/>
+            </a:pPr>
+            <a:endParaRPr lang="fr-FR" dirty="0">
+              <a:solidFill>
+                <a:schemeClr val="tx1"/>
+              </a:solidFill>
+            </a:endParaRPr>
+          </a:p>
+          <a:p>
+            <a:pPr algn="ctr"/>
+            <a:r>
+              <a:rPr lang="fr-FR" dirty="0">
+                <a:solidFill>
+                  <a:schemeClr val="tx1"/>
+                </a:solidFill>
+              </a:rPr>
+              <a:t>Il est donc nécessaire de procédé à un </a:t>
+            </a:r>
+            <a:r>
+              <a:rPr lang="fr-FR" b="1" dirty="0">
+                <a:solidFill>
+                  <a:schemeClr val="tx1"/>
+                </a:solidFill>
+              </a:rPr>
+              <a:t>rééquilibrage</a:t>
+            </a:r>
+            <a:r>
+              <a:rPr lang="fr-FR" dirty="0">
+                <a:solidFill>
+                  <a:schemeClr val="tx1"/>
+                </a:solidFill>
+              </a:rPr>
+              <a:t>. </a:t>
+            </a:r>
+          </a:p>
+          <a:p>
+            <a:pPr algn="ctr"/>
+            <a:r>
+              <a:rPr lang="fr-FR" dirty="0">
+                <a:solidFill>
+                  <a:schemeClr val="tx1"/>
+                </a:solidFill>
+              </a:rPr>
+              <a:t>(ex : </a:t>
+            </a:r>
+            <a:r>
+              <a:rPr lang="fr-FR" dirty="0" err="1">
+                <a:solidFill>
+                  <a:schemeClr val="tx1"/>
+                </a:solidFill>
+              </a:rPr>
+              <a:t>under</a:t>
+            </a:r>
+            <a:r>
+              <a:rPr lang="fr-FR" dirty="0">
+                <a:solidFill>
+                  <a:schemeClr val="tx1"/>
+                </a:solidFill>
+              </a:rPr>
+              <a:t>-sampling, </a:t>
+            </a:r>
+            <a:r>
+              <a:rPr lang="fr-FR" dirty="0" err="1">
+                <a:solidFill>
+                  <a:schemeClr val="tx1"/>
+                </a:solidFill>
+              </a:rPr>
+              <a:t>oversampling</a:t>
+            </a:r>
+            <a:r>
+              <a:rPr lang="fr-FR" dirty="0">
+                <a:solidFill>
+                  <a:schemeClr val="tx1"/>
+                </a:solidFill>
+              </a:rPr>
+              <a:t>, …)</a:t>
+            </a:r>
+          </a:p>
+        </p:txBody>
+      </p:sp>
+    </p:spTree>
+    <p:extLst>
+      <p:ext uri="{BB962C8B-B14F-4D97-AF65-F5344CB8AC3E}">
+        <p14:creationId xmlns:p14="http://schemas.microsoft.com/office/powerpoint/2010/main" val="1992527769"/>
+      </p:ext>
+    </p:extLst>
+  </p:cSld>
+  <p:clrMapOvr>
+    <a:masterClrMapping/>
+  </p:clrMapOvr>
+</p:sld>
+</file>
+
+<file path=ppt/slides/slide9.xml><?xml version="1.0" encoding="utf-8"?>
+<p:sld xmlns:a="http://schemas.openxmlformats.org/drawingml/2006/main" xmlns:r="http://schemas.openxmlformats.org/officeDocument/2006/relationships" xmlns:p="http://schemas.openxmlformats.org/presentationml/2006/main">
+  <p:cSld>
+    <p:spTree>
+      <p:nvGrpSpPr>
+        <p:cNvPr id="1" name=""/>
+        <p:cNvGrpSpPr/>
+        <p:nvPr/>
+      </p:nvGrpSpPr>
+      <p:grpSpPr>
+        <a:xfrm>
+          <a:off x="0" y="0"/>
+          <a:ext cx="0" cy="0"/>
+          <a:chOff x="0" y="0"/>
+          <a:chExt cx="0" cy="0"/>
+        </a:xfrm>
+      </p:grpSpPr>
+      <p:sp>
+        <p:nvSpPr>
+          <p:cNvPr id="4" name="Rectangle 3">
+            <a:extLst>
+              <a:ext uri="{FF2B5EF4-FFF2-40B4-BE49-F238E27FC236}">
+                <a16:creationId xmlns:a16="http://schemas.microsoft.com/office/drawing/2014/main" id="{DB320C1A-E1A6-409C-BA2E-18BF6D92F415}"/>
+              </a:ext>
+            </a:extLst>
+          </p:cNvPr>
+          <p:cNvSpPr/>
+          <p:nvPr/>
+        </p:nvSpPr>
+        <p:spPr>
+          <a:xfrm>
+            <a:off x="0" y="-8878"/>
+            <a:ext cx="12192000" cy="6866878"/>
+          </a:xfrm>
+          <a:prstGeom prst="rect">
+            <a:avLst/>
+          </a:prstGeom>
+          <a:solidFill>
+            <a:srgbClr val="D7D8D7"/>
+          </a:solidFill>
+          <a:ln>
+            <a:solidFill>
+              <a:srgbClr val="D7D8D7"/>
+            </a:solidFill>
+          </a:ln>
+        </p:spPr>
+        <p:style>
+          <a:lnRef idx="2">
+            <a:schemeClr val="accent1">
+              <a:shade val="50000"/>
+            </a:schemeClr>
+          </a:lnRef>
+          <a:fillRef idx="1">
+            <a:schemeClr val="accent1"/>
+          </a:fillRef>
+          <a:effectRef idx="0">
+            <a:schemeClr val="accent1"/>
+          </a:effectRef>
+          <a:fontRef idx="minor">
+            <a:schemeClr val="lt1"/>
+          </a:fontRef>
+        </p:style>
+        <p:txBody>
+          <a:bodyPr rtlCol="0" anchor="ctr"/>
+          <a:lstStyle/>
+          <a:p>
+            <a:pPr algn="ctr"/>
+            <a:endParaRPr lang="fr-FR"/>
+          </a:p>
+        </p:txBody>
+      </p:sp>
+      <p:sp>
+        <p:nvSpPr>
+          <p:cNvPr id="2" name="Titre 1">
+            <a:extLst>
+              <a:ext uri="{FF2B5EF4-FFF2-40B4-BE49-F238E27FC236}">
+                <a16:creationId xmlns:a16="http://schemas.microsoft.com/office/drawing/2014/main" id="{1243ED1C-1A07-4F34-B448-CA06D63523F7}"/>
+              </a:ext>
+            </a:extLst>
+          </p:cNvPr>
+          <p:cNvSpPr>
+            <a:spLocks noGrp="1"/>
+          </p:cNvSpPr>
+          <p:nvPr>
+            <p:ph type="title"/>
+          </p:nvPr>
+        </p:nvSpPr>
+        <p:spPr/>
+        <p:txBody>
+          <a:bodyPr>
+            <a:normAutofit/>
+          </a:bodyPr>
+          <a:lstStyle/>
+          <a:p>
+            <a:r>
+              <a:rPr lang="fr-FR" sz="4800" b="1" dirty="0"/>
+              <a:t>3. Modélisation : </a:t>
+            </a:r>
+            <a:r>
+              <a:rPr lang="fr-FR" sz="4800" b="1" dirty="0" err="1"/>
+              <a:t>pre-processing</a:t>
+            </a:r>
+            <a:endParaRPr lang="fr-FR" b="1" dirty="0"/>
+          </a:p>
+        </p:txBody>
+      </p:sp>
+      <p:sp>
+        <p:nvSpPr>
+          <p:cNvPr id="3" name="Rectangle 2">
+            <a:extLst>
+              <a:ext uri="{FF2B5EF4-FFF2-40B4-BE49-F238E27FC236}">
+                <a16:creationId xmlns:a16="http://schemas.microsoft.com/office/drawing/2014/main" id="{AB5920F0-D5E8-4D41-9718-6E8A07554DB0}"/>
+              </a:ext>
+            </a:extLst>
+          </p:cNvPr>
+          <p:cNvSpPr/>
+          <p:nvPr/>
+        </p:nvSpPr>
+        <p:spPr>
+          <a:xfrm>
+            <a:off x="2077376" y="1788596"/>
+            <a:ext cx="2254928" cy="1180730"/>
+          </a:xfrm>
+          <a:prstGeom prst="rect">
+            <a:avLst/>
+          </a:prstGeom>
+        </p:spPr>
+        <p:style>
+          <a:lnRef idx="2">
+            <a:schemeClr val="dk1">
+              <a:shade val="50000"/>
+            </a:schemeClr>
+          </a:lnRef>
+          <a:fillRef idx="1">
+            <a:schemeClr val="dk1"/>
+          </a:fillRef>
+          <a:effectRef idx="0">
+            <a:schemeClr val="dk1"/>
+          </a:effectRef>
+          <a:fontRef idx="minor">
+            <a:schemeClr val="lt1"/>
+          </a:fontRef>
+        </p:style>
+        <p:txBody>
+          <a:bodyPr rtlCol="0" anchor="ctr"/>
+          <a:lstStyle/>
+          <a:p>
+            <a:pPr algn="ctr"/>
+            <a:r>
+              <a:rPr lang="fr-FR" dirty="0"/>
+              <a:t>Séparation des données (entrainement / test)</a:t>
+            </a:r>
+          </a:p>
+        </p:txBody>
+      </p:sp>
+      <p:sp>
+        <p:nvSpPr>
+          <p:cNvPr id="5" name="Rectangle 4">
+            <a:extLst>
+              <a:ext uri="{FF2B5EF4-FFF2-40B4-BE49-F238E27FC236}">
+                <a16:creationId xmlns:a16="http://schemas.microsoft.com/office/drawing/2014/main" id="{B41B2DF7-8BBF-42E9-8EDD-2C70DD8E0E01}"/>
+              </a:ext>
+            </a:extLst>
+          </p:cNvPr>
+          <p:cNvSpPr/>
+          <p:nvPr/>
+        </p:nvSpPr>
+        <p:spPr>
+          <a:xfrm>
+            <a:off x="4635624" y="1788596"/>
+            <a:ext cx="2254928" cy="1180730"/>
+          </a:xfrm>
+          <a:prstGeom prst="rect">
+            <a:avLst/>
+          </a:prstGeom>
+        </p:spPr>
+        <p:style>
+          <a:lnRef idx="2">
+            <a:schemeClr val="dk1">
+              <a:shade val="50000"/>
+            </a:schemeClr>
+          </a:lnRef>
+          <a:fillRef idx="1">
+            <a:schemeClr val="dk1"/>
+          </a:fillRef>
+          <a:effectRef idx="0">
+            <a:schemeClr val="dk1"/>
+          </a:effectRef>
+          <a:fontRef idx="minor">
+            <a:schemeClr val="lt1"/>
+          </a:fontRef>
+        </p:style>
+        <p:txBody>
+          <a:bodyPr rtlCol="0" anchor="ctr"/>
+          <a:lstStyle/>
+          <a:p>
+            <a:pPr algn="ctr"/>
+            <a:r>
+              <a:rPr lang="fr-FR" dirty="0"/>
+              <a:t>Création d’un pipeline </a:t>
+            </a:r>
+            <a:r>
+              <a:rPr lang="fr-FR" sz="1600" dirty="0"/>
+              <a:t>(Imputation et normalisation / encodage des données)</a:t>
+            </a:r>
+            <a:endParaRPr lang="fr-FR" dirty="0"/>
+          </a:p>
+        </p:txBody>
+      </p:sp>
+      <p:sp>
+        <p:nvSpPr>
+          <p:cNvPr id="6" name="Rectangle 5">
+            <a:extLst>
+              <a:ext uri="{FF2B5EF4-FFF2-40B4-BE49-F238E27FC236}">
+                <a16:creationId xmlns:a16="http://schemas.microsoft.com/office/drawing/2014/main" id="{30E9AC08-90D2-40BD-B2AF-3A975012D53A}"/>
+              </a:ext>
+            </a:extLst>
+          </p:cNvPr>
+          <p:cNvSpPr/>
+          <p:nvPr/>
+        </p:nvSpPr>
+        <p:spPr>
+          <a:xfrm>
+            <a:off x="7193872" y="1788596"/>
+            <a:ext cx="2254928" cy="1180730"/>
+          </a:xfrm>
+          <a:prstGeom prst="rect">
+            <a:avLst/>
+          </a:prstGeom>
+        </p:spPr>
+        <p:style>
+          <a:lnRef idx="2">
+            <a:schemeClr val="dk1">
+              <a:shade val="50000"/>
+            </a:schemeClr>
+          </a:lnRef>
+          <a:fillRef idx="1">
+            <a:schemeClr val="dk1"/>
+          </a:fillRef>
+          <a:effectRef idx="0">
+            <a:schemeClr val="dk1"/>
+          </a:effectRef>
+          <a:fontRef idx="minor">
+            <a:schemeClr val="lt1"/>
+          </a:fontRef>
+        </p:style>
+        <p:txBody>
+          <a:bodyPr rtlCol="0" anchor="ctr"/>
+          <a:lstStyle/>
+          <a:p>
+            <a:pPr algn="ctr"/>
+            <a:r>
+              <a:rPr lang="fr-FR" dirty="0" err="1"/>
+              <a:t>Resampling</a:t>
+            </a:r>
+            <a:r>
+              <a:rPr lang="fr-FR" dirty="0"/>
+              <a:t> des données</a:t>
+            </a:r>
+          </a:p>
+        </p:txBody>
+      </p:sp>
+      <p:sp>
+        <p:nvSpPr>
+          <p:cNvPr id="7" name="Rectangle 6">
+            <a:extLst>
+              <a:ext uri="{FF2B5EF4-FFF2-40B4-BE49-F238E27FC236}">
+                <a16:creationId xmlns:a16="http://schemas.microsoft.com/office/drawing/2014/main" id="{49BEA097-330F-41CA-BA43-C35A6162DF1A}"/>
+              </a:ext>
+            </a:extLst>
+          </p:cNvPr>
+          <p:cNvSpPr/>
+          <p:nvPr/>
+        </p:nvSpPr>
+        <p:spPr>
+          <a:xfrm>
+            <a:off x="2077377" y="3182389"/>
+            <a:ext cx="2254928" cy="2831977"/>
+          </a:xfrm>
+          <a:prstGeom prst="rect">
+            <a:avLst/>
+          </a:prstGeom>
+          <a:noFill/>
+          <a:ln>
+            <a:solidFill>
+              <a:schemeClr val="tx1"/>
+            </a:solidFill>
+          </a:ln>
+        </p:spPr>
+        <p:style>
+          <a:lnRef idx="2">
+            <a:schemeClr val="accent1">
+              <a:shade val="50000"/>
+            </a:schemeClr>
+          </a:lnRef>
+          <a:fillRef idx="1">
+            <a:schemeClr val="accent1"/>
+          </a:fillRef>
+          <a:effectRef idx="0">
+            <a:schemeClr val="accent1"/>
+          </a:effectRef>
+          <a:fontRef idx="minor">
+            <a:schemeClr val="lt1"/>
+          </a:fontRef>
+        </p:style>
+        <p:txBody>
+          <a:bodyPr rtlCol="0" anchor="ctr"/>
+          <a:lstStyle/>
+          <a:p>
+            <a:pPr algn="ctr"/>
+            <a:r>
+              <a:rPr lang="fr-FR" dirty="0">
+                <a:solidFill>
+                  <a:schemeClr val="tx1"/>
+                </a:solidFill>
+              </a:rPr>
+              <a:t>Récupération de données d’entrainement et des données de test</a:t>
+            </a:r>
+          </a:p>
+        </p:txBody>
+      </p:sp>
+      <p:sp>
+        <p:nvSpPr>
+          <p:cNvPr id="8" name="Rectangle 7">
+            <a:extLst>
+              <a:ext uri="{FF2B5EF4-FFF2-40B4-BE49-F238E27FC236}">
+                <a16:creationId xmlns:a16="http://schemas.microsoft.com/office/drawing/2014/main" id="{22DBB743-2776-4B6E-93DA-C7531A77A227}"/>
+              </a:ext>
+            </a:extLst>
+          </p:cNvPr>
+          <p:cNvSpPr/>
+          <p:nvPr/>
+        </p:nvSpPr>
+        <p:spPr>
+          <a:xfrm>
+            <a:off x="4635624" y="3182389"/>
+            <a:ext cx="2254928" cy="2831977"/>
+          </a:xfrm>
+          <a:prstGeom prst="rect">
+            <a:avLst/>
+          </a:prstGeom>
+          <a:noFill/>
+          <a:ln>
+            <a:solidFill>
+              <a:schemeClr val="tx1"/>
+            </a:solidFill>
+          </a:ln>
+        </p:spPr>
+        <p:style>
+          <a:lnRef idx="2">
+            <a:schemeClr val="accent1">
+              <a:shade val="50000"/>
+            </a:schemeClr>
+          </a:lnRef>
+          <a:fillRef idx="1">
+            <a:schemeClr val="accent1"/>
+          </a:fillRef>
+          <a:effectRef idx="0">
+            <a:schemeClr val="accent1"/>
+          </a:effectRef>
+          <a:fontRef idx="minor">
+            <a:schemeClr val="lt1"/>
+          </a:fontRef>
+        </p:style>
+        <p:txBody>
+          <a:bodyPr rtlCol="0" anchor="ctr"/>
+          <a:lstStyle/>
+          <a:p>
+            <a:pPr algn="ctr"/>
+            <a:r>
+              <a:rPr lang="fr-FR" dirty="0">
+                <a:solidFill>
+                  <a:schemeClr val="tx1"/>
+                </a:solidFill>
+              </a:rPr>
+              <a:t>- Imputation des données </a:t>
+            </a:r>
+            <a:r>
+              <a:rPr lang="fr-FR" sz="1400" dirty="0">
+                <a:solidFill>
+                  <a:schemeClr val="tx1"/>
+                </a:solidFill>
+              </a:rPr>
+              <a:t>(médiane / </a:t>
+            </a:r>
+            <a:r>
+              <a:rPr lang="fr-FR" sz="1400" dirty="0" err="1">
+                <a:solidFill>
+                  <a:schemeClr val="tx1"/>
+                </a:solidFill>
+              </a:rPr>
+              <a:t>most</a:t>
+            </a:r>
+            <a:r>
+              <a:rPr lang="fr-FR" sz="1400" dirty="0">
+                <a:solidFill>
+                  <a:schemeClr val="tx1"/>
+                </a:solidFill>
+              </a:rPr>
+              <a:t> </a:t>
+            </a:r>
+            <a:r>
+              <a:rPr lang="fr-FR" sz="1400" dirty="0" err="1">
+                <a:solidFill>
+                  <a:schemeClr val="tx1"/>
+                </a:solidFill>
+              </a:rPr>
+              <a:t>frequent</a:t>
+            </a:r>
+            <a:r>
+              <a:rPr lang="fr-FR" sz="1400" dirty="0">
+                <a:solidFill>
+                  <a:schemeClr val="tx1"/>
+                </a:solidFill>
+              </a:rPr>
+              <a:t>)</a:t>
+            </a:r>
+          </a:p>
+          <a:p>
+            <a:pPr algn="ctr"/>
+            <a:r>
+              <a:rPr lang="fr-FR" dirty="0">
+                <a:solidFill>
+                  <a:schemeClr val="tx1"/>
+                </a:solidFill>
+              </a:rPr>
+              <a:t>- Normalisation des données numériques </a:t>
+            </a:r>
+            <a:r>
+              <a:rPr lang="fr-FR" sz="1400" dirty="0">
+                <a:solidFill>
+                  <a:schemeClr val="tx1"/>
+                </a:solidFill>
+              </a:rPr>
+              <a:t>(</a:t>
+            </a:r>
+            <a:r>
+              <a:rPr lang="fr-FR" sz="1400" dirty="0" err="1">
+                <a:solidFill>
+                  <a:schemeClr val="tx1"/>
+                </a:solidFill>
+              </a:rPr>
+              <a:t>Robustcaler</a:t>
+            </a:r>
+            <a:r>
+              <a:rPr lang="fr-FR" sz="1400" dirty="0">
+                <a:solidFill>
+                  <a:schemeClr val="tx1"/>
+                </a:solidFill>
+              </a:rPr>
+              <a:t>)</a:t>
+            </a:r>
+          </a:p>
+          <a:p>
+            <a:pPr algn="ctr"/>
+            <a:r>
+              <a:rPr lang="fr-FR" dirty="0">
+                <a:solidFill>
+                  <a:schemeClr val="tx1"/>
+                </a:solidFill>
+              </a:rPr>
+              <a:t>- Encodage des données catégorielles </a:t>
+            </a:r>
+            <a:r>
+              <a:rPr lang="fr-FR" sz="1400" dirty="0">
+                <a:solidFill>
+                  <a:schemeClr val="tx1"/>
+                </a:solidFill>
+              </a:rPr>
+              <a:t>(One hot </a:t>
+            </a:r>
+            <a:r>
+              <a:rPr lang="fr-FR" sz="1400" dirty="0" err="1">
+                <a:solidFill>
+                  <a:schemeClr val="tx1"/>
+                </a:solidFill>
+              </a:rPr>
+              <a:t>encoding</a:t>
+            </a:r>
+            <a:r>
+              <a:rPr lang="fr-FR" sz="1400" dirty="0">
+                <a:solidFill>
+                  <a:schemeClr val="tx1"/>
+                </a:solidFill>
+              </a:rPr>
+              <a:t>)</a:t>
+            </a:r>
+          </a:p>
+        </p:txBody>
+      </p:sp>
+      <p:sp>
+        <p:nvSpPr>
+          <p:cNvPr id="9" name="Rectangle 8">
+            <a:extLst>
+              <a:ext uri="{FF2B5EF4-FFF2-40B4-BE49-F238E27FC236}">
+                <a16:creationId xmlns:a16="http://schemas.microsoft.com/office/drawing/2014/main" id="{9E84C10E-015E-410C-947E-7AF5671C16A7}"/>
+              </a:ext>
+            </a:extLst>
+          </p:cNvPr>
+          <p:cNvSpPr/>
+          <p:nvPr/>
+        </p:nvSpPr>
+        <p:spPr>
+          <a:xfrm>
+            <a:off x="7193871" y="3182389"/>
+            <a:ext cx="2254928" cy="2831977"/>
+          </a:xfrm>
+          <a:prstGeom prst="rect">
+            <a:avLst/>
+          </a:prstGeom>
+          <a:noFill/>
+          <a:ln>
+            <a:solidFill>
+              <a:schemeClr val="tx1"/>
+            </a:solidFill>
+          </a:ln>
+        </p:spPr>
+        <p:style>
+          <a:lnRef idx="2">
+            <a:schemeClr val="accent1">
+              <a:shade val="50000"/>
+            </a:schemeClr>
+          </a:lnRef>
+          <a:fillRef idx="1">
+            <a:schemeClr val="accent1"/>
+          </a:fillRef>
+          <a:effectRef idx="0">
+            <a:schemeClr val="accent1"/>
+          </a:effectRef>
+          <a:fontRef idx="minor">
+            <a:schemeClr val="lt1"/>
+          </a:fontRef>
+        </p:style>
+        <p:txBody>
+          <a:bodyPr rtlCol="0" anchor="ctr"/>
+          <a:lstStyle/>
+          <a:p>
+            <a:pPr algn="ctr"/>
+            <a:r>
+              <a:rPr lang="fr-FR" dirty="0">
+                <a:solidFill>
+                  <a:schemeClr val="tx1"/>
+                </a:solidFill>
+              </a:rPr>
+              <a:t>Equilibrage des données d’entrainement à l’aide de SMOTE (</a:t>
+            </a:r>
+            <a:r>
+              <a:rPr lang="fr-FR" dirty="0" err="1">
+                <a:solidFill>
+                  <a:schemeClr val="tx1"/>
+                </a:solidFill>
+              </a:rPr>
+              <a:t>oversampling</a:t>
+            </a:r>
+            <a:r>
+              <a:rPr lang="fr-FR" dirty="0">
+                <a:solidFill>
+                  <a:schemeClr val="tx1"/>
+                </a:solidFill>
+              </a:rPr>
+              <a:t>, création d’individus synthétiques dans la classe minoritaire)</a:t>
+            </a:r>
+          </a:p>
+        </p:txBody>
+      </p:sp>
+      <p:sp>
+        <p:nvSpPr>
+          <p:cNvPr id="10" name="Rectangle 9">
+            <a:extLst>
+              <a:ext uri="{FF2B5EF4-FFF2-40B4-BE49-F238E27FC236}">
+                <a16:creationId xmlns:a16="http://schemas.microsoft.com/office/drawing/2014/main" id="{FBB67151-886D-46EF-B310-B74D3C282CE4}"/>
+              </a:ext>
+            </a:extLst>
+          </p:cNvPr>
+          <p:cNvSpPr/>
+          <p:nvPr/>
+        </p:nvSpPr>
+        <p:spPr>
+          <a:xfrm>
+            <a:off x="4635624" y="6156410"/>
+            <a:ext cx="2254928" cy="603682"/>
+          </a:xfrm>
+          <a:prstGeom prst="rect">
+            <a:avLst/>
+          </a:prstGeom>
+          <a:noFill/>
+          <a:ln>
+            <a:noFill/>
+          </a:ln>
+        </p:spPr>
+        <p:style>
+          <a:lnRef idx="2">
+            <a:schemeClr val="accent1">
+              <a:shade val="50000"/>
+            </a:schemeClr>
+          </a:lnRef>
+          <a:fillRef idx="1">
+            <a:schemeClr val="accent1"/>
+          </a:fillRef>
+          <a:effectRef idx="0">
+            <a:schemeClr val="accent1"/>
+          </a:effectRef>
+          <a:fontRef idx="minor">
+            <a:schemeClr val="lt1"/>
+          </a:fontRef>
+        </p:style>
+        <p:txBody>
+          <a:bodyPr rtlCol="0" anchor="ctr"/>
+          <a:lstStyle/>
+          <a:p>
+            <a:pPr algn="ctr"/>
+            <a:r>
+              <a:rPr lang="fr-FR" sz="1200" dirty="0">
+                <a:solidFill>
+                  <a:schemeClr val="tx1"/>
+                </a:solidFill>
+              </a:rPr>
+              <a:t>*Le pipeline est entrainé à l’aide des données d’entrainement uniquement pour éviter la fuite de données</a:t>
+            </a:r>
+          </a:p>
+        </p:txBody>
+      </p:sp>
+    </p:spTree>
+    <p:extLst>
+      <p:ext uri="{BB962C8B-B14F-4D97-AF65-F5344CB8AC3E}">
+        <p14:creationId xmlns:p14="http://schemas.microsoft.com/office/powerpoint/2010/main" val="3655932663"/>
       </p:ext>
     </p:extLst>
   </p:cSld>
